--- a/Logo/Logo Print.pptx
+++ b/Logo/Logo Print.pptx
@@ -5,28 +5,29 @@
     <p:sldMasterId id="2147483660" r:id="rId1"/>
   </p:sldMasterIdLst>
   <p:notesMasterIdLst>
-    <p:notesMasterId r:id="rId21"/>
+    <p:notesMasterId r:id="rId22"/>
   </p:notesMasterIdLst>
   <p:sldIdLst>
     <p:sldId id="258" r:id="rId2"/>
     <p:sldId id="281" r:id="rId3"/>
-    <p:sldId id="288" r:id="rId4"/>
-    <p:sldId id="289" r:id="rId5"/>
-    <p:sldId id="283" r:id="rId6"/>
-    <p:sldId id="287" r:id="rId7"/>
-    <p:sldId id="284" r:id="rId8"/>
-    <p:sldId id="286" r:id="rId9"/>
-    <p:sldId id="282" r:id="rId10"/>
-    <p:sldId id="285" r:id="rId11"/>
-    <p:sldId id="290" r:id="rId12"/>
-    <p:sldId id="291" r:id="rId13"/>
-    <p:sldId id="279" r:id="rId14"/>
+    <p:sldId id="289" r:id="rId4"/>
+    <p:sldId id="283" r:id="rId5"/>
+    <p:sldId id="287" r:id="rId6"/>
+    <p:sldId id="284" r:id="rId7"/>
+    <p:sldId id="286" r:id="rId8"/>
+    <p:sldId id="282" r:id="rId9"/>
+    <p:sldId id="285" r:id="rId10"/>
+    <p:sldId id="290" r:id="rId11"/>
+    <p:sldId id="291" r:id="rId12"/>
+    <p:sldId id="279" r:id="rId13"/>
+    <p:sldId id="296" r:id="rId14"/>
     <p:sldId id="292" r:id="rId15"/>
-    <p:sldId id="294" r:id="rId16"/>
-    <p:sldId id="295" r:id="rId17"/>
-    <p:sldId id="257" r:id="rId18"/>
-    <p:sldId id="280" r:id="rId19"/>
-    <p:sldId id="260" r:id="rId20"/>
+    <p:sldId id="298" r:id="rId16"/>
+    <p:sldId id="294" r:id="rId17"/>
+    <p:sldId id="295" r:id="rId18"/>
+    <p:sldId id="257" r:id="rId19"/>
+    <p:sldId id="280" r:id="rId20"/>
+    <p:sldId id="260" r:id="rId21"/>
   </p:sldIdLst>
   <p:sldSz cx="9906000" cy="6858000" type="A4"/>
   <p:notesSz cx="6797675" cy="9926638"/>
@@ -127,7 +128,18 @@
   </p:defaultTextStyle>
   <p:extLst>
     <p:ext uri="{EFAFB233-063F-42B5-8137-9DF3F51BA10A}">
-      <p15:sldGuideLst xmlns:p15="http://schemas.microsoft.com/office/powerpoint/2012/main"/>
+      <p15:sldGuideLst xmlns:p15="http://schemas.microsoft.com/office/powerpoint/2012/main">
+        <p15:guide id="1" orient="horz" pos="2160" userDrawn="1">
+          <p15:clr>
+            <a:srgbClr val="A4A3A4"/>
+          </p15:clr>
+        </p15:guide>
+        <p15:guide id="2" pos="3120" userDrawn="1">
+          <p15:clr>
+            <a:srgbClr val="A4A3A4"/>
+          </p15:clr>
+        </p15:guide>
+      </p15:sldGuideLst>
     </p:ext>
   </p:extLst>
 </p:presentation>
@@ -215,7 +227,7 @@
           <a:p>
             <a:fld id="{1E980196-448A-481A-8A1B-A58FF56D8844}" type="datetimeFigureOut">
               <a:rPr lang="en-US" smtClean="0"/>
-              <a:t>2/15/2023</a:t>
+              <a:t>2/16/2023</a:t>
             </a:fld>
             <a:endParaRPr lang="en-US"/>
           </a:p>
@@ -614,7 +626,7 @@
           <a:p>
             <a:fld id="{F63CEDD3-0525-4453-AC94-ABA547278219}" type="datetimeFigureOut">
               <a:rPr lang="en-US" smtClean="0"/>
-              <a:t>2/15/2023</a:t>
+              <a:t>2/16/2023</a:t>
             </a:fld>
             <a:endParaRPr lang="en-US"/>
           </a:p>
@@ -784,7 +796,7 @@
           <a:p>
             <a:fld id="{F63CEDD3-0525-4453-AC94-ABA547278219}" type="datetimeFigureOut">
               <a:rPr lang="en-US" smtClean="0"/>
-              <a:t>2/15/2023</a:t>
+              <a:t>2/16/2023</a:t>
             </a:fld>
             <a:endParaRPr lang="en-US"/>
           </a:p>
@@ -964,7 +976,7 @@
           <a:p>
             <a:fld id="{F63CEDD3-0525-4453-AC94-ABA547278219}" type="datetimeFigureOut">
               <a:rPr lang="en-US" smtClean="0"/>
-              <a:t>2/15/2023</a:t>
+              <a:t>2/16/2023</a:t>
             </a:fld>
             <a:endParaRPr lang="en-US"/>
           </a:p>
@@ -1134,7 +1146,7 @@
           <a:p>
             <a:fld id="{F63CEDD3-0525-4453-AC94-ABA547278219}" type="datetimeFigureOut">
               <a:rPr lang="en-US" smtClean="0"/>
-              <a:t>2/15/2023</a:t>
+              <a:t>2/16/2023</a:t>
             </a:fld>
             <a:endParaRPr lang="en-US"/>
           </a:p>
@@ -1378,7 +1390,7 @@
           <a:p>
             <a:fld id="{F63CEDD3-0525-4453-AC94-ABA547278219}" type="datetimeFigureOut">
               <a:rPr lang="en-US" smtClean="0"/>
-              <a:t>2/15/2023</a:t>
+              <a:t>2/16/2023</a:t>
             </a:fld>
             <a:endParaRPr lang="en-US"/>
           </a:p>
@@ -1610,7 +1622,7 @@
           <a:p>
             <a:fld id="{F63CEDD3-0525-4453-AC94-ABA547278219}" type="datetimeFigureOut">
               <a:rPr lang="en-US" smtClean="0"/>
-              <a:t>2/15/2023</a:t>
+              <a:t>2/16/2023</a:t>
             </a:fld>
             <a:endParaRPr lang="en-US"/>
           </a:p>
@@ -1977,7 +1989,7 @@
           <a:p>
             <a:fld id="{F63CEDD3-0525-4453-AC94-ABA547278219}" type="datetimeFigureOut">
               <a:rPr lang="en-US" smtClean="0"/>
-              <a:t>2/15/2023</a:t>
+              <a:t>2/16/2023</a:t>
             </a:fld>
             <a:endParaRPr lang="en-US"/>
           </a:p>
@@ -2095,7 +2107,7 @@
           <a:p>
             <a:fld id="{F63CEDD3-0525-4453-AC94-ABA547278219}" type="datetimeFigureOut">
               <a:rPr lang="en-US" smtClean="0"/>
-              <a:t>2/15/2023</a:t>
+              <a:t>2/16/2023</a:t>
             </a:fld>
             <a:endParaRPr lang="en-US"/>
           </a:p>
@@ -2190,7 +2202,7 @@
           <a:p>
             <a:fld id="{F63CEDD3-0525-4453-AC94-ABA547278219}" type="datetimeFigureOut">
               <a:rPr lang="en-US" smtClean="0"/>
-              <a:t>2/15/2023</a:t>
+              <a:t>2/16/2023</a:t>
             </a:fld>
             <a:endParaRPr lang="en-US"/>
           </a:p>
@@ -2467,7 +2479,7 @@
           <a:p>
             <a:fld id="{F63CEDD3-0525-4453-AC94-ABA547278219}" type="datetimeFigureOut">
               <a:rPr lang="en-US" smtClean="0"/>
-              <a:t>2/15/2023</a:t>
+              <a:t>2/16/2023</a:t>
             </a:fld>
             <a:endParaRPr lang="en-US"/>
           </a:p>
@@ -2724,7 +2736,7 @@
           <a:p>
             <a:fld id="{F63CEDD3-0525-4453-AC94-ABA547278219}" type="datetimeFigureOut">
               <a:rPr lang="en-US" smtClean="0"/>
-              <a:t>2/15/2023</a:t>
+              <a:t>2/16/2023</a:t>
             </a:fld>
             <a:endParaRPr lang="en-US"/>
           </a:p>
@@ -2937,7 +2949,7 @@
           <a:p>
             <a:fld id="{F63CEDD3-0525-4453-AC94-ABA547278219}" type="datetimeFigureOut">
               <a:rPr lang="en-US" smtClean="0"/>
-              <a:t>2/15/2023</a:t>
+              <a:t>2/16/2023</a:t>
             </a:fld>
             <a:endParaRPr lang="en-US"/>
           </a:p>
@@ -4161,8 +4173,8 @@
         </p:blipFill>
         <p:spPr>
           <a:xfrm>
-            <a:off x="7670591" y="218338"/>
-            <a:ext cx="2086728" cy="3012893"/>
+            <a:off x="7663747" y="260581"/>
+            <a:ext cx="2100417" cy="2928407"/>
           </a:xfrm>
           <a:prstGeom prst="rect">
             <a:avLst/>
@@ -4196,8 +4208,8 @@
         </p:blipFill>
         <p:spPr>
           <a:xfrm>
-            <a:off x="5182808" y="218338"/>
-            <a:ext cx="2086728" cy="3012893"/>
+            <a:off x="5175964" y="260581"/>
+            <a:ext cx="2100417" cy="2928407"/>
           </a:xfrm>
           <a:prstGeom prst="rect">
             <a:avLst/>
@@ -4219,7 +4231,7 @@
           <p:nvPr/>
         </p:nvPicPr>
         <p:blipFill>
-          <a:blip r:embed="rId3">
+          <a:blip r:embed="rId2">
             <a:extLst>
               <a:ext uri="{28A0092B-C50C-407E-A947-70E740481C1C}">
                 <a14:useLocalDpi xmlns:a14="http://schemas.microsoft.com/office/drawing/2010/main" val="0"/>
@@ -4231,8 +4243,8 @@
         </p:blipFill>
         <p:spPr>
           <a:xfrm>
-            <a:off x="225533" y="3637053"/>
-            <a:ext cx="1983679" cy="3012893"/>
+            <a:off x="167165" y="3679296"/>
+            <a:ext cx="2100417" cy="2928407"/>
           </a:xfrm>
           <a:prstGeom prst="rect">
             <a:avLst/>
@@ -4254,7 +4266,7 @@
           <p:nvPr/>
         </p:nvPicPr>
         <p:blipFill>
-          <a:blip r:embed="rId3">
+          <a:blip r:embed="rId2">
             <a:extLst>
               <a:ext uri="{28A0092B-C50C-407E-A947-70E740481C1C}">
                 <a14:useLocalDpi xmlns:a14="http://schemas.microsoft.com/office/drawing/2010/main" val="0"/>
@@ -4266,8 +4278,8 @@
         </p:blipFill>
         <p:spPr>
           <a:xfrm>
-            <a:off x="2757832" y="3637052"/>
-            <a:ext cx="1983679" cy="3012893"/>
+            <a:off x="2699463" y="3679295"/>
+            <a:ext cx="2100417" cy="2928407"/>
           </a:xfrm>
           <a:prstGeom prst="rect">
             <a:avLst/>
@@ -4289,7 +4301,7 @@
           <p:nvPr/>
         </p:nvPicPr>
         <p:blipFill>
-          <a:blip r:embed="rId3">
+          <a:blip r:embed="rId2">
             <a:extLst>
               <a:ext uri="{28A0092B-C50C-407E-A947-70E740481C1C}">
                 <a14:useLocalDpi xmlns:a14="http://schemas.microsoft.com/office/drawing/2010/main" val="0"/>
@@ -4301,8 +4313,8 @@
         </p:blipFill>
         <p:spPr>
           <a:xfrm>
-            <a:off x="5234333" y="3637053"/>
-            <a:ext cx="1983679" cy="3012893"/>
+            <a:off x="5175964" y="3679296"/>
+            <a:ext cx="2100417" cy="2928407"/>
           </a:xfrm>
           <a:prstGeom prst="rect">
             <a:avLst/>
@@ -4324,7 +4336,7 @@
           <p:nvPr/>
         </p:nvPicPr>
         <p:blipFill>
-          <a:blip r:embed="rId3">
+          <a:blip r:embed="rId2">
             <a:extLst>
               <a:ext uri="{28A0092B-C50C-407E-A947-70E740481C1C}">
                 <a14:useLocalDpi xmlns:a14="http://schemas.microsoft.com/office/drawing/2010/main" val="0"/>
@@ -4336,8 +4348,8 @@
         </p:blipFill>
         <p:spPr>
           <a:xfrm>
-            <a:off x="7773640" y="3626769"/>
-            <a:ext cx="1983679" cy="3012893"/>
+            <a:off x="7690902" y="3704959"/>
+            <a:ext cx="2100417" cy="2928407"/>
           </a:xfrm>
           <a:prstGeom prst="rect">
             <a:avLst/>
@@ -4359,7 +4371,7 @@
           <p:nvPr/>
         </p:nvPicPr>
         <p:blipFill>
-          <a:blip r:embed="rId2">
+          <a:blip r:embed="rId3">
             <a:extLst>
               <a:ext uri="{28A0092B-C50C-407E-A947-70E740481C1C}">
                 <a14:useLocalDpi xmlns:a14="http://schemas.microsoft.com/office/drawing/2010/main" val="0"/>
@@ -4371,8 +4383,8 @@
         </p:blipFill>
         <p:spPr>
           <a:xfrm>
-            <a:off x="174009" y="168303"/>
-            <a:ext cx="2086728" cy="3012893"/>
+            <a:off x="167165" y="208957"/>
+            <a:ext cx="2100417" cy="2931585"/>
           </a:xfrm>
           <a:prstGeom prst="rect">
             <a:avLst/>
@@ -4406,8 +4418,8 @@
         </p:blipFill>
         <p:spPr>
           <a:xfrm>
-            <a:off x="2706308" y="168303"/>
-            <a:ext cx="2086728" cy="3012893"/>
+            <a:off x="2699464" y="210546"/>
+            <a:ext cx="2100417" cy="2928407"/>
           </a:xfrm>
           <a:prstGeom prst="rect">
             <a:avLst/>
@@ -4417,7 +4429,7 @@
     </p:spTree>
     <p:extLst>
       <p:ext uri="{BB962C8B-B14F-4D97-AF65-F5344CB8AC3E}">
-        <p14:creationId xmlns:p14="http://schemas.microsoft.com/office/powerpoint/2010/main" val="3963797440"/>
+        <p14:creationId xmlns:p14="http://schemas.microsoft.com/office/powerpoint/2010/main" val="3186196638"/>
       </p:ext>
     </p:extLst>
   </p:cSld>
@@ -4708,8 +4720,8 @@
         </p:blipFill>
         <p:spPr>
           <a:xfrm>
-            <a:off x="7663747" y="260581"/>
-            <a:ext cx="2100417" cy="2928407"/>
+            <a:off x="7663747" y="306242"/>
+            <a:ext cx="2100417" cy="2837085"/>
           </a:xfrm>
           <a:prstGeom prst="rect">
             <a:avLst/>
@@ -4743,8 +4755,8 @@
         </p:blipFill>
         <p:spPr>
           <a:xfrm>
-            <a:off x="5175964" y="260581"/>
-            <a:ext cx="2100417" cy="2928407"/>
+            <a:off x="5175964" y="306242"/>
+            <a:ext cx="2100417" cy="2837085"/>
           </a:xfrm>
           <a:prstGeom prst="rect">
             <a:avLst/>
@@ -4778,8 +4790,8 @@
         </p:blipFill>
         <p:spPr>
           <a:xfrm>
-            <a:off x="167165" y="3679296"/>
-            <a:ext cx="2100417" cy="2928407"/>
+            <a:off x="167165" y="3724957"/>
+            <a:ext cx="2100417" cy="2837085"/>
           </a:xfrm>
           <a:prstGeom prst="rect">
             <a:avLst/>
@@ -4813,8 +4825,8 @@
         </p:blipFill>
         <p:spPr>
           <a:xfrm>
-            <a:off x="2699463" y="3679295"/>
-            <a:ext cx="2100417" cy="2928407"/>
+            <a:off x="2699463" y="3724956"/>
+            <a:ext cx="2100417" cy="2837085"/>
           </a:xfrm>
           <a:prstGeom prst="rect">
             <a:avLst/>
@@ -4848,8 +4860,8 @@
         </p:blipFill>
         <p:spPr>
           <a:xfrm>
-            <a:off x="5175964" y="3679296"/>
-            <a:ext cx="2100417" cy="2928407"/>
+            <a:off x="5175964" y="3724957"/>
+            <a:ext cx="2100417" cy="2837085"/>
           </a:xfrm>
           <a:prstGeom prst="rect">
             <a:avLst/>
@@ -4883,8 +4895,8 @@
         </p:blipFill>
         <p:spPr>
           <a:xfrm>
-            <a:off x="7690902" y="3704959"/>
-            <a:ext cx="2100417" cy="2928407"/>
+            <a:off x="7690902" y="3750620"/>
+            <a:ext cx="2100417" cy="2837085"/>
           </a:xfrm>
           <a:prstGeom prst="rect">
             <a:avLst/>
@@ -4918,8 +4930,8 @@
         </p:blipFill>
         <p:spPr>
           <a:xfrm>
-            <a:off x="167165" y="208957"/>
-            <a:ext cx="2100417" cy="2931585"/>
+            <a:off x="167165" y="255237"/>
+            <a:ext cx="2100417" cy="2839025"/>
           </a:xfrm>
           <a:prstGeom prst="rect">
             <a:avLst/>
@@ -4953,8 +4965,8 @@
         </p:blipFill>
         <p:spPr>
           <a:xfrm>
-            <a:off x="2699464" y="210546"/>
-            <a:ext cx="2100417" cy="2928407"/>
+            <a:off x="2699464" y="256207"/>
+            <a:ext cx="2100417" cy="2837085"/>
           </a:xfrm>
           <a:prstGeom prst="rect">
             <a:avLst/>
@@ -4964,7 +4976,7 @@
     </p:spTree>
     <p:extLst>
       <p:ext uri="{BB962C8B-B14F-4D97-AF65-F5344CB8AC3E}">
-        <p14:creationId xmlns:p14="http://schemas.microsoft.com/office/powerpoint/2010/main" val="3186196638"/>
+        <p14:creationId xmlns:p14="http://schemas.microsoft.com/office/powerpoint/2010/main" val="3051307887"/>
       </p:ext>
     </p:extLst>
   </p:cSld>
@@ -4991,272 +5003,648 @@
           <a:chExt cx="0" cy="0"/>
         </a:xfrm>
       </p:grpSpPr>
-      <p:grpSp>
-        <p:nvGrpSpPr>
-          <p:cNvPr id="6" name="Gruppieren 5">
-            <a:extLst>
-              <a:ext uri="{FF2B5EF4-FFF2-40B4-BE49-F238E27FC236}">
-                <a16:creationId xmlns:a16="http://schemas.microsoft.com/office/drawing/2014/main" id="{8AF8EB73-1A83-6ACA-58E3-3CBE12DED657}"/>
-              </a:ext>
-            </a:extLst>
-          </p:cNvPr>
-          <p:cNvGrpSpPr/>
-          <p:nvPr/>
-        </p:nvGrpSpPr>
-        <p:grpSpPr>
-          <a:xfrm>
-            <a:off x="0" y="0"/>
-            <a:ext cx="9906000" cy="6858000"/>
-            <a:chOff x="0" y="0"/>
-            <a:chExt cx="9906000" cy="6858000"/>
-          </a:xfrm>
-        </p:grpSpPr>
-        <p:sp>
-          <p:nvSpPr>
-            <p:cNvPr id="2" name="Rechteck 1">
-              <a:extLst>
-                <a:ext uri="{FF2B5EF4-FFF2-40B4-BE49-F238E27FC236}">
-                  <a16:creationId xmlns:a16="http://schemas.microsoft.com/office/drawing/2014/main" id="{1759E243-7DA1-8B1D-1622-712537D2DEA7}"/>
-                </a:ext>
-              </a:extLst>
-            </p:cNvPr>
-            <p:cNvSpPr/>
-            <p:nvPr/>
-          </p:nvSpPr>
-          <p:spPr>
-            <a:xfrm>
-              <a:off x="0" y="0"/>
-              <a:ext cx="4953000" cy="3429000"/>
-            </a:xfrm>
-            <a:prstGeom prst="rect">
-              <a:avLst/>
-            </a:prstGeom>
-            <a:solidFill>
-              <a:schemeClr val="bg1"/>
-            </a:solidFill>
-            <a:ln>
-              <a:solidFill>
-                <a:schemeClr val="bg2"/>
-              </a:solidFill>
-            </a:ln>
-          </p:spPr>
-          <p:style>
-            <a:lnRef idx="2">
-              <a:schemeClr val="accent1">
-                <a:shade val="50000"/>
-              </a:schemeClr>
-            </a:lnRef>
-            <a:fillRef idx="1">
-              <a:schemeClr val="accent1"/>
-            </a:fillRef>
-            <a:effectRef idx="0">
-              <a:schemeClr val="accent1"/>
-            </a:effectRef>
-            <a:fontRef idx="minor">
-              <a:schemeClr val="lt1"/>
-            </a:fontRef>
-          </p:style>
-          <p:txBody>
-            <a:bodyPr rtlCol="0" anchor="ctr"/>
-            <a:lstStyle/>
-            <a:p>
-              <a:pPr algn="ctr"/>
-              <a:endParaRPr lang="en-US"/>
-            </a:p>
-          </p:txBody>
-        </p:sp>
-        <p:sp>
-          <p:nvSpPr>
-            <p:cNvPr id="3" name="Rechteck 2">
-              <a:extLst>
-                <a:ext uri="{FF2B5EF4-FFF2-40B4-BE49-F238E27FC236}">
-                  <a16:creationId xmlns:a16="http://schemas.microsoft.com/office/drawing/2014/main" id="{06A885F0-0746-35D0-FC3E-DF02718BDA06}"/>
-                </a:ext>
-              </a:extLst>
-            </p:cNvPr>
-            <p:cNvSpPr/>
-            <p:nvPr/>
-          </p:nvSpPr>
-          <p:spPr>
-            <a:xfrm>
-              <a:off x="0" y="3429000"/>
-              <a:ext cx="4953000" cy="3429000"/>
-            </a:xfrm>
-            <a:prstGeom prst="rect">
-              <a:avLst/>
-            </a:prstGeom>
-            <a:solidFill>
-              <a:schemeClr val="bg1"/>
-            </a:solidFill>
-            <a:ln>
-              <a:solidFill>
-                <a:schemeClr val="bg2"/>
-              </a:solidFill>
-            </a:ln>
-          </p:spPr>
-          <p:style>
-            <a:lnRef idx="2">
-              <a:schemeClr val="accent1">
-                <a:shade val="50000"/>
-              </a:schemeClr>
-            </a:lnRef>
-            <a:fillRef idx="1">
-              <a:schemeClr val="accent1"/>
-            </a:fillRef>
-            <a:effectRef idx="0">
-              <a:schemeClr val="accent1"/>
-            </a:effectRef>
-            <a:fontRef idx="minor">
-              <a:schemeClr val="lt1"/>
-            </a:fontRef>
-          </p:style>
-          <p:txBody>
-            <a:bodyPr rtlCol="0" anchor="ctr"/>
-            <a:lstStyle/>
-            <a:p>
-              <a:pPr algn="ctr"/>
-              <a:endParaRPr lang="en-US"/>
-            </a:p>
-          </p:txBody>
-        </p:sp>
-        <p:sp>
-          <p:nvSpPr>
-            <p:cNvPr id="4" name="Rechteck 3">
-              <a:extLst>
-                <a:ext uri="{FF2B5EF4-FFF2-40B4-BE49-F238E27FC236}">
-                  <a16:creationId xmlns:a16="http://schemas.microsoft.com/office/drawing/2014/main" id="{C01B18E7-2D9F-2070-BC26-C9957C83AAFC}"/>
-                </a:ext>
-              </a:extLst>
-            </p:cNvPr>
-            <p:cNvSpPr/>
-            <p:nvPr/>
-          </p:nvSpPr>
-          <p:spPr>
-            <a:xfrm>
-              <a:off x="4953000" y="0"/>
-              <a:ext cx="4953000" cy="3429000"/>
-            </a:xfrm>
-            <a:prstGeom prst="rect">
-              <a:avLst/>
-            </a:prstGeom>
-            <a:solidFill>
-              <a:schemeClr val="bg1"/>
-            </a:solidFill>
-            <a:ln>
-              <a:solidFill>
-                <a:schemeClr val="bg2"/>
-              </a:solidFill>
-            </a:ln>
-          </p:spPr>
-          <p:style>
-            <a:lnRef idx="2">
-              <a:schemeClr val="accent1">
-                <a:shade val="50000"/>
-              </a:schemeClr>
-            </a:lnRef>
-            <a:fillRef idx="1">
-              <a:schemeClr val="accent1"/>
-            </a:fillRef>
-            <a:effectRef idx="0">
-              <a:schemeClr val="accent1"/>
-            </a:effectRef>
-            <a:fontRef idx="minor">
-              <a:schemeClr val="lt1"/>
-            </a:fontRef>
-          </p:style>
-          <p:txBody>
-            <a:bodyPr rtlCol="0" anchor="ctr"/>
-            <a:lstStyle/>
-            <a:p>
-              <a:pPr algn="ctr"/>
-              <a:endParaRPr lang="en-US"/>
-            </a:p>
-          </p:txBody>
-        </p:sp>
-        <p:sp>
-          <p:nvSpPr>
-            <p:cNvPr id="5" name="Rechteck 4">
-              <a:extLst>
-                <a:ext uri="{FF2B5EF4-FFF2-40B4-BE49-F238E27FC236}">
-                  <a16:creationId xmlns:a16="http://schemas.microsoft.com/office/drawing/2014/main" id="{294157C0-9368-577E-7036-89378DEE9FF8}"/>
-                </a:ext>
-              </a:extLst>
-            </p:cNvPr>
-            <p:cNvSpPr/>
-            <p:nvPr/>
-          </p:nvSpPr>
-          <p:spPr>
-            <a:xfrm>
-              <a:off x="4953000" y="3429000"/>
-              <a:ext cx="4953000" cy="3429000"/>
-            </a:xfrm>
-            <a:prstGeom prst="rect">
-              <a:avLst/>
-            </a:prstGeom>
-            <a:solidFill>
-              <a:schemeClr val="bg1"/>
-            </a:solidFill>
-            <a:ln>
-              <a:solidFill>
-                <a:schemeClr val="bg2"/>
-              </a:solidFill>
-            </a:ln>
-          </p:spPr>
-          <p:style>
-            <a:lnRef idx="2">
-              <a:schemeClr val="accent1">
-                <a:shade val="50000"/>
-              </a:schemeClr>
-            </a:lnRef>
-            <a:fillRef idx="1">
-              <a:schemeClr val="accent1"/>
-            </a:fillRef>
-            <a:effectRef idx="0">
-              <a:schemeClr val="accent1"/>
-            </a:effectRef>
-            <a:fontRef idx="minor">
-              <a:schemeClr val="lt1"/>
-            </a:fontRef>
-          </p:style>
-          <p:txBody>
-            <a:bodyPr rtlCol="0" anchor="ctr"/>
-            <a:lstStyle/>
-            <a:p>
-              <a:pPr algn="ctr"/>
-              <a:endParaRPr lang="en-US"/>
-            </a:p>
-          </p:txBody>
-        </p:sp>
-      </p:grpSp>
+      <p:pic>
+        <p:nvPicPr>
+          <p:cNvPr id="3" name="Grafik 2">
+            <a:extLst>
+              <a:ext uri="{FF2B5EF4-FFF2-40B4-BE49-F238E27FC236}">
+                <a16:creationId xmlns:a16="http://schemas.microsoft.com/office/drawing/2014/main" id="{C1D33CDF-A86C-F4E5-DFEB-F7F6B4F12FBA}"/>
+              </a:ext>
+            </a:extLst>
+          </p:cNvPr>
+          <p:cNvPicPr>
+            <a:picLocks noChangeAspect="1"/>
+          </p:cNvPicPr>
+          <p:nvPr/>
+        </p:nvPicPr>
+        <p:blipFill>
+          <a:blip r:embed="rId2">
+            <a:extLst>
+              <a:ext uri="{28A0092B-C50C-407E-A947-70E740481C1C}">
+                <a14:useLocalDpi xmlns:a14="http://schemas.microsoft.com/office/drawing/2010/main" val="0"/>
+              </a:ext>
+            </a:extLst>
+          </a:blip>
+          <a:stretch>
+            <a:fillRect/>
+          </a:stretch>
+        </p:blipFill>
+        <p:spPr>
+          <a:xfrm>
+            <a:off x="362600" y="220788"/>
+            <a:ext cx="2076928" cy="908656"/>
+          </a:xfrm>
+          <a:prstGeom prst="rect">
+            <a:avLst/>
+          </a:prstGeom>
+        </p:spPr>
+      </p:pic>
+      <p:pic>
+        <p:nvPicPr>
+          <p:cNvPr id="4" name="Grafik 3">
+            <a:extLst>
+              <a:ext uri="{FF2B5EF4-FFF2-40B4-BE49-F238E27FC236}">
+                <a16:creationId xmlns:a16="http://schemas.microsoft.com/office/drawing/2014/main" id="{FAB1A5F9-4803-7DC8-9005-2AAFBE2A875A}"/>
+              </a:ext>
+            </a:extLst>
+          </p:cNvPr>
+          <p:cNvPicPr>
+            <a:picLocks noChangeAspect="1"/>
+          </p:cNvPicPr>
+          <p:nvPr/>
+        </p:nvPicPr>
+        <p:blipFill>
+          <a:blip r:embed="rId2">
+            <a:extLst>
+              <a:ext uri="{28A0092B-C50C-407E-A947-70E740481C1C}">
+                <a14:useLocalDpi xmlns:a14="http://schemas.microsoft.com/office/drawing/2010/main" val="0"/>
+              </a:ext>
+            </a:extLst>
+          </a:blip>
+          <a:stretch>
+            <a:fillRect/>
+          </a:stretch>
+        </p:blipFill>
+        <p:spPr>
+          <a:xfrm>
+            <a:off x="341589" y="1208097"/>
+            <a:ext cx="2076928" cy="908656"/>
+          </a:xfrm>
+          <a:prstGeom prst="rect">
+            <a:avLst/>
+          </a:prstGeom>
+        </p:spPr>
+      </p:pic>
+      <p:pic>
+        <p:nvPicPr>
+          <p:cNvPr id="5" name="Grafik 4">
+            <a:extLst>
+              <a:ext uri="{FF2B5EF4-FFF2-40B4-BE49-F238E27FC236}">
+                <a16:creationId xmlns:a16="http://schemas.microsoft.com/office/drawing/2014/main" id="{D1676B31-9114-F2FF-FF4B-EA6F770D4529}"/>
+              </a:ext>
+            </a:extLst>
+          </p:cNvPr>
+          <p:cNvPicPr>
+            <a:picLocks noChangeAspect="1"/>
+          </p:cNvPicPr>
+          <p:nvPr/>
+        </p:nvPicPr>
+        <p:blipFill>
+          <a:blip r:embed="rId2">
+            <a:extLst>
+              <a:ext uri="{28A0092B-C50C-407E-A947-70E740481C1C}">
+                <a14:useLocalDpi xmlns:a14="http://schemas.microsoft.com/office/drawing/2010/main" val="0"/>
+              </a:ext>
+            </a:extLst>
+          </a:blip>
+          <a:stretch>
+            <a:fillRect/>
+          </a:stretch>
+        </p:blipFill>
+        <p:spPr>
+          <a:xfrm>
+            <a:off x="341589" y="2256097"/>
+            <a:ext cx="2076928" cy="908656"/>
+          </a:xfrm>
+          <a:prstGeom prst="rect">
+            <a:avLst/>
+          </a:prstGeom>
+        </p:spPr>
+      </p:pic>
+      <p:pic>
+        <p:nvPicPr>
+          <p:cNvPr id="6" name="Grafik 5">
+            <a:extLst>
+              <a:ext uri="{FF2B5EF4-FFF2-40B4-BE49-F238E27FC236}">
+                <a16:creationId xmlns:a16="http://schemas.microsoft.com/office/drawing/2014/main" id="{2088854D-395E-0DFC-8868-E7CACC01B451}"/>
+              </a:ext>
+            </a:extLst>
+          </p:cNvPr>
+          <p:cNvPicPr>
+            <a:picLocks noChangeAspect="1"/>
+          </p:cNvPicPr>
+          <p:nvPr/>
+        </p:nvPicPr>
+        <p:blipFill>
+          <a:blip r:embed="rId2">
+            <a:extLst>
+              <a:ext uri="{28A0092B-C50C-407E-A947-70E740481C1C}">
+                <a14:useLocalDpi xmlns:a14="http://schemas.microsoft.com/office/drawing/2010/main" val="0"/>
+              </a:ext>
+            </a:extLst>
+          </a:blip>
+          <a:stretch>
+            <a:fillRect/>
+          </a:stretch>
+        </p:blipFill>
+        <p:spPr>
+          <a:xfrm>
+            <a:off x="2737682" y="220788"/>
+            <a:ext cx="2076928" cy="908656"/>
+          </a:xfrm>
+          <a:prstGeom prst="rect">
+            <a:avLst/>
+          </a:prstGeom>
+        </p:spPr>
+      </p:pic>
+      <p:pic>
+        <p:nvPicPr>
+          <p:cNvPr id="7" name="Grafik 6">
+            <a:extLst>
+              <a:ext uri="{FF2B5EF4-FFF2-40B4-BE49-F238E27FC236}">
+                <a16:creationId xmlns:a16="http://schemas.microsoft.com/office/drawing/2014/main" id="{EA0CF2FD-1571-3972-EBEC-244B2CF37B20}"/>
+              </a:ext>
+            </a:extLst>
+          </p:cNvPr>
+          <p:cNvPicPr>
+            <a:picLocks noChangeAspect="1"/>
+          </p:cNvPicPr>
+          <p:nvPr/>
+        </p:nvPicPr>
+        <p:blipFill>
+          <a:blip r:embed="rId2">
+            <a:extLst>
+              <a:ext uri="{28A0092B-C50C-407E-A947-70E740481C1C}">
+                <a14:useLocalDpi xmlns:a14="http://schemas.microsoft.com/office/drawing/2010/main" val="0"/>
+              </a:ext>
+            </a:extLst>
+          </a:blip>
+          <a:stretch>
+            <a:fillRect/>
+          </a:stretch>
+        </p:blipFill>
+        <p:spPr>
+          <a:xfrm>
+            <a:off x="2752702" y="1208097"/>
+            <a:ext cx="2076928" cy="908656"/>
+          </a:xfrm>
+          <a:prstGeom prst="rect">
+            <a:avLst/>
+          </a:prstGeom>
+        </p:spPr>
+      </p:pic>
+      <p:pic>
+        <p:nvPicPr>
+          <p:cNvPr id="8" name="Grafik 7">
+            <a:extLst>
+              <a:ext uri="{FF2B5EF4-FFF2-40B4-BE49-F238E27FC236}">
+                <a16:creationId xmlns:a16="http://schemas.microsoft.com/office/drawing/2014/main" id="{8DF99371-9FC1-CCC9-8063-FB626F004512}"/>
+              </a:ext>
+            </a:extLst>
+          </p:cNvPr>
+          <p:cNvPicPr>
+            <a:picLocks noChangeAspect="1"/>
+          </p:cNvPicPr>
+          <p:nvPr/>
+        </p:nvPicPr>
+        <p:blipFill>
+          <a:blip r:embed="rId2">
+            <a:extLst>
+              <a:ext uri="{28A0092B-C50C-407E-A947-70E740481C1C}">
+                <a14:useLocalDpi xmlns:a14="http://schemas.microsoft.com/office/drawing/2010/main" val="0"/>
+              </a:ext>
+            </a:extLst>
+          </a:blip>
+          <a:stretch>
+            <a:fillRect/>
+          </a:stretch>
+        </p:blipFill>
+        <p:spPr>
+          <a:xfrm>
+            <a:off x="2752702" y="2256097"/>
+            <a:ext cx="2076928" cy="908656"/>
+          </a:xfrm>
+          <a:prstGeom prst="rect">
+            <a:avLst/>
+          </a:prstGeom>
+        </p:spPr>
+      </p:pic>
+      <p:pic>
+        <p:nvPicPr>
+          <p:cNvPr id="9" name="Grafik 8">
+            <a:extLst>
+              <a:ext uri="{FF2B5EF4-FFF2-40B4-BE49-F238E27FC236}">
+                <a16:creationId xmlns:a16="http://schemas.microsoft.com/office/drawing/2014/main" id="{C227884D-7C15-9F29-B7EF-4F1FE305EB43}"/>
+              </a:ext>
+            </a:extLst>
+          </p:cNvPr>
+          <p:cNvPicPr>
+            <a:picLocks noChangeAspect="1"/>
+          </p:cNvPicPr>
+          <p:nvPr/>
+        </p:nvPicPr>
+        <p:blipFill>
+          <a:blip r:embed="rId2">
+            <a:extLst>
+              <a:ext uri="{28A0092B-C50C-407E-A947-70E740481C1C}">
+                <a14:useLocalDpi xmlns:a14="http://schemas.microsoft.com/office/drawing/2010/main" val="0"/>
+              </a:ext>
+            </a:extLst>
+          </a:blip>
+          <a:stretch>
+            <a:fillRect/>
+          </a:stretch>
+        </p:blipFill>
+        <p:spPr>
+          <a:xfrm>
+            <a:off x="362600" y="3571327"/>
+            <a:ext cx="2076928" cy="908656"/>
+          </a:xfrm>
+          <a:prstGeom prst="rect">
+            <a:avLst/>
+          </a:prstGeom>
+        </p:spPr>
+      </p:pic>
+      <p:pic>
+        <p:nvPicPr>
+          <p:cNvPr id="10" name="Grafik 9">
+            <a:extLst>
+              <a:ext uri="{FF2B5EF4-FFF2-40B4-BE49-F238E27FC236}">
+                <a16:creationId xmlns:a16="http://schemas.microsoft.com/office/drawing/2014/main" id="{D9C137F2-36D9-8D28-7B98-FE467A92801E}"/>
+              </a:ext>
+            </a:extLst>
+          </p:cNvPr>
+          <p:cNvPicPr>
+            <a:picLocks noChangeAspect="1"/>
+          </p:cNvPicPr>
+          <p:nvPr/>
+        </p:nvPicPr>
+        <p:blipFill>
+          <a:blip r:embed="rId2">
+            <a:extLst>
+              <a:ext uri="{28A0092B-C50C-407E-A947-70E740481C1C}">
+                <a14:useLocalDpi xmlns:a14="http://schemas.microsoft.com/office/drawing/2010/main" val="0"/>
+              </a:ext>
+            </a:extLst>
+          </a:blip>
+          <a:stretch>
+            <a:fillRect/>
+          </a:stretch>
+        </p:blipFill>
+        <p:spPr>
+          <a:xfrm>
+            <a:off x="341589" y="4558636"/>
+            <a:ext cx="2076928" cy="908656"/>
+          </a:xfrm>
+          <a:prstGeom prst="rect">
+            <a:avLst/>
+          </a:prstGeom>
+        </p:spPr>
+      </p:pic>
+      <p:pic>
+        <p:nvPicPr>
+          <p:cNvPr id="11" name="Grafik 10">
+            <a:extLst>
+              <a:ext uri="{FF2B5EF4-FFF2-40B4-BE49-F238E27FC236}">
+                <a16:creationId xmlns:a16="http://schemas.microsoft.com/office/drawing/2014/main" id="{5F192DA5-E5B7-FF67-C157-4759BF562FE1}"/>
+              </a:ext>
+            </a:extLst>
+          </p:cNvPr>
+          <p:cNvPicPr>
+            <a:picLocks noChangeAspect="1"/>
+          </p:cNvPicPr>
+          <p:nvPr/>
+        </p:nvPicPr>
+        <p:blipFill>
+          <a:blip r:embed="rId2">
+            <a:extLst>
+              <a:ext uri="{28A0092B-C50C-407E-A947-70E740481C1C}">
+                <a14:useLocalDpi xmlns:a14="http://schemas.microsoft.com/office/drawing/2010/main" val="0"/>
+              </a:ext>
+            </a:extLst>
+          </a:blip>
+          <a:stretch>
+            <a:fillRect/>
+          </a:stretch>
+        </p:blipFill>
+        <p:spPr>
+          <a:xfrm>
+            <a:off x="341589" y="5606636"/>
+            <a:ext cx="2076928" cy="908656"/>
+          </a:xfrm>
+          <a:prstGeom prst="rect">
+            <a:avLst/>
+          </a:prstGeom>
+        </p:spPr>
+      </p:pic>
+      <p:pic>
+        <p:nvPicPr>
+          <p:cNvPr id="12" name="Grafik 11">
+            <a:extLst>
+              <a:ext uri="{FF2B5EF4-FFF2-40B4-BE49-F238E27FC236}">
+                <a16:creationId xmlns:a16="http://schemas.microsoft.com/office/drawing/2014/main" id="{E708069A-BAA1-B0D7-604D-CAA4AF0C62EE}"/>
+              </a:ext>
+            </a:extLst>
+          </p:cNvPr>
+          <p:cNvPicPr>
+            <a:picLocks noChangeAspect="1"/>
+          </p:cNvPicPr>
+          <p:nvPr/>
+        </p:nvPicPr>
+        <p:blipFill>
+          <a:blip r:embed="rId2">
+            <a:extLst>
+              <a:ext uri="{28A0092B-C50C-407E-A947-70E740481C1C}">
+                <a14:useLocalDpi xmlns:a14="http://schemas.microsoft.com/office/drawing/2010/main" val="0"/>
+              </a:ext>
+            </a:extLst>
+          </a:blip>
+          <a:stretch>
+            <a:fillRect/>
+          </a:stretch>
+        </p:blipFill>
+        <p:spPr>
+          <a:xfrm>
+            <a:off x="2737682" y="3571327"/>
+            <a:ext cx="2076928" cy="908656"/>
+          </a:xfrm>
+          <a:prstGeom prst="rect">
+            <a:avLst/>
+          </a:prstGeom>
+        </p:spPr>
+      </p:pic>
+      <p:pic>
+        <p:nvPicPr>
+          <p:cNvPr id="13" name="Grafik 12">
+            <a:extLst>
+              <a:ext uri="{FF2B5EF4-FFF2-40B4-BE49-F238E27FC236}">
+                <a16:creationId xmlns:a16="http://schemas.microsoft.com/office/drawing/2014/main" id="{09FC08E6-E40E-A8FC-C1E5-BB0A0C67E76B}"/>
+              </a:ext>
+            </a:extLst>
+          </p:cNvPr>
+          <p:cNvPicPr>
+            <a:picLocks noChangeAspect="1"/>
+          </p:cNvPicPr>
+          <p:nvPr/>
+        </p:nvPicPr>
+        <p:blipFill>
+          <a:blip r:embed="rId2">
+            <a:extLst>
+              <a:ext uri="{28A0092B-C50C-407E-A947-70E740481C1C}">
+                <a14:useLocalDpi xmlns:a14="http://schemas.microsoft.com/office/drawing/2010/main" val="0"/>
+              </a:ext>
+            </a:extLst>
+          </a:blip>
+          <a:stretch>
+            <a:fillRect/>
+          </a:stretch>
+        </p:blipFill>
+        <p:spPr>
+          <a:xfrm>
+            <a:off x="2752702" y="4558636"/>
+            <a:ext cx="2076928" cy="908656"/>
+          </a:xfrm>
+          <a:prstGeom prst="rect">
+            <a:avLst/>
+          </a:prstGeom>
+        </p:spPr>
+      </p:pic>
+      <p:pic>
+        <p:nvPicPr>
+          <p:cNvPr id="14" name="Grafik 13">
+            <a:extLst>
+              <a:ext uri="{FF2B5EF4-FFF2-40B4-BE49-F238E27FC236}">
+                <a16:creationId xmlns:a16="http://schemas.microsoft.com/office/drawing/2014/main" id="{B11585CE-7327-25D4-9BE5-9015B9DE6C0C}"/>
+              </a:ext>
+            </a:extLst>
+          </p:cNvPr>
+          <p:cNvPicPr>
+            <a:picLocks noChangeAspect="1"/>
+          </p:cNvPicPr>
+          <p:nvPr/>
+        </p:nvPicPr>
+        <p:blipFill>
+          <a:blip r:embed="rId2">
+            <a:extLst>
+              <a:ext uri="{28A0092B-C50C-407E-A947-70E740481C1C}">
+                <a14:useLocalDpi xmlns:a14="http://schemas.microsoft.com/office/drawing/2010/main" val="0"/>
+              </a:ext>
+            </a:extLst>
+          </a:blip>
+          <a:stretch>
+            <a:fillRect/>
+          </a:stretch>
+        </p:blipFill>
+        <p:spPr>
+          <a:xfrm>
+            <a:off x="2752702" y="5606636"/>
+            <a:ext cx="2076928" cy="908656"/>
+          </a:xfrm>
+          <a:prstGeom prst="rect">
+            <a:avLst/>
+          </a:prstGeom>
+        </p:spPr>
+      </p:pic>
+      <p:pic>
+        <p:nvPicPr>
+          <p:cNvPr id="15" name="Grafik 14">
+            <a:extLst>
+              <a:ext uri="{FF2B5EF4-FFF2-40B4-BE49-F238E27FC236}">
+                <a16:creationId xmlns:a16="http://schemas.microsoft.com/office/drawing/2014/main" id="{99E945B5-88CF-E963-F5A5-D1AB70C9CBB7}"/>
+              </a:ext>
+            </a:extLst>
+          </p:cNvPr>
+          <p:cNvPicPr>
+            <a:picLocks noChangeAspect="1"/>
+          </p:cNvPicPr>
+          <p:nvPr/>
+        </p:nvPicPr>
+        <p:blipFill>
+          <a:blip r:embed="rId2">
+            <a:extLst>
+              <a:ext uri="{28A0092B-C50C-407E-A947-70E740481C1C}">
+                <a14:useLocalDpi xmlns:a14="http://schemas.microsoft.com/office/drawing/2010/main" val="0"/>
+              </a:ext>
+            </a:extLst>
+          </a:blip>
+          <a:stretch>
+            <a:fillRect/>
+          </a:stretch>
+        </p:blipFill>
+        <p:spPr>
+          <a:xfrm>
+            <a:off x="5148795" y="220788"/>
+            <a:ext cx="2076928" cy="908656"/>
+          </a:xfrm>
+          <a:prstGeom prst="rect">
+            <a:avLst/>
+          </a:prstGeom>
+        </p:spPr>
+      </p:pic>
+      <p:pic>
+        <p:nvPicPr>
+          <p:cNvPr id="16" name="Grafik 15">
+            <a:extLst>
+              <a:ext uri="{FF2B5EF4-FFF2-40B4-BE49-F238E27FC236}">
+                <a16:creationId xmlns:a16="http://schemas.microsoft.com/office/drawing/2014/main" id="{56B4675C-D82F-F277-CAD1-9D3AD2D02C9E}"/>
+              </a:ext>
+            </a:extLst>
+          </p:cNvPr>
+          <p:cNvPicPr>
+            <a:picLocks noChangeAspect="1"/>
+          </p:cNvPicPr>
+          <p:nvPr/>
+        </p:nvPicPr>
+        <p:blipFill>
+          <a:blip r:embed="rId2">
+            <a:extLst>
+              <a:ext uri="{28A0092B-C50C-407E-A947-70E740481C1C}">
+                <a14:useLocalDpi xmlns:a14="http://schemas.microsoft.com/office/drawing/2010/main" val="0"/>
+              </a:ext>
+            </a:extLst>
+          </a:blip>
+          <a:stretch>
+            <a:fillRect/>
+          </a:stretch>
+        </p:blipFill>
+        <p:spPr>
+          <a:xfrm>
+            <a:off x="5127784" y="1208097"/>
+            <a:ext cx="2076928" cy="908656"/>
+          </a:xfrm>
+          <a:prstGeom prst="rect">
+            <a:avLst/>
+          </a:prstGeom>
+        </p:spPr>
+      </p:pic>
+      <p:pic>
+        <p:nvPicPr>
+          <p:cNvPr id="17" name="Grafik 16">
+            <a:extLst>
+              <a:ext uri="{FF2B5EF4-FFF2-40B4-BE49-F238E27FC236}">
+                <a16:creationId xmlns:a16="http://schemas.microsoft.com/office/drawing/2014/main" id="{4350F81E-A6F9-6488-7EDE-7B901290164D}"/>
+              </a:ext>
+            </a:extLst>
+          </p:cNvPr>
+          <p:cNvPicPr>
+            <a:picLocks noChangeAspect="1"/>
+          </p:cNvPicPr>
+          <p:nvPr/>
+        </p:nvPicPr>
+        <p:blipFill>
+          <a:blip r:embed="rId2">
+            <a:extLst>
+              <a:ext uri="{28A0092B-C50C-407E-A947-70E740481C1C}">
+                <a14:useLocalDpi xmlns:a14="http://schemas.microsoft.com/office/drawing/2010/main" val="0"/>
+              </a:ext>
+            </a:extLst>
+          </a:blip>
+          <a:stretch>
+            <a:fillRect/>
+          </a:stretch>
+        </p:blipFill>
+        <p:spPr>
+          <a:xfrm>
+            <a:off x="5127784" y="2256097"/>
+            <a:ext cx="2076928" cy="908656"/>
+          </a:xfrm>
+          <a:prstGeom prst="rect">
+            <a:avLst/>
+          </a:prstGeom>
+        </p:spPr>
+      </p:pic>
+      <p:pic>
+        <p:nvPicPr>
+          <p:cNvPr id="18" name="Grafik 17">
+            <a:extLst>
+              <a:ext uri="{FF2B5EF4-FFF2-40B4-BE49-F238E27FC236}">
+                <a16:creationId xmlns:a16="http://schemas.microsoft.com/office/drawing/2014/main" id="{4E479CDF-6EC9-79A0-01C3-CF4DBF10B042}"/>
+              </a:ext>
+            </a:extLst>
+          </p:cNvPr>
+          <p:cNvPicPr>
+            <a:picLocks noChangeAspect="1"/>
+          </p:cNvPicPr>
+          <p:nvPr/>
+        </p:nvPicPr>
+        <p:blipFill>
+          <a:blip r:embed="rId2">
+            <a:extLst>
+              <a:ext uri="{28A0092B-C50C-407E-A947-70E740481C1C}">
+                <a14:useLocalDpi xmlns:a14="http://schemas.microsoft.com/office/drawing/2010/main" val="0"/>
+              </a:ext>
+            </a:extLst>
+          </a:blip>
+          <a:stretch>
+            <a:fillRect/>
+          </a:stretch>
+        </p:blipFill>
+        <p:spPr>
+          <a:xfrm>
+            <a:off x="7451452" y="220788"/>
+            <a:ext cx="2076928" cy="908656"/>
+          </a:xfrm>
+          <a:prstGeom prst="rect">
+            <a:avLst/>
+          </a:prstGeom>
+        </p:spPr>
+      </p:pic>
+      <p:pic>
+        <p:nvPicPr>
+          <p:cNvPr id="19" name="Grafik 18">
+            <a:extLst>
+              <a:ext uri="{FF2B5EF4-FFF2-40B4-BE49-F238E27FC236}">
+                <a16:creationId xmlns:a16="http://schemas.microsoft.com/office/drawing/2014/main" id="{B5851F00-9704-D4EC-C89F-6D42C2F15463}"/>
+              </a:ext>
+            </a:extLst>
+          </p:cNvPr>
+          <p:cNvPicPr>
+            <a:picLocks noChangeAspect="1"/>
+          </p:cNvPicPr>
+          <p:nvPr/>
+        </p:nvPicPr>
+        <p:blipFill>
+          <a:blip r:embed="rId2">
+            <a:extLst>
+              <a:ext uri="{28A0092B-C50C-407E-A947-70E740481C1C}">
+                <a14:useLocalDpi xmlns:a14="http://schemas.microsoft.com/office/drawing/2010/main" val="0"/>
+              </a:ext>
+            </a:extLst>
+          </a:blip>
+          <a:stretch>
+            <a:fillRect/>
+          </a:stretch>
+        </p:blipFill>
+        <p:spPr>
+          <a:xfrm>
+            <a:off x="7466472" y="1208097"/>
+            <a:ext cx="2076928" cy="908656"/>
+          </a:xfrm>
+          <a:prstGeom prst="rect">
+            <a:avLst/>
+          </a:prstGeom>
+        </p:spPr>
+      </p:pic>
       <p:pic>
         <p:nvPicPr>
           <p:cNvPr id="23" name="Grafik 22">
             <a:extLst>
               <a:ext uri="{FF2B5EF4-FFF2-40B4-BE49-F238E27FC236}">
-                <a16:creationId xmlns:a16="http://schemas.microsoft.com/office/drawing/2014/main" id="{331BF243-ADB6-7945-D7D5-358F85B4848D}"/>
-              </a:ext>
-            </a:extLst>
-          </p:cNvPr>
-          <p:cNvPicPr>
-            <a:picLocks noChangeAspect="1"/>
-          </p:cNvPicPr>
-          <p:nvPr/>
-        </p:nvPicPr>
-        <p:blipFill>
-          <a:blip r:embed="rId2">
-            <a:extLst>
-              <a:ext uri="{28A0092B-C50C-407E-A947-70E740481C1C}">
-                <a14:useLocalDpi xmlns:a14="http://schemas.microsoft.com/office/drawing/2010/main" val="0"/>
-              </a:ext>
-            </a:extLst>
-          </a:blip>
-          <a:srcRect/>
-          <a:stretch/>
-        </p:blipFill>
-        <p:spPr>
-          <a:xfrm>
-            <a:off x="7663747" y="306242"/>
-            <a:ext cx="2100417" cy="2837085"/>
+                <a16:creationId xmlns:a16="http://schemas.microsoft.com/office/drawing/2014/main" id="{C2DC8367-A48E-3CB9-36ED-0A84C08D9150}"/>
+              </a:ext>
+            </a:extLst>
+          </p:cNvPr>
+          <p:cNvPicPr>
+            <a:picLocks noChangeAspect="1"/>
+          </p:cNvPicPr>
+          <p:nvPr/>
+        </p:nvPicPr>
+        <p:blipFill>
+          <a:blip r:embed="rId2">
+            <a:extLst>
+              <a:ext uri="{28A0092B-C50C-407E-A947-70E740481C1C}">
+                <a14:useLocalDpi xmlns:a14="http://schemas.microsoft.com/office/drawing/2010/main" val="0"/>
+              </a:ext>
+            </a:extLst>
+          </a:blip>
+          <a:stretch>
+            <a:fillRect/>
+          </a:stretch>
+        </p:blipFill>
+        <p:spPr>
+          <a:xfrm>
+            <a:off x="7466472" y="2256097"/>
+            <a:ext cx="2076928" cy="908656"/>
           </a:xfrm>
           <a:prstGeom prst="rect">
             <a:avLst/>
@@ -5268,30 +5656,31 @@
           <p:cNvPr id="24" name="Grafik 23">
             <a:extLst>
               <a:ext uri="{FF2B5EF4-FFF2-40B4-BE49-F238E27FC236}">
-                <a16:creationId xmlns:a16="http://schemas.microsoft.com/office/drawing/2014/main" id="{0055AB54-FF80-03B0-0000-857109FB1D2D}"/>
-              </a:ext>
-            </a:extLst>
-          </p:cNvPr>
-          <p:cNvPicPr>
-            <a:picLocks noChangeAspect="1"/>
-          </p:cNvPicPr>
-          <p:nvPr/>
-        </p:nvPicPr>
-        <p:blipFill>
-          <a:blip r:embed="rId2">
-            <a:extLst>
-              <a:ext uri="{28A0092B-C50C-407E-A947-70E740481C1C}">
-                <a14:useLocalDpi xmlns:a14="http://schemas.microsoft.com/office/drawing/2010/main" val="0"/>
-              </a:ext>
-            </a:extLst>
-          </a:blip>
-          <a:srcRect/>
-          <a:stretch/>
-        </p:blipFill>
-        <p:spPr>
-          <a:xfrm>
-            <a:off x="5175964" y="306242"/>
-            <a:ext cx="2100417" cy="2837085"/>
+                <a16:creationId xmlns:a16="http://schemas.microsoft.com/office/drawing/2014/main" id="{CC358FEB-C362-67F5-81F8-67B6F260C105}"/>
+              </a:ext>
+            </a:extLst>
+          </p:cNvPr>
+          <p:cNvPicPr>
+            <a:picLocks noChangeAspect="1"/>
+          </p:cNvPicPr>
+          <p:nvPr/>
+        </p:nvPicPr>
+        <p:blipFill>
+          <a:blip r:embed="rId2">
+            <a:extLst>
+              <a:ext uri="{28A0092B-C50C-407E-A947-70E740481C1C}">
+                <a14:useLocalDpi xmlns:a14="http://schemas.microsoft.com/office/drawing/2010/main" val="0"/>
+              </a:ext>
+            </a:extLst>
+          </a:blip>
+          <a:stretch>
+            <a:fillRect/>
+          </a:stretch>
+        </p:blipFill>
+        <p:spPr>
+          <a:xfrm>
+            <a:off x="5148795" y="3571327"/>
+            <a:ext cx="2076928" cy="908656"/>
           </a:xfrm>
           <a:prstGeom prst="rect">
             <a:avLst/>
@@ -5303,30 +5692,31 @@
           <p:cNvPr id="27" name="Grafik 26">
             <a:extLst>
               <a:ext uri="{FF2B5EF4-FFF2-40B4-BE49-F238E27FC236}">
-                <a16:creationId xmlns:a16="http://schemas.microsoft.com/office/drawing/2014/main" id="{97687640-C8D6-9E95-8BA7-79C30FCF5A98}"/>
-              </a:ext>
-            </a:extLst>
-          </p:cNvPr>
-          <p:cNvPicPr>
-            <a:picLocks noChangeAspect="1"/>
-          </p:cNvPicPr>
-          <p:nvPr/>
-        </p:nvPicPr>
-        <p:blipFill>
-          <a:blip r:embed="rId2">
-            <a:extLst>
-              <a:ext uri="{28A0092B-C50C-407E-A947-70E740481C1C}">
-                <a14:useLocalDpi xmlns:a14="http://schemas.microsoft.com/office/drawing/2010/main" val="0"/>
-              </a:ext>
-            </a:extLst>
-          </a:blip>
-          <a:srcRect/>
-          <a:stretch/>
-        </p:blipFill>
-        <p:spPr>
-          <a:xfrm>
-            <a:off x="167165" y="3724957"/>
-            <a:ext cx="2100417" cy="2837085"/>
+                <a16:creationId xmlns:a16="http://schemas.microsoft.com/office/drawing/2014/main" id="{E264CCAA-740E-E765-D6E7-392CFB43834A}"/>
+              </a:ext>
+            </a:extLst>
+          </p:cNvPr>
+          <p:cNvPicPr>
+            <a:picLocks noChangeAspect="1"/>
+          </p:cNvPicPr>
+          <p:nvPr/>
+        </p:nvPicPr>
+        <p:blipFill>
+          <a:blip r:embed="rId2">
+            <a:extLst>
+              <a:ext uri="{28A0092B-C50C-407E-A947-70E740481C1C}">
+                <a14:useLocalDpi xmlns:a14="http://schemas.microsoft.com/office/drawing/2010/main" val="0"/>
+              </a:ext>
+            </a:extLst>
+          </a:blip>
+          <a:stretch>
+            <a:fillRect/>
+          </a:stretch>
+        </p:blipFill>
+        <p:spPr>
+          <a:xfrm>
+            <a:off x="5127784" y="4558636"/>
+            <a:ext cx="2076928" cy="908656"/>
           </a:xfrm>
           <a:prstGeom prst="rect">
             <a:avLst/>
@@ -5338,30 +5728,31 @@
           <p:cNvPr id="28" name="Grafik 27">
             <a:extLst>
               <a:ext uri="{FF2B5EF4-FFF2-40B4-BE49-F238E27FC236}">
-                <a16:creationId xmlns:a16="http://schemas.microsoft.com/office/drawing/2014/main" id="{34D1CFA8-9824-65E2-F75E-69ADFDDA5492}"/>
-              </a:ext>
-            </a:extLst>
-          </p:cNvPr>
-          <p:cNvPicPr>
-            <a:picLocks noChangeAspect="1"/>
-          </p:cNvPicPr>
-          <p:nvPr/>
-        </p:nvPicPr>
-        <p:blipFill>
-          <a:blip r:embed="rId2">
-            <a:extLst>
-              <a:ext uri="{28A0092B-C50C-407E-A947-70E740481C1C}">
-                <a14:useLocalDpi xmlns:a14="http://schemas.microsoft.com/office/drawing/2010/main" val="0"/>
-              </a:ext>
-            </a:extLst>
-          </a:blip>
-          <a:srcRect/>
-          <a:stretch/>
-        </p:blipFill>
-        <p:spPr>
-          <a:xfrm>
-            <a:off x="2699463" y="3724956"/>
-            <a:ext cx="2100417" cy="2837085"/>
+                <a16:creationId xmlns:a16="http://schemas.microsoft.com/office/drawing/2014/main" id="{13AD8E39-EBB3-011D-5B43-7C13C293EF75}"/>
+              </a:ext>
+            </a:extLst>
+          </p:cNvPr>
+          <p:cNvPicPr>
+            <a:picLocks noChangeAspect="1"/>
+          </p:cNvPicPr>
+          <p:nvPr/>
+        </p:nvPicPr>
+        <p:blipFill>
+          <a:blip r:embed="rId2">
+            <a:extLst>
+              <a:ext uri="{28A0092B-C50C-407E-A947-70E740481C1C}">
+                <a14:useLocalDpi xmlns:a14="http://schemas.microsoft.com/office/drawing/2010/main" val="0"/>
+              </a:ext>
+            </a:extLst>
+          </a:blip>
+          <a:stretch>
+            <a:fillRect/>
+          </a:stretch>
+        </p:blipFill>
+        <p:spPr>
+          <a:xfrm>
+            <a:off x="5127784" y="5606636"/>
+            <a:ext cx="2076928" cy="908656"/>
           </a:xfrm>
           <a:prstGeom prst="rect">
             <a:avLst/>
@@ -5373,30 +5764,31 @@
           <p:cNvPr id="29" name="Grafik 28">
             <a:extLst>
               <a:ext uri="{FF2B5EF4-FFF2-40B4-BE49-F238E27FC236}">
-                <a16:creationId xmlns:a16="http://schemas.microsoft.com/office/drawing/2014/main" id="{666D0824-23B6-F652-5F67-D8CC2CFB3B46}"/>
-              </a:ext>
-            </a:extLst>
-          </p:cNvPr>
-          <p:cNvPicPr>
-            <a:picLocks noChangeAspect="1"/>
-          </p:cNvPicPr>
-          <p:nvPr/>
-        </p:nvPicPr>
-        <p:blipFill>
-          <a:blip r:embed="rId2">
-            <a:extLst>
-              <a:ext uri="{28A0092B-C50C-407E-A947-70E740481C1C}">
-                <a14:useLocalDpi xmlns:a14="http://schemas.microsoft.com/office/drawing/2010/main" val="0"/>
-              </a:ext>
-            </a:extLst>
-          </a:blip>
-          <a:srcRect/>
-          <a:stretch/>
-        </p:blipFill>
-        <p:spPr>
-          <a:xfrm>
-            <a:off x="5175964" y="3724957"/>
-            <a:ext cx="2100417" cy="2837085"/>
+                <a16:creationId xmlns:a16="http://schemas.microsoft.com/office/drawing/2014/main" id="{B0D108CD-5823-63C7-3B8D-8ADDD4588971}"/>
+              </a:ext>
+            </a:extLst>
+          </p:cNvPr>
+          <p:cNvPicPr>
+            <a:picLocks noChangeAspect="1"/>
+          </p:cNvPicPr>
+          <p:nvPr/>
+        </p:nvPicPr>
+        <p:blipFill>
+          <a:blip r:embed="rId2">
+            <a:extLst>
+              <a:ext uri="{28A0092B-C50C-407E-A947-70E740481C1C}">
+                <a14:useLocalDpi xmlns:a14="http://schemas.microsoft.com/office/drawing/2010/main" val="0"/>
+              </a:ext>
+            </a:extLst>
+          </a:blip>
+          <a:stretch>
+            <a:fillRect/>
+          </a:stretch>
+        </p:blipFill>
+        <p:spPr>
+          <a:xfrm>
+            <a:off x="7451452" y="3571327"/>
+            <a:ext cx="2076928" cy="908656"/>
           </a:xfrm>
           <a:prstGeom prst="rect">
             <a:avLst/>
@@ -5408,65 +5800,31 @@
           <p:cNvPr id="30" name="Grafik 29">
             <a:extLst>
               <a:ext uri="{FF2B5EF4-FFF2-40B4-BE49-F238E27FC236}">
-                <a16:creationId xmlns:a16="http://schemas.microsoft.com/office/drawing/2014/main" id="{4D220736-91FB-1C79-B5F2-B2EBF6578523}"/>
-              </a:ext>
-            </a:extLst>
-          </p:cNvPr>
-          <p:cNvPicPr>
-            <a:picLocks noChangeAspect="1"/>
-          </p:cNvPicPr>
-          <p:nvPr/>
-        </p:nvPicPr>
-        <p:blipFill>
-          <a:blip r:embed="rId2">
-            <a:extLst>
-              <a:ext uri="{28A0092B-C50C-407E-A947-70E740481C1C}">
-                <a14:useLocalDpi xmlns:a14="http://schemas.microsoft.com/office/drawing/2010/main" val="0"/>
-              </a:ext>
-            </a:extLst>
-          </a:blip>
-          <a:srcRect/>
-          <a:stretch/>
-        </p:blipFill>
-        <p:spPr>
-          <a:xfrm>
-            <a:off x="7690902" y="3750620"/>
-            <a:ext cx="2100417" cy="2837085"/>
-          </a:xfrm>
-          <a:prstGeom prst="rect">
-            <a:avLst/>
-          </a:prstGeom>
-        </p:spPr>
-      </p:pic>
-      <p:pic>
-        <p:nvPicPr>
-          <p:cNvPr id="31" name="Grafik 30">
-            <a:extLst>
-              <a:ext uri="{FF2B5EF4-FFF2-40B4-BE49-F238E27FC236}">
-                <a16:creationId xmlns:a16="http://schemas.microsoft.com/office/drawing/2014/main" id="{47641E41-28A3-13F7-7890-B3CC1245E87B}"/>
-              </a:ext>
-            </a:extLst>
-          </p:cNvPr>
-          <p:cNvPicPr>
-            <a:picLocks noChangeAspect="1"/>
-          </p:cNvPicPr>
-          <p:nvPr/>
-        </p:nvPicPr>
-        <p:blipFill>
-          <a:blip r:embed="rId3">
-            <a:extLst>
-              <a:ext uri="{28A0092B-C50C-407E-A947-70E740481C1C}">
-                <a14:useLocalDpi xmlns:a14="http://schemas.microsoft.com/office/drawing/2010/main" val="0"/>
-              </a:ext>
-            </a:extLst>
-          </a:blip>
-          <a:srcRect/>
-          <a:stretch/>
-        </p:blipFill>
-        <p:spPr>
-          <a:xfrm>
-            <a:off x="167165" y="255237"/>
-            <a:ext cx="2100417" cy="2839025"/>
+                <a16:creationId xmlns:a16="http://schemas.microsoft.com/office/drawing/2014/main" id="{44C0D9AA-37AC-2A7F-F4F1-FC684A32127D}"/>
+              </a:ext>
+            </a:extLst>
+          </p:cNvPr>
+          <p:cNvPicPr>
+            <a:picLocks noChangeAspect="1"/>
+          </p:cNvPicPr>
+          <p:nvPr/>
+        </p:nvPicPr>
+        <p:blipFill>
+          <a:blip r:embed="rId2">
+            <a:extLst>
+              <a:ext uri="{28A0092B-C50C-407E-A947-70E740481C1C}">
+                <a14:useLocalDpi xmlns:a14="http://schemas.microsoft.com/office/drawing/2010/main" val="0"/>
+              </a:ext>
+            </a:extLst>
+          </a:blip>
+          <a:stretch>
+            <a:fillRect/>
+          </a:stretch>
+        </p:blipFill>
+        <p:spPr>
+          <a:xfrm>
+            <a:off x="7466472" y="4558636"/>
+            <a:ext cx="2076928" cy="908656"/>
           </a:xfrm>
           <a:prstGeom prst="rect">
             <a:avLst/>
@@ -5478,30 +5836,31 @@
           <p:cNvPr id="32" name="Grafik 31">
             <a:extLst>
               <a:ext uri="{FF2B5EF4-FFF2-40B4-BE49-F238E27FC236}">
-                <a16:creationId xmlns:a16="http://schemas.microsoft.com/office/drawing/2014/main" id="{C9C62D77-6006-BF10-1E90-2DA1874982D5}"/>
-              </a:ext>
-            </a:extLst>
-          </p:cNvPr>
-          <p:cNvPicPr>
-            <a:picLocks noChangeAspect="1"/>
-          </p:cNvPicPr>
-          <p:nvPr/>
-        </p:nvPicPr>
-        <p:blipFill>
-          <a:blip r:embed="rId2">
-            <a:extLst>
-              <a:ext uri="{28A0092B-C50C-407E-A947-70E740481C1C}">
-                <a14:useLocalDpi xmlns:a14="http://schemas.microsoft.com/office/drawing/2010/main" val="0"/>
-              </a:ext>
-            </a:extLst>
-          </a:blip>
-          <a:srcRect/>
-          <a:stretch/>
-        </p:blipFill>
-        <p:spPr>
-          <a:xfrm>
-            <a:off x="2699464" y="256207"/>
-            <a:ext cx="2100417" cy="2837085"/>
+                <a16:creationId xmlns:a16="http://schemas.microsoft.com/office/drawing/2014/main" id="{F745E7F6-B830-5385-8B59-FDC82CC7865B}"/>
+              </a:ext>
+            </a:extLst>
+          </p:cNvPr>
+          <p:cNvPicPr>
+            <a:picLocks noChangeAspect="1"/>
+          </p:cNvPicPr>
+          <p:nvPr/>
+        </p:nvPicPr>
+        <p:blipFill>
+          <a:blip r:embed="rId2">
+            <a:extLst>
+              <a:ext uri="{28A0092B-C50C-407E-A947-70E740481C1C}">
+                <a14:useLocalDpi xmlns:a14="http://schemas.microsoft.com/office/drawing/2010/main" val="0"/>
+              </a:ext>
+            </a:extLst>
+          </a:blip>
+          <a:stretch>
+            <a:fillRect/>
+          </a:stretch>
+        </p:blipFill>
+        <p:spPr>
+          <a:xfrm>
+            <a:off x="7466472" y="5606636"/>
+            <a:ext cx="2076928" cy="908656"/>
           </a:xfrm>
           <a:prstGeom prst="rect">
             <a:avLst/>
@@ -5511,7 +5870,7 @@
     </p:spTree>
     <p:extLst>
       <p:ext uri="{BB962C8B-B14F-4D97-AF65-F5344CB8AC3E}">
-        <p14:creationId xmlns:p14="http://schemas.microsoft.com/office/powerpoint/2010/main" val="3051307887"/>
+        <p14:creationId xmlns:p14="http://schemas.microsoft.com/office/powerpoint/2010/main" val="1058556485"/>
       </p:ext>
     </p:extLst>
   </p:cSld>
@@ -5566,7 +5925,7 @@
         </p:blipFill>
         <p:spPr>
           <a:xfrm>
-            <a:off x="214554" y="281748"/>
+            <a:off x="362600" y="220788"/>
             <a:ext cx="2076928" cy="908656"/>
           </a:xfrm>
           <a:prstGeom prst="rect">
@@ -5602,7 +5961,7 @@
         </p:blipFill>
         <p:spPr>
           <a:xfrm>
-            <a:off x="193543" y="1269057"/>
+            <a:off x="341589" y="1208097"/>
             <a:ext cx="2076928" cy="908656"/>
           </a:xfrm>
           <a:prstGeom prst="rect">
@@ -5638,7 +5997,7 @@
         </p:blipFill>
         <p:spPr>
           <a:xfrm>
-            <a:off x="193543" y="2317057"/>
+            <a:off x="341589" y="2256097"/>
             <a:ext cx="2076928" cy="908656"/>
           </a:xfrm>
           <a:prstGeom prst="rect">
@@ -5674,7 +6033,7 @@
         </p:blipFill>
         <p:spPr>
           <a:xfrm>
-            <a:off x="2465032" y="281748"/>
+            <a:off x="2737682" y="220788"/>
             <a:ext cx="2076928" cy="908656"/>
           </a:xfrm>
           <a:prstGeom prst="rect">
@@ -5710,7 +6069,7 @@
         </p:blipFill>
         <p:spPr>
           <a:xfrm>
-            <a:off x="2480052" y="1269057"/>
+            <a:off x="2752702" y="1208097"/>
             <a:ext cx="2076928" cy="908656"/>
           </a:xfrm>
           <a:prstGeom prst="rect">
@@ -5746,7 +6105,7 @@
         </p:blipFill>
         <p:spPr>
           <a:xfrm>
-            <a:off x="2480052" y="2317057"/>
+            <a:off x="2752702" y="2256097"/>
             <a:ext cx="2076928" cy="908656"/>
           </a:xfrm>
           <a:prstGeom prst="rect">
@@ -5782,7 +6141,7 @@
         </p:blipFill>
         <p:spPr>
           <a:xfrm>
-            <a:off x="214554" y="3632287"/>
+            <a:off x="362600" y="3571327"/>
             <a:ext cx="2076928" cy="908656"/>
           </a:xfrm>
           <a:prstGeom prst="rect">
@@ -5818,7 +6177,7 @@
         </p:blipFill>
         <p:spPr>
           <a:xfrm>
-            <a:off x="193543" y="4619596"/>
+            <a:off x="341589" y="4558636"/>
             <a:ext cx="2076928" cy="908656"/>
           </a:xfrm>
           <a:prstGeom prst="rect">
@@ -5854,7 +6213,7 @@
         </p:blipFill>
         <p:spPr>
           <a:xfrm>
-            <a:off x="193543" y="5667596"/>
+            <a:off x="341589" y="5606636"/>
             <a:ext cx="2076928" cy="908656"/>
           </a:xfrm>
           <a:prstGeom prst="rect">
@@ -5890,7 +6249,7 @@
         </p:blipFill>
         <p:spPr>
           <a:xfrm>
-            <a:off x="2465032" y="3632287"/>
+            <a:off x="2737682" y="3571327"/>
             <a:ext cx="2076928" cy="908656"/>
           </a:xfrm>
           <a:prstGeom prst="rect">
@@ -5926,7 +6285,7 @@
         </p:blipFill>
         <p:spPr>
           <a:xfrm>
-            <a:off x="2480052" y="4619596"/>
+            <a:off x="2752702" y="4558636"/>
             <a:ext cx="2076928" cy="908656"/>
           </a:xfrm>
           <a:prstGeom prst="rect">
@@ -5962,7 +6321,7 @@
         </p:blipFill>
         <p:spPr>
           <a:xfrm>
-            <a:off x="2480052" y="5667596"/>
+            <a:off x="2752702" y="5606636"/>
             <a:ext cx="2076928" cy="908656"/>
           </a:xfrm>
           <a:prstGeom prst="rect">
@@ -5998,7 +6357,7 @@
         </p:blipFill>
         <p:spPr>
           <a:xfrm>
-            <a:off x="4855134" y="281748"/>
+            <a:off x="5148795" y="220788"/>
             <a:ext cx="2076928" cy="908656"/>
           </a:xfrm>
           <a:prstGeom prst="rect">
@@ -6034,7 +6393,7 @@
         </p:blipFill>
         <p:spPr>
           <a:xfrm>
-            <a:off x="4834123" y="1269057"/>
+            <a:off x="5127784" y="1208097"/>
             <a:ext cx="2076928" cy="908656"/>
           </a:xfrm>
           <a:prstGeom prst="rect">
@@ -6070,7 +6429,7 @@
         </p:blipFill>
         <p:spPr>
           <a:xfrm>
-            <a:off x="4834123" y="2317057"/>
+            <a:off x="5127784" y="2256097"/>
             <a:ext cx="2076928" cy="908656"/>
           </a:xfrm>
           <a:prstGeom prst="rect">
@@ -6106,7 +6465,7 @@
         </p:blipFill>
         <p:spPr>
           <a:xfrm>
-            <a:off x="7105612" y="281748"/>
+            <a:off x="7451452" y="220788"/>
             <a:ext cx="2076928" cy="908656"/>
           </a:xfrm>
           <a:prstGeom prst="rect">
@@ -6142,7 +6501,7 @@
         </p:blipFill>
         <p:spPr>
           <a:xfrm>
-            <a:off x="7120632" y="1269057"/>
+            <a:off x="7466472" y="1208097"/>
             <a:ext cx="2076928" cy="908656"/>
           </a:xfrm>
           <a:prstGeom prst="rect">
@@ -6178,7 +6537,7 @@
         </p:blipFill>
         <p:spPr>
           <a:xfrm>
-            <a:off x="7120632" y="2317057"/>
+            <a:off x="7466472" y="2256097"/>
             <a:ext cx="2076928" cy="908656"/>
           </a:xfrm>
           <a:prstGeom prst="rect">
@@ -6214,7 +6573,7 @@
         </p:blipFill>
         <p:spPr>
           <a:xfrm>
-            <a:off x="4855134" y="3632287"/>
+            <a:off x="5148795" y="3571327"/>
             <a:ext cx="2076928" cy="908656"/>
           </a:xfrm>
           <a:prstGeom prst="rect">
@@ -6250,7 +6609,7 @@
         </p:blipFill>
         <p:spPr>
           <a:xfrm>
-            <a:off x="4834123" y="4619596"/>
+            <a:off x="5127784" y="4558636"/>
             <a:ext cx="2076928" cy="908656"/>
           </a:xfrm>
           <a:prstGeom prst="rect">
@@ -6286,7 +6645,7 @@
         </p:blipFill>
         <p:spPr>
           <a:xfrm>
-            <a:off x="4834123" y="5667596"/>
+            <a:off x="5127784" y="5606636"/>
             <a:ext cx="2076928" cy="908656"/>
           </a:xfrm>
           <a:prstGeom prst="rect">
@@ -6322,7 +6681,7 @@
         </p:blipFill>
         <p:spPr>
           <a:xfrm>
-            <a:off x="7105612" y="3632287"/>
+            <a:off x="7451452" y="3571327"/>
             <a:ext cx="2076928" cy="908656"/>
           </a:xfrm>
           <a:prstGeom prst="rect">
@@ -6358,7 +6717,7 @@
         </p:blipFill>
         <p:spPr>
           <a:xfrm>
-            <a:off x="7120632" y="4619596"/>
+            <a:off x="7466472" y="4558636"/>
             <a:ext cx="2076928" cy="908656"/>
           </a:xfrm>
           <a:prstGeom prst="rect">
@@ -6394,7 +6753,7 @@
         </p:blipFill>
         <p:spPr>
           <a:xfrm>
-            <a:off x="7120632" y="5667596"/>
+            <a:off x="7466472" y="5606636"/>
             <a:ext cx="2076928" cy="908656"/>
           </a:xfrm>
           <a:prstGeom prst="rect">
@@ -6405,7 +6764,7 @@
     </p:spTree>
     <p:extLst>
       <p:ext uri="{BB962C8B-B14F-4D97-AF65-F5344CB8AC3E}">
-        <p14:creationId xmlns:p14="http://schemas.microsoft.com/office/powerpoint/2010/main" val="1058556485"/>
+        <p14:creationId xmlns:p14="http://schemas.microsoft.com/office/powerpoint/2010/main" val="3216215332"/>
       </p:ext>
     </p:extLst>
   </p:cSld>
@@ -6459,8 +6818,8 @@
         </p:blipFill>
         <p:spPr>
           <a:xfrm>
-            <a:off x="274551" y="281748"/>
-            <a:ext cx="1956934" cy="908656"/>
+            <a:off x="274551" y="372026"/>
+            <a:ext cx="1762506" cy="818378"/>
           </a:xfrm>
           <a:prstGeom prst="rect">
             <a:avLst/>
@@ -6494,8 +6853,8 @@
         </p:blipFill>
         <p:spPr>
           <a:xfrm>
-            <a:off x="253540" y="1299402"/>
-            <a:ext cx="1956934" cy="908656"/>
+            <a:off x="253540" y="1389680"/>
+            <a:ext cx="1762506" cy="818378"/>
           </a:xfrm>
           <a:prstGeom prst="rect">
             <a:avLst/>
@@ -6529,8 +6888,8 @@
         </p:blipFill>
         <p:spPr>
           <a:xfrm>
-            <a:off x="253540" y="2317057"/>
-            <a:ext cx="1956934" cy="908656"/>
+            <a:off x="253540" y="2407335"/>
+            <a:ext cx="1762506" cy="818378"/>
           </a:xfrm>
           <a:prstGeom prst="rect">
             <a:avLst/>
@@ -6564,8 +6923,8 @@
         </p:blipFill>
         <p:spPr>
           <a:xfrm>
-            <a:off x="253540" y="3523289"/>
-            <a:ext cx="1956934" cy="908656"/>
+            <a:off x="253540" y="3613567"/>
+            <a:ext cx="1762506" cy="818378"/>
           </a:xfrm>
           <a:prstGeom prst="rect">
             <a:avLst/>
@@ -6599,8 +6958,8 @@
         </p:blipFill>
         <p:spPr>
           <a:xfrm>
-            <a:off x="232529" y="4540943"/>
-            <a:ext cx="1956934" cy="908656"/>
+            <a:off x="232529" y="4631221"/>
+            <a:ext cx="1762506" cy="818378"/>
           </a:xfrm>
           <a:prstGeom prst="rect">
             <a:avLst/>
@@ -6634,8 +6993,8 @@
         </p:blipFill>
         <p:spPr>
           <a:xfrm>
-            <a:off x="232529" y="5558598"/>
-            <a:ext cx="1956934" cy="908656"/>
+            <a:off x="232529" y="5648876"/>
+            <a:ext cx="1762506" cy="818378"/>
           </a:xfrm>
           <a:prstGeom prst="rect">
             <a:avLst/>
@@ -6669,8 +7028,8 @@
         </p:blipFill>
         <p:spPr>
           <a:xfrm>
-            <a:off x="2431011" y="281748"/>
-            <a:ext cx="1956934" cy="908656"/>
+            <a:off x="2170953" y="372026"/>
+            <a:ext cx="1762506" cy="818378"/>
           </a:xfrm>
           <a:prstGeom prst="rect">
             <a:avLst/>
@@ -6704,8 +7063,8 @@
         </p:blipFill>
         <p:spPr>
           <a:xfrm>
-            <a:off x="2410000" y="1299402"/>
-            <a:ext cx="1956934" cy="908656"/>
+            <a:off x="2149942" y="1389680"/>
+            <a:ext cx="1762506" cy="818378"/>
           </a:xfrm>
           <a:prstGeom prst="rect">
             <a:avLst/>
@@ -6739,8 +7098,8 @@
         </p:blipFill>
         <p:spPr>
           <a:xfrm>
-            <a:off x="2410000" y="2317057"/>
-            <a:ext cx="1956934" cy="908656"/>
+            <a:off x="2149942" y="2407335"/>
+            <a:ext cx="1762506" cy="818378"/>
           </a:xfrm>
           <a:prstGeom prst="rect">
             <a:avLst/>
@@ -6774,8 +7133,8 @@
         </p:blipFill>
         <p:spPr>
           <a:xfrm>
-            <a:off x="2410000" y="3523289"/>
-            <a:ext cx="1956934" cy="908656"/>
+            <a:off x="2149942" y="3613567"/>
+            <a:ext cx="1762506" cy="818378"/>
           </a:xfrm>
           <a:prstGeom prst="rect">
             <a:avLst/>
@@ -6809,8 +7168,8 @@
         </p:blipFill>
         <p:spPr>
           <a:xfrm>
-            <a:off x="2388989" y="4540943"/>
-            <a:ext cx="1956934" cy="908656"/>
+            <a:off x="2128931" y="4631221"/>
+            <a:ext cx="1762506" cy="818378"/>
           </a:xfrm>
           <a:prstGeom prst="rect">
             <a:avLst/>
@@ -6844,8 +7203,8 @@
         </p:blipFill>
         <p:spPr>
           <a:xfrm>
-            <a:off x="2388989" y="5558598"/>
-            <a:ext cx="1956934" cy="908656"/>
+            <a:off x="2128931" y="5648876"/>
+            <a:ext cx="1762506" cy="818378"/>
           </a:xfrm>
           <a:prstGeom prst="rect">
             <a:avLst/>
@@ -6879,8 +7238,8 @@
         </p:blipFill>
         <p:spPr>
           <a:xfrm>
-            <a:off x="4587471" y="281748"/>
-            <a:ext cx="1956934" cy="908656"/>
+            <a:off x="4075743" y="372026"/>
+            <a:ext cx="1762506" cy="818378"/>
           </a:xfrm>
           <a:prstGeom prst="rect">
             <a:avLst/>
@@ -6914,8 +7273,8 @@
         </p:blipFill>
         <p:spPr>
           <a:xfrm>
-            <a:off x="4566460" y="1299402"/>
-            <a:ext cx="1956934" cy="908656"/>
+            <a:off x="4054732" y="1389680"/>
+            <a:ext cx="1762506" cy="818378"/>
           </a:xfrm>
           <a:prstGeom prst="rect">
             <a:avLst/>
@@ -6949,8 +7308,8 @@
         </p:blipFill>
         <p:spPr>
           <a:xfrm>
-            <a:off x="4566460" y="2317057"/>
-            <a:ext cx="1956934" cy="908656"/>
+            <a:off x="4054732" y="2407335"/>
+            <a:ext cx="1762506" cy="818378"/>
           </a:xfrm>
           <a:prstGeom prst="rect">
             <a:avLst/>
@@ -6984,8 +7343,8 @@
         </p:blipFill>
         <p:spPr>
           <a:xfrm>
-            <a:off x="4566460" y="3523289"/>
-            <a:ext cx="1956934" cy="908656"/>
+            <a:off x="4054732" y="3613567"/>
+            <a:ext cx="1762506" cy="818378"/>
           </a:xfrm>
           <a:prstGeom prst="rect">
             <a:avLst/>
@@ -7019,8 +7378,8 @@
         </p:blipFill>
         <p:spPr>
           <a:xfrm>
-            <a:off x="4545449" y="4540943"/>
-            <a:ext cx="1956934" cy="908656"/>
+            <a:off x="4033721" y="4631221"/>
+            <a:ext cx="1762506" cy="818378"/>
           </a:xfrm>
           <a:prstGeom prst="rect">
             <a:avLst/>
@@ -7054,8 +7413,8 @@
         </p:blipFill>
         <p:spPr>
           <a:xfrm>
-            <a:off x="4545449" y="5558598"/>
-            <a:ext cx="1956934" cy="908656"/>
+            <a:off x="4033721" y="5648876"/>
+            <a:ext cx="1762506" cy="818378"/>
           </a:xfrm>
           <a:prstGeom prst="rect">
             <a:avLst/>
@@ -7089,8 +7448,8 @@
         </p:blipFill>
         <p:spPr>
           <a:xfrm>
-            <a:off x="6743931" y="281748"/>
-            <a:ext cx="1956934" cy="908656"/>
+            <a:off x="5980533" y="372026"/>
+            <a:ext cx="1762506" cy="818378"/>
           </a:xfrm>
           <a:prstGeom prst="rect">
             <a:avLst/>
@@ -7124,8 +7483,8 @@
         </p:blipFill>
         <p:spPr>
           <a:xfrm>
-            <a:off x="6722920" y="1299402"/>
-            <a:ext cx="1956934" cy="908656"/>
+            <a:off x="5959522" y="1389680"/>
+            <a:ext cx="1762506" cy="818378"/>
           </a:xfrm>
           <a:prstGeom prst="rect">
             <a:avLst/>
@@ -7159,8 +7518,8 @@
         </p:blipFill>
         <p:spPr>
           <a:xfrm>
-            <a:off x="6722920" y="2317057"/>
-            <a:ext cx="1956934" cy="908656"/>
+            <a:off x="5959522" y="2407335"/>
+            <a:ext cx="1762506" cy="818378"/>
           </a:xfrm>
           <a:prstGeom prst="rect">
             <a:avLst/>
@@ -7194,8 +7553,8 @@
         </p:blipFill>
         <p:spPr>
           <a:xfrm>
-            <a:off x="6722920" y="3523289"/>
-            <a:ext cx="1956934" cy="908656"/>
+            <a:off x="5959522" y="3613567"/>
+            <a:ext cx="1762506" cy="818378"/>
           </a:xfrm>
           <a:prstGeom prst="rect">
             <a:avLst/>
@@ -7229,8 +7588,8 @@
         </p:blipFill>
         <p:spPr>
           <a:xfrm>
-            <a:off x="6701909" y="4540943"/>
-            <a:ext cx="1956934" cy="908656"/>
+            <a:off x="5938511" y="4631221"/>
+            <a:ext cx="1762506" cy="818378"/>
           </a:xfrm>
           <a:prstGeom prst="rect">
             <a:avLst/>
@@ -7264,8 +7623,218 @@
         </p:blipFill>
         <p:spPr>
           <a:xfrm>
-            <a:off x="6701909" y="5558598"/>
-            <a:ext cx="1956934" cy="908656"/>
+            <a:off x="5938511" y="5648876"/>
+            <a:ext cx="1762506" cy="818378"/>
+          </a:xfrm>
+          <a:prstGeom prst="rect">
+            <a:avLst/>
+          </a:prstGeom>
+        </p:spPr>
+      </p:pic>
+      <p:pic>
+        <p:nvPicPr>
+          <p:cNvPr id="2" name="Grafik 1">
+            <a:extLst>
+              <a:ext uri="{FF2B5EF4-FFF2-40B4-BE49-F238E27FC236}">
+                <a16:creationId xmlns:a16="http://schemas.microsoft.com/office/drawing/2014/main" id="{99C5B4F2-F550-4EBD-9378-652435AE4288}"/>
+              </a:ext>
+            </a:extLst>
+          </p:cNvPr>
+          <p:cNvPicPr>
+            <a:picLocks noChangeAspect="1"/>
+          </p:cNvPicPr>
+          <p:nvPr/>
+        </p:nvPicPr>
+        <p:blipFill>
+          <a:blip r:embed="rId2">
+            <a:extLst>
+              <a:ext uri="{28A0092B-C50C-407E-A947-70E740481C1C}">
+                <a14:useLocalDpi xmlns:a14="http://schemas.microsoft.com/office/drawing/2010/main" val="0"/>
+              </a:ext>
+            </a:extLst>
+          </a:blip>
+          <a:srcRect/>
+          <a:stretch/>
+        </p:blipFill>
+        <p:spPr>
+          <a:xfrm>
+            <a:off x="7902422" y="372026"/>
+            <a:ext cx="1762506" cy="818378"/>
+          </a:xfrm>
+          <a:prstGeom prst="rect">
+            <a:avLst/>
+          </a:prstGeom>
+        </p:spPr>
+      </p:pic>
+      <p:pic>
+        <p:nvPicPr>
+          <p:cNvPr id="3" name="Grafik 2">
+            <a:extLst>
+              <a:ext uri="{FF2B5EF4-FFF2-40B4-BE49-F238E27FC236}">
+                <a16:creationId xmlns:a16="http://schemas.microsoft.com/office/drawing/2014/main" id="{6BC8D21E-86F3-3BAD-5AD2-6162597DC79B}"/>
+              </a:ext>
+            </a:extLst>
+          </p:cNvPr>
+          <p:cNvPicPr>
+            <a:picLocks noChangeAspect="1"/>
+          </p:cNvPicPr>
+          <p:nvPr/>
+        </p:nvPicPr>
+        <p:blipFill>
+          <a:blip r:embed="rId2">
+            <a:extLst>
+              <a:ext uri="{28A0092B-C50C-407E-A947-70E740481C1C}">
+                <a14:useLocalDpi xmlns:a14="http://schemas.microsoft.com/office/drawing/2010/main" val="0"/>
+              </a:ext>
+            </a:extLst>
+          </a:blip>
+          <a:srcRect/>
+          <a:stretch/>
+        </p:blipFill>
+        <p:spPr>
+          <a:xfrm>
+            <a:off x="7881411" y="1389680"/>
+            <a:ext cx="1762506" cy="818378"/>
+          </a:xfrm>
+          <a:prstGeom prst="rect">
+            <a:avLst/>
+          </a:prstGeom>
+        </p:spPr>
+      </p:pic>
+      <p:pic>
+        <p:nvPicPr>
+          <p:cNvPr id="4" name="Grafik 3">
+            <a:extLst>
+              <a:ext uri="{FF2B5EF4-FFF2-40B4-BE49-F238E27FC236}">
+                <a16:creationId xmlns:a16="http://schemas.microsoft.com/office/drawing/2014/main" id="{4C3E0955-77A2-8B7E-61C3-16BED4DD23D8}"/>
+              </a:ext>
+            </a:extLst>
+          </p:cNvPr>
+          <p:cNvPicPr>
+            <a:picLocks noChangeAspect="1"/>
+          </p:cNvPicPr>
+          <p:nvPr/>
+        </p:nvPicPr>
+        <p:blipFill>
+          <a:blip r:embed="rId2">
+            <a:extLst>
+              <a:ext uri="{28A0092B-C50C-407E-A947-70E740481C1C}">
+                <a14:useLocalDpi xmlns:a14="http://schemas.microsoft.com/office/drawing/2010/main" val="0"/>
+              </a:ext>
+            </a:extLst>
+          </a:blip>
+          <a:srcRect/>
+          <a:stretch/>
+        </p:blipFill>
+        <p:spPr>
+          <a:xfrm>
+            <a:off x="7881411" y="2407335"/>
+            <a:ext cx="1762506" cy="818378"/>
+          </a:xfrm>
+          <a:prstGeom prst="rect">
+            <a:avLst/>
+          </a:prstGeom>
+        </p:spPr>
+      </p:pic>
+      <p:pic>
+        <p:nvPicPr>
+          <p:cNvPr id="5" name="Grafik 4">
+            <a:extLst>
+              <a:ext uri="{FF2B5EF4-FFF2-40B4-BE49-F238E27FC236}">
+                <a16:creationId xmlns:a16="http://schemas.microsoft.com/office/drawing/2014/main" id="{DF55E8D5-FD4A-3F8A-B980-DBC74443CDD3}"/>
+              </a:ext>
+            </a:extLst>
+          </p:cNvPr>
+          <p:cNvPicPr>
+            <a:picLocks noChangeAspect="1"/>
+          </p:cNvPicPr>
+          <p:nvPr/>
+        </p:nvPicPr>
+        <p:blipFill>
+          <a:blip r:embed="rId2">
+            <a:extLst>
+              <a:ext uri="{28A0092B-C50C-407E-A947-70E740481C1C}">
+                <a14:useLocalDpi xmlns:a14="http://schemas.microsoft.com/office/drawing/2010/main" val="0"/>
+              </a:ext>
+            </a:extLst>
+          </a:blip>
+          <a:srcRect/>
+          <a:stretch/>
+        </p:blipFill>
+        <p:spPr>
+          <a:xfrm>
+            <a:off x="7881411" y="3613567"/>
+            <a:ext cx="1762506" cy="818378"/>
+          </a:xfrm>
+          <a:prstGeom prst="rect">
+            <a:avLst/>
+          </a:prstGeom>
+        </p:spPr>
+      </p:pic>
+      <p:pic>
+        <p:nvPicPr>
+          <p:cNvPr id="6" name="Grafik 5">
+            <a:extLst>
+              <a:ext uri="{FF2B5EF4-FFF2-40B4-BE49-F238E27FC236}">
+                <a16:creationId xmlns:a16="http://schemas.microsoft.com/office/drawing/2014/main" id="{A127EAE3-ABBE-5283-901B-55FE9683362E}"/>
+              </a:ext>
+            </a:extLst>
+          </p:cNvPr>
+          <p:cNvPicPr>
+            <a:picLocks noChangeAspect="1"/>
+          </p:cNvPicPr>
+          <p:nvPr/>
+        </p:nvPicPr>
+        <p:blipFill>
+          <a:blip r:embed="rId2">
+            <a:extLst>
+              <a:ext uri="{28A0092B-C50C-407E-A947-70E740481C1C}">
+                <a14:useLocalDpi xmlns:a14="http://schemas.microsoft.com/office/drawing/2010/main" val="0"/>
+              </a:ext>
+            </a:extLst>
+          </a:blip>
+          <a:srcRect/>
+          <a:stretch/>
+        </p:blipFill>
+        <p:spPr>
+          <a:xfrm>
+            <a:off x="7860400" y="4631221"/>
+            <a:ext cx="1762506" cy="818378"/>
+          </a:xfrm>
+          <a:prstGeom prst="rect">
+            <a:avLst/>
+          </a:prstGeom>
+        </p:spPr>
+      </p:pic>
+      <p:pic>
+        <p:nvPicPr>
+          <p:cNvPr id="7" name="Grafik 6">
+            <a:extLst>
+              <a:ext uri="{FF2B5EF4-FFF2-40B4-BE49-F238E27FC236}">
+                <a16:creationId xmlns:a16="http://schemas.microsoft.com/office/drawing/2014/main" id="{9C08CEBA-CEAE-2F77-3701-61EEF2186778}"/>
+              </a:ext>
+            </a:extLst>
+          </p:cNvPr>
+          <p:cNvPicPr>
+            <a:picLocks noChangeAspect="1"/>
+          </p:cNvPicPr>
+          <p:nvPr/>
+        </p:nvPicPr>
+        <p:blipFill>
+          <a:blip r:embed="rId2">
+            <a:extLst>
+              <a:ext uri="{28A0092B-C50C-407E-A947-70E740481C1C}">
+                <a14:useLocalDpi xmlns:a14="http://schemas.microsoft.com/office/drawing/2010/main" val="0"/>
+              </a:ext>
+            </a:extLst>
+          </a:blip>
+          <a:srcRect/>
+          <a:stretch/>
+        </p:blipFill>
+        <p:spPr>
+          <a:xfrm>
+            <a:off x="7860400" y="5648876"/>
+            <a:ext cx="1762506" cy="818378"/>
           </a:xfrm>
           <a:prstGeom prst="rect">
             <a:avLst/>
@@ -7304,10 +7873,10 @@
       </p:grpSpPr>
       <p:pic>
         <p:nvPicPr>
-          <p:cNvPr id="3" name="Grafik 2">
-            <a:extLst>
-              <a:ext uri="{FF2B5EF4-FFF2-40B4-BE49-F238E27FC236}">
-                <a16:creationId xmlns:a16="http://schemas.microsoft.com/office/drawing/2014/main" id="{858BCD4B-D006-7968-BFA6-1908C6A0BE84}"/>
+          <p:cNvPr id="22" name="Grafik 21">
+            <a:extLst>
+              <a:ext uri="{FF2B5EF4-FFF2-40B4-BE49-F238E27FC236}">
+                <a16:creationId xmlns:a16="http://schemas.microsoft.com/office/drawing/2014/main" id="{24B8C753-4312-4066-3A46-F9CD72412F7F}"/>
               </a:ext>
             </a:extLst>
           </p:cNvPr>
@@ -7329,20 +7898,20 @@
         </p:blipFill>
         <p:spPr>
           <a:xfrm>
-            <a:off x="300395" y="281748"/>
-            <a:ext cx="1905246" cy="908656"/>
-          </a:xfrm>
-          <a:prstGeom prst="rect">
-            <a:avLst/>
-          </a:prstGeom>
-        </p:spPr>
-      </p:pic>
-      <p:pic>
-        <p:nvPicPr>
-          <p:cNvPr id="4" name="Grafik 3">
-            <a:extLst>
-              <a:ext uri="{FF2B5EF4-FFF2-40B4-BE49-F238E27FC236}">
-                <a16:creationId xmlns:a16="http://schemas.microsoft.com/office/drawing/2014/main" id="{E95A8B29-36E6-E2D8-A624-42BB6D59B3C0}"/>
+            <a:off x="274551" y="372026"/>
+            <a:ext cx="1762506" cy="818378"/>
+          </a:xfrm>
+          <a:prstGeom prst="rect">
+            <a:avLst/>
+          </a:prstGeom>
+        </p:spPr>
+      </p:pic>
+      <p:pic>
+        <p:nvPicPr>
+          <p:cNvPr id="25" name="Grafik 24">
+            <a:extLst>
+              <a:ext uri="{FF2B5EF4-FFF2-40B4-BE49-F238E27FC236}">
+                <a16:creationId xmlns:a16="http://schemas.microsoft.com/office/drawing/2014/main" id="{AF222029-1761-FFC6-B4E7-7A6E6FFAFC2B}"/>
               </a:ext>
             </a:extLst>
           </p:cNvPr>
@@ -7364,20 +7933,20 @@
         </p:blipFill>
         <p:spPr>
           <a:xfrm>
-            <a:off x="300395" y="1340928"/>
-            <a:ext cx="1905246" cy="908656"/>
-          </a:xfrm>
-          <a:prstGeom prst="rect">
-            <a:avLst/>
-          </a:prstGeom>
-        </p:spPr>
-      </p:pic>
-      <p:pic>
-        <p:nvPicPr>
-          <p:cNvPr id="5" name="Grafik 4">
-            <a:extLst>
-              <a:ext uri="{FF2B5EF4-FFF2-40B4-BE49-F238E27FC236}">
-                <a16:creationId xmlns:a16="http://schemas.microsoft.com/office/drawing/2014/main" id="{00F1867B-4D22-A961-0FCA-F0677A012FA3}"/>
+            <a:off x="253540" y="1389680"/>
+            <a:ext cx="1762506" cy="818378"/>
+          </a:xfrm>
+          <a:prstGeom prst="rect">
+            <a:avLst/>
+          </a:prstGeom>
+        </p:spPr>
+      </p:pic>
+      <p:pic>
+        <p:nvPicPr>
+          <p:cNvPr id="26" name="Grafik 25">
+            <a:extLst>
+              <a:ext uri="{FF2B5EF4-FFF2-40B4-BE49-F238E27FC236}">
+                <a16:creationId xmlns:a16="http://schemas.microsoft.com/office/drawing/2014/main" id="{74812C78-EEBF-7561-5674-54B4B9BAE1FB}"/>
               </a:ext>
             </a:extLst>
           </p:cNvPr>
@@ -7399,20 +7968,20 @@
         </p:blipFill>
         <p:spPr>
           <a:xfrm>
-            <a:off x="300395" y="2400108"/>
-            <a:ext cx="1905246" cy="908656"/>
-          </a:xfrm>
-          <a:prstGeom prst="rect">
-            <a:avLst/>
-          </a:prstGeom>
-        </p:spPr>
-      </p:pic>
-      <p:pic>
-        <p:nvPicPr>
-          <p:cNvPr id="6" name="Grafik 5">
-            <a:extLst>
-              <a:ext uri="{FF2B5EF4-FFF2-40B4-BE49-F238E27FC236}">
-                <a16:creationId xmlns:a16="http://schemas.microsoft.com/office/drawing/2014/main" id="{04703D64-7408-A764-578B-7D930BE260C7}"/>
+            <a:off x="253540" y="2407335"/>
+            <a:ext cx="1762506" cy="818378"/>
+          </a:xfrm>
+          <a:prstGeom prst="rect">
+            <a:avLst/>
+          </a:prstGeom>
+        </p:spPr>
+      </p:pic>
+      <p:pic>
+        <p:nvPicPr>
+          <p:cNvPr id="41" name="Grafik 40">
+            <a:extLst>
+              <a:ext uri="{FF2B5EF4-FFF2-40B4-BE49-F238E27FC236}">
+                <a16:creationId xmlns:a16="http://schemas.microsoft.com/office/drawing/2014/main" id="{981BE7E2-A224-A43E-2FCA-BD8E176ACA93}"/>
               </a:ext>
             </a:extLst>
           </p:cNvPr>
@@ -7434,20 +8003,20 @@
         </p:blipFill>
         <p:spPr>
           <a:xfrm>
-            <a:off x="300395" y="3459288"/>
-            <a:ext cx="1905246" cy="908656"/>
-          </a:xfrm>
-          <a:prstGeom prst="rect">
-            <a:avLst/>
-          </a:prstGeom>
-        </p:spPr>
-      </p:pic>
-      <p:pic>
-        <p:nvPicPr>
-          <p:cNvPr id="7" name="Grafik 6">
-            <a:extLst>
-              <a:ext uri="{FF2B5EF4-FFF2-40B4-BE49-F238E27FC236}">
-                <a16:creationId xmlns:a16="http://schemas.microsoft.com/office/drawing/2014/main" id="{A4D461CE-D57F-ECFD-05FD-905141682EAB}"/>
+            <a:off x="253540" y="3613567"/>
+            <a:ext cx="1762506" cy="818378"/>
+          </a:xfrm>
+          <a:prstGeom prst="rect">
+            <a:avLst/>
+          </a:prstGeom>
+        </p:spPr>
+      </p:pic>
+      <p:pic>
+        <p:nvPicPr>
+          <p:cNvPr id="42" name="Grafik 41">
+            <a:extLst>
+              <a:ext uri="{FF2B5EF4-FFF2-40B4-BE49-F238E27FC236}">
+                <a16:creationId xmlns:a16="http://schemas.microsoft.com/office/drawing/2014/main" id="{8F9B62D4-E76F-C498-04D0-220AAD4038C1}"/>
               </a:ext>
             </a:extLst>
           </p:cNvPr>
@@ -7469,20 +8038,20 @@
         </p:blipFill>
         <p:spPr>
           <a:xfrm>
-            <a:off x="300395" y="4518468"/>
-            <a:ext cx="1905246" cy="908656"/>
-          </a:xfrm>
-          <a:prstGeom prst="rect">
-            <a:avLst/>
-          </a:prstGeom>
-        </p:spPr>
-      </p:pic>
-      <p:pic>
-        <p:nvPicPr>
-          <p:cNvPr id="8" name="Grafik 7">
-            <a:extLst>
-              <a:ext uri="{FF2B5EF4-FFF2-40B4-BE49-F238E27FC236}">
-                <a16:creationId xmlns:a16="http://schemas.microsoft.com/office/drawing/2014/main" id="{37DF83E0-DAED-8F07-6A1D-1B7D0BD1511E}"/>
+            <a:off x="232529" y="4631221"/>
+            <a:ext cx="1762506" cy="818378"/>
+          </a:xfrm>
+          <a:prstGeom prst="rect">
+            <a:avLst/>
+          </a:prstGeom>
+        </p:spPr>
+      </p:pic>
+      <p:pic>
+        <p:nvPicPr>
+          <p:cNvPr id="43" name="Grafik 42">
+            <a:extLst>
+              <a:ext uri="{FF2B5EF4-FFF2-40B4-BE49-F238E27FC236}">
+                <a16:creationId xmlns:a16="http://schemas.microsoft.com/office/drawing/2014/main" id="{50115039-BFD9-113D-ACF7-18AAA16D3D2B}"/>
               </a:ext>
             </a:extLst>
           </p:cNvPr>
@@ -7504,20 +8073,20 @@
         </p:blipFill>
         <p:spPr>
           <a:xfrm>
-            <a:off x="300395" y="5579332"/>
-            <a:ext cx="1905246" cy="908656"/>
-          </a:xfrm>
-          <a:prstGeom prst="rect">
-            <a:avLst/>
-          </a:prstGeom>
-        </p:spPr>
-      </p:pic>
-      <p:pic>
-        <p:nvPicPr>
-          <p:cNvPr id="9" name="Grafik 8">
-            <a:extLst>
-              <a:ext uri="{FF2B5EF4-FFF2-40B4-BE49-F238E27FC236}">
-                <a16:creationId xmlns:a16="http://schemas.microsoft.com/office/drawing/2014/main" id="{AB1306E9-BE5E-E392-6ABD-6FB70C86DCEF}"/>
+            <a:off x="232529" y="5648876"/>
+            <a:ext cx="1762506" cy="818378"/>
+          </a:xfrm>
+          <a:prstGeom prst="rect">
+            <a:avLst/>
+          </a:prstGeom>
+        </p:spPr>
+      </p:pic>
+      <p:pic>
+        <p:nvPicPr>
+          <p:cNvPr id="44" name="Grafik 43">
+            <a:extLst>
+              <a:ext uri="{FF2B5EF4-FFF2-40B4-BE49-F238E27FC236}">
+                <a16:creationId xmlns:a16="http://schemas.microsoft.com/office/drawing/2014/main" id="{8FF9E06C-C966-A0A5-4E81-2EB10F31A8F9}"/>
               </a:ext>
             </a:extLst>
           </p:cNvPr>
@@ -7539,20 +8108,20 @@
         </p:blipFill>
         <p:spPr>
           <a:xfrm>
-            <a:off x="2388275" y="281748"/>
-            <a:ext cx="1905246" cy="908656"/>
-          </a:xfrm>
-          <a:prstGeom prst="rect">
-            <a:avLst/>
-          </a:prstGeom>
-        </p:spPr>
-      </p:pic>
-      <p:pic>
-        <p:nvPicPr>
-          <p:cNvPr id="10" name="Grafik 9">
-            <a:extLst>
-              <a:ext uri="{FF2B5EF4-FFF2-40B4-BE49-F238E27FC236}">
-                <a16:creationId xmlns:a16="http://schemas.microsoft.com/office/drawing/2014/main" id="{A6D6399E-041A-B9A2-03B9-24A490A985D2}"/>
+            <a:off x="2170953" y="372026"/>
+            <a:ext cx="1762506" cy="818378"/>
+          </a:xfrm>
+          <a:prstGeom prst="rect">
+            <a:avLst/>
+          </a:prstGeom>
+        </p:spPr>
+      </p:pic>
+      <p:pic>
+        <p:nvPicPr>
+          <p:cNvPr id="45" name="Grafik 44">
+            <a:extLst>
+              <a:ext uri="{FF2B5EF4-FFF2-40B4-BE49-F238E27FC236}">
+                <a16:creationId xmlns:a16="http://schemas.microsoft.com/office/drawing/2014/main" id="{1748F6C1-0A92-4300-B9D5-45246EEDCF0D}"/>
               </a:ext>
             </a:extLst>
           </p:cNvPr>
@@ -7574,20 +8143,20 @@
         </p:blipFill>
         <p:spPr>
           <a:xfrm>
-            <a:off x="2388275" y="1340928"/>
-            <a:ext cx="1905246" cy="908656"/>
-          </a:xfrm>
-          <a:prstGeom prst="rect">
-            <a:avLst/>
-          </a:prstGeom>
-        </p:spPr>
-      </p:pic>
-      <p:pic>
-        <p:nvPicPr>
-          <p:cNvPr id="11" name="Grafik 10">
-            <a:extLst>
-              <a:ext uri="{FF2B5EF4-FFF2-40B4-BE49-F238E27FC236}">
-                <a16:creationId xmlns:a16="http://schemas.microsoft.com/office/drawing/2014/main" id="{03A73BE5-A689-D5A1-17FD-563C3B4C8A2D}"/>
+            <a:off x="2149942" y="1389680"/>
+            <a:ext cx="1762506" cy="818378"/>
+          </a:xfrm>
+          <a:prstGeom prst="rect">
+            <a:avLst/>
+          </a:prstGeom>
+        </p:spPr>
+      </p:pic>
+      <p:pic>
+        <p:nvPicPr>
+          <p:cNvPr id="46" name="Grafik 45">
+            <a:extLst>
+              <a:ext uri="{FF2B5EF4-FFF2-40B4-BE49-F238E27FC236}">
+                <a16:creationId xmlns:a16="http://schemas.microsoft.com/office/drawing/2014/main" id="{30C307CC-5806-72D5-9254-659E096CCDD3}"/>
               </a:ext>
             </a:extLst>
           </p:cNvPr>
@@ -7609,20 +8178,20 @@
         </p:blipFill>
         <p:spPr>
           <a:xfrm>
-            <a:off x="2388275" y="2400108"/>
-            <a:ext cx="1905246" cy="908656"/>
-          </a:xfrm>
-          <a:prstGeom prst="rect">
-            <a:avLst/>
-          </a:prstGeom>
-        </p:spPr>
-      </p:pic>
-      <p:pic>
-        <p:nvPicPr>
-          <p:cNvPr id="12" name="Grafik 11">
-            <a:extLst>
-              <a:ext uri="{FF2B5EF4-FFF2-40B4-BE49-F238E27FC236}">
-                <a16:creationId xmlns:a16="http://schemas.microsoft.com/office/drawing/2014/main" id="{A6C37638-E87C-A46C-8E84-B7948F046841}"/>
+            <a:off x="2149942" y="2407335"/>
+            <a:ext cx="1762506" cy="818378"/>
+          </a:xfrm>
+          <a:prstGeom prst="rect">
+            <a:avLst/>
+          </a:prstGeom>
+        </p:spPr>
+      </p:pic>
+      <p:pic>
+        <p:nvPicPr>
+          <p:cNvPr id="47" name="Grafik 46">
+            <a:extLst>
+              <a:ext uri="{FF2B5EF4-FFF2-40B4-BE49-F238E27FC236}">
+                <a16:creationId xmlns:a16="http://schemas.microsoft.com/office/drawing/2014/main" id="{F7AC3B53-0245-B0B2-C4D3-E116D5565660}"/>
               </a:ext>
             </a:extLst>
           </p:cNvPr>
@@ -7644,20 +8213,20 @@
         </p:blipFill>
         <p:spPr>
           <a:xfrm>
-            <a:off x="2388275" y="3459288"/>
-            <a:ext cx="1905246" cy="908656"/>
-          </a:xfrm>
-          <a:prstGeom prst="rect">
-            <a:avLst/>
-          </a:prstGeom>
-        </p:spPr>
-      </p:pic>
-      <p:pic>
-        <p:nvPicPr>
-          <p:cNvPr id="13" name="Grafik 12">
-            <a:extLst>
-              <a:ext uri="{FF2B5EF4-FFF2-40B4-BE49-F238E27FC236}">
-                <a16:creationId xmlns:a16="http://schemas.microsoft.com/office/drawing/2014/main" id="{9F5D6196-6540-DDF2-62C4-2F3800B385D6}"/>
+            <a:off x="2149942" y="3613567"/>
+            <a:ext cx="1762506" cy="818378"/>
+          </a:xfrm>
+          <a:prstGeom prst="rect">
+            <a:avLst/>
+          </a:prstGeom>
+        </p:spPr>
+      </p:pic>
+      <p:pic>
+        <p:nvPicPr>
+          <p:cNvPr id="48" name="Grafik 47">
+            <a:extLst>
+              <a:ext uri="{FF2B5EF4-FFF2-40B4-BE49-F238E27FC236}">
+                <a16:creationId xmlns:a16="http://schemas.microsoft.com/office/drawing/2014/main" id="{EFDC7B1B-C2DA-056B-01BD-553E644F658F}"/>
               </a:ext>
             </a:extLst>
           </p:cNvPr>
@@ -7679,20 +8248,20 @@
         </p:blipFill>
         <p:spPr>
           <a:xfrm>
-            <a:off x="2388275" y="4518468"/>
-            <a:ext cx="1905246" cy="908656"/>
-          </a:xfrm>
-          <a:prstGeom prst="rect">
-            <a:avLst/>
-          </a:prstGeom>
-        </p:spPr>
-      </p:pic>
-      <p:pic>
-        <p:nvPicPr>
-          <p:cNvPr id="14" name="Grafik 13">
-            <a:extLst>
-              <a:ext uri="{FF2B5EF4-FFF2-40B4-BE49-F238E27FC236}">
-                <a16:creationId xmlns:a16="http://schemas.microsoft.com/office/drawing/2014/main" id="{9D0E11F3-C029-258B-50D5-FC35AC2F28B4}"/>
+            <a:off x="2128931" y="4631221"/>
+            <a:ext cx="1762506" cy="818378"/>
+          </a:xfrm>
+          <a:prstGeom prst="rect">
+            <a:avLst/>
+          </a:prstGeom>
+        </p:spPr>
+      </p:pic>
+      <p:pic>
+        <p:nvPicPr>
+          <p:cNvPr id="49" name="Grafik 48">
+            <a:extLst>
+              <a:ext uri="{FF2B5EF4-FFF2-40B4-BE49-F238E27FC236}">
+                <a16:creationId xmlns:a16="http://schemas.microsoft.com/office/drawing/2014/main" id="{0E04E613-0431-A5B1-929A-D19C90066D66}"/>
               </a:ext>
             </a:extLst>
           </p:cNvPr>
@@ -7714,20 +8283,20 @@
         </p:blipFill>
         <p:spPr>
           <a:xfrm>
-            <a:off x="2388275" y="5579332"/>
-            <a:ext cx="1905246" cy="908656"/>
-          </a:xfrm>
-          <a:prstGeom prst="rect">
-            <a:avLst/>
-          </a:prstGeom>
-        </p:spPr>
-      </p:pic>
-      <p:pic>
-        <p:nvPicPr>
-          <p:cNvPr id="15" name="Grafik 14">
-            <a:extLst>
-              <a:ext uri="{FF2B5EF4-FFF2-40B4-BE49-F238E27FC236}">
-                <a16:creationId xmlns:a16="http://schemas.microsoft.com/office/drawing/2014/main" id="{797161C9-9198-CE03-5F83-9AA452E166C8}"/>
+            <a:off x="2128931" y="5648876"/>
+            <a:ext cx="1762506" cy="818378"/>
+          </a:xfrm>
+          <a:prstGeom prst="rect">
+            <a:avLst/>
+          </a:prstGeom>
+        </p:spPr>
+      </p:pic>
+      <p:pic>
+        <p:nvPicPr>
+          <p:cNvPr id="50" name="Grafik 49">
+            <a:extLst>
+              <a:ext uri="{FF2B5EF4-FFF2-40B4-BE49-F238E27FC236}">
+                <a16:creationId xmlns:a16="http://schemas.microsoft.com/office/drawing/2014/main" id="{5B561925-44FD-84A9-B40B-4B9180EC51FE}"/>
               </a:ext>
             </a:extLst>
           </p:cNvPr>
@@ -7749,20 +8318,20 @@
         </p:blipFill>
         <p:spPr>
           <a:xfrm>
-            <a:off x="4476155" y="281748"/>
-            <a:ext cx="1905246" cy="908656"/>
-          </a:xfrm>
-          <a:prstGeom prst="rect">
-            <a:avLst/>
-          </a:prstGeom>
-        </p:spPr>
-      </p:pic>
-      <p:pic>
-        <p:nvPicPr>
-          <p:cNvPr id="16" name="Grafik 15">
-            <a:extLst>
-              <a:ext uri="{FF2B5EF4-FFF2-40B4-BE49-F238E27FC236}">
-                <a16:creationId xmlns:a16="http://schemas.microsoft.com/office/drawing/2014/main" id="{1B675C5E-711B-B57E-9531-7092F8FA2E80}"/>
+            <a:off x="4075743" y="372026"/>
+            <a:ext cx="1762506" cy="818378"/>
+          </a:xfrm>
+          <a:prstGeom prst="rect">
+            <a:avLst/>
+          </a:prstGeom>
+        </p:spPr>
+      </p:pic>
+      <p:pic>
+        <p:nvPicPr>
+          <p:cNvPr id="51" name="Grafik 50">
+            <a:extLst>
+              <a:ext uri="{FF2B5EF4-FFF2-40B4-BE49-F238E27FC236}">
+                <a16:creationId xmlns:a16="http://schemas.microsoft.com/office/drawing/2014/main" id="{93999B85-3E6D-9083-82B2-EF9BCE7EE6C6}"/>
               </a:ext>
             </a:extLst>
           </p:cNvPr>
@@ -7784,20 +8353,20 @@
         </p:blipFill>
         <p:spPr>
           <a:xfrm>
-            <a:off x="4476155" y="1340928"/>
-            <a:ext cx="1905246" cy="908656"/>
-          </a:xfrm>
-          <a:prstGeom prst="rect">
-            <a:avLst/>
-          </a:prstGeom>
-        </p:spPr>
-      </p:pic>
-      <p:pic>
-        <p:nvPicPr>
-          <p:cNvPr id="17" name="Grafik 16">
-            <a:extLst>
-              <a:ext uri="{FF2B5EF4-FFF2-40B4-BE49-F238E27FC236}">
-                <a16:creationId xmlns:a16="http://schemas.microsoft.com/office/drawing/2014/main" id="{8A06FE07-9859-CD10-509B-EC29C4D3A616}"/>
+            <a:off x="4054732" y="1389680"/>
+            <a:ext cx="1762506" cy="818378"/>
+          </a:xfrm>
+          <a:prstGeom prst="rect">
+            <a:avLst/>
+          </a:prstGeom>
+        </p:spPr>
+      </p:pic>
+      <p:pic>
+        <p:nvPicPr>
+          <p:cNvPr id="52" name="Grafik 51">
+            <a:extLst>
+              <a:ext uri="{FF2B5EF4-FFF2-40B4-BE49-F238E27FC236}">
+                <a16:creationId xmlns:a16="http://schemas.microsoft.com/office/drawing/2014/main" id="{66F9AF29-6AFC-0BD1-2B23-F20FB5EE3B39}"/>
               </a:ext>
             </a:extLst>
           </p:cNvPr>
@@ -7819,20 +8388,20 @@
         </p:blipFill>
         <p:spPr>
           <a:xfrm>
-            <a:off x="4476155" y="2400108"/>
-            <a:ext cx="1905246" cy="908656"/>
-          </a:xfrm>
-          <a:prstGeom prst="rect">
-            <a:avLst/>
-          </a:prstGeom>
-        </p:spPr>
-      </p:pic>
-      <p:pic>
-        <p:nvPicPr>
-          <p:cNvPr id="18" name="Grafik 17">
-            <a:extLst>
-              <a:ext uri="{FF2B5EF4-FFF2-40B4-BE49-F238E27FC236}">
-                <a16:creationId xmlns:a16="http://schemas.microsoft.com/office/drawing/2014/main" id="{2A54377D-D1E3-A91B-8096-E3BE0BB3FDC1}"/>
+            <a:off x="4054732" y="2407335"/>
+            <a:ext cx="1762506" cy="818378"/>
+          </a:xfrm>
+          <a:prstGeom prst="rect">
+            <a:avLst/>
+          </a:prstGeom>
+        </p:spPr>
+      </p:pic>
+      <p:pic>
+        <p:nvPicPr>
+          <p:cNvPr id="53" name="Grafik 52">
+            <a:extLst>
+              <a:ext uri="{FF2B5EF4-FFF2-40B4-BE49-F238E27FC236}">
+                <a16:creationId xmlns:a16="http://schemas.microsoft.com/office/drawing/2014/main" id="{28B73402-E87C-18F4-03D2-3E75DAD4B163}"/>
               </a:ext>
             </a:extLst>
           </p:cNvPr>
@@ -7854,20 +8423,20 @@
         </p:blipFill>
         <p:spPr>
           <a:xfrm>
-            <a:off x="4476155" y="3459288"/>
-            <a:ext cx="1905246" cy="908656"/>
-          </a:xfrm>
-          <a:prstGeom prst="rect">
-            <a:avLst/>
-          </a:prstGeom>
-        </p:spPr>
-      </p:pic>
-      <p:pic>
-        <p:nvPicPr>
-          <p:cNvPr id="19" name="Grafik 18">
-            <a:extLst>
-              <a:ext uri="{FF2B5EF4-FFF2-40B4-BE49-F238E27FC236}">
-                <a16:creationId xmlns:a16="http://schemas.microsoft.com/office/drawing/2014/main" id="{5D9BEA4C-EC54-9E6A-F740-7DA116295FE4}"/>
+            <a:off x="4054732" y="3613567"/>
+            <a:ext cx="1762506" cy="818378"/>
+          </a:xfrm>
+          <a:prstGeom prst="rect">
+            <a:avLst/>
+          </a:prstGeom>
+        </p:spPr>
+      </p:pic>
+      <p:pic>
+        <p:nvPicPr>
+          <p:cNvPr id="54" name="Grafik 53">
+            <a:extLst>
+              <a:ext uri="{FF2B5EF4-FFF2-40B4-BE49-F238E27FC236}">
+                <a16:creationId xmlns:a16="http://schemas.microsoft.com/office/drawing/2014/main" id="{84EB40F5-9310-5A0F-1D2A-69D090C78A51}"/>
               </a:ext>
             </a:extLst>
           </p:cNvPr>
@@ -7889,20 +8458,20 @@
         </p:blipFill>
         <p:spPr>
           <a:xfrm>
-            <a:off x="4476155" y="4518468"/>
-            <a:ext cx="1905246" cy="908656"/>
-          </a:xfrm>
-          <a:prstGeom prst="rect">
-            <a:avLst/>
-          </a:prstGeom>
-        </p:spPr>
-      </p:pic>
-      <p:pic>
-        <p:nvPicPr>
-          <p:cNvPr id="20" name="Grafik 19">
-            <a:extLst>
-              <a:ext uri="{FF2B5EF4-FFF2-40B4-BE49-F238E27FC236}">
-                <a16:creationId xmlns:a16="http://schemas.microsoft.com/office/drawing/2014/main" id="{19C32125-5030-4604-D177-71523AAD5369}"/>
+            <a:off x="4033721" y="4631221"/>
+            <a:ext cx="1762506" cy="818378"/>
+          </a:xfrm>
+          <a:prstGeom prst="rect">
+            <a:avLst/>
+          </a:prstGeom>
+        </p:spPr>
+      </p:pic>
+      <p:pic>
+        <p:nvPicPr>
+          <p:cNvPr id="55" name="Grafik 54">
+            <a:extLst>
+              <a:ext uri="{FF2B5EF4-FFF2-40B4-BE49-F238E27FC236}">
+                <a16:creationId xmlns:a16="http://schemas.microsoft.com/office/drawing/2014/main" id="{94563F8B-B36B-BD57-0CD1-2474784217BA}"/>
               </a:ext>
             </a:extLst>
           </p:cNvPr>
@@ -7924,20 +8493,20 @@
         </p:blipFill>
         <p:spPr>
           <a:xfrm>
-            <a:off x="4476155" y="5579332"/>
-            <a:ext cx="1905246" cy="908656"/>
-          </a:xfrm>
-          <a:prstGeom prst="rect">
-            <a:avLst/>
-          </a:prstGeom>
-        </p:spPr>
-      </p:pic>
-      <p:pic>
-        <p:nvPicPr>
-          <p:cNvPr id="21" name="Grafik 20">
-            <a:extLst>
-              <a:ext uri="{FF2B5EF4-FFF2-40B4-BE49-F238E27FC236}">
-                <a16:creationId xmlns:a16="http://schemas.microsoft.com/office/drawing/2014/main" id="{8E78CC9C-9112-628F-0D3D-857FA8C40AC4}"/>
+            <a:off x="4033721" y="5648876"/>
+            <a:ext cx="1762506" cy="818378"/>
+          </a:xfrm>
+          <a:prstGeom prst="rect">
+            <a:avLst/>
+          </a:prstGeom>
+        </p:spPr>
+      </p:pic>
+      <p:pic>
+        <p:nvPicPr>
+          <p:cNvPr id="56" name="Grafik 55">
+            <a:extLst>
+              <a:ext uri="{FF2B5EF4-FFF2-40B4-BE49-F238E27FC236}">
+                <a16:creationId xmlns:a16="http://schemas.microsoft.com/office/drawing/2014/main" id="{86918CAB-6B5E-6363-FEC6-F1150E87672E}"/>
               </a:ext>
             </a:extLst>
           </p:cNvPr>
@@ -7959,20 +8528,20 @@
         </p:blipFill>
         <p:spPr>
           <a:xfrm>
-            <a:off x="6565102" y="281748"/>
-            <a:ext cx="1905246" cy="908656"/>
-          </a:xfrm>
-          <a:prstGeom prst="rect">
-            <a:avLst/>
-          </a:prstGeom>
-        </p:spPr>
-      </p:pic>
-      <p:pic>
-        <p:nvPicPr>
-          <p:cNvPr id="23" name="Grafik 22">
-            <a:extLst>
-              <a:ext uri="{FF2B5EF4-FFF2-40B4-BE49-F238E27FC236}">
-                <a16:creationId xmlns:a16="http://schemas.microsoft.com/office/drawing/2014/main" id="{CA4FDEC4-4AAB-F8E9-1463-94CEE6C0F67B}"/>
+            <a:off x="5980533" y="372026"/>
+            <a:ext cx="1762506" cy="818378"/>
+          </a:xfrm>
+          <a:prstGeom prst="rect">
+            <a:avLst/>
+          </a:prstGeom>
+        </p:spPr>
+      </p:pic>
+      <p:pic>
+        <p:nvPicPr>
+          <p:cNvPr id="57" name="Grafik 56">
+            <a:extLst>
+              <a:ext uri="{FF2B5EF4-FFF2-40B4-BE49-F238E27FC236}">
+                <a16:creationId xmlns:a16="http://schemas.microsoft.com/office/drawing/2014/main" id="{1473D053-49C8-3F25-1F94-7A9B6C3E3357}"/>
               </a:ext>
             </a:extLst>
           </p:cNvPr>
@@ -7994,20 +8563,20 @@
         </p:blipFill>
         <p:spPr>
           <a:xfrm>
-            <a:off x="6565102" y="1340928"/>
-            <a:ext cx="1905246" cy="908656"/>
-          </a:xfrm>
-          <a:prstGeom prst="rect">
-            <a:avLst/>
-          </a:prstGeom>
-        </p:spPr>
-      </p:pic>
-      <p:pic>
-        <p:nvPicPr>
-          <p:cNvPr id="24" name="Grafik 23">
-            <a:extLst>
-              <a:ext uri="{FF2B5EF4-FFF2-40B4-BE49-F238E27FC236}">
-                <a16:creationId xmlns:a16="http://schemas.microsoft.com/office/drawing/2014/main" id="{26BE3005-BBDA-915C-6954-00B988387CDE}"/>
+            <a:off x="5959522" y="1389680"/>
+            <a:ext cx="1762506" cy="818378"/>
+          </a:xfrm>
+          <a:prstGeom prst="rect">
+            <a:avLst/>
+          </a:prstGeom>
+        </p:spPr>
+      </p:pic>
+      <p:pic>
+        <p:nvPicPr>
+          <p:cNvPr id="58" name="Grafik 57">
+            <a:extLst>
+              <a:ext uri="{FF2B5EF4-FFF2-40B4-BE49-F238E27FC236}">
+                <a16:creationId xmlns:a16="http://schemas.microsoft.com/office/drawing/2014/main" id="{14BB926D-DDF3-127D-62D3-4613E6D47C63}"/>
               </a:ext>
             </a:extLst>
           </p:cNvPr>
@@ -8029,20 +8598,20 @@
         </p:blipFill>
         <p:spPr>
           <a:xfrm>
-            <a:off x="6565102" y="2400108"/>
-            <a:ext cx="1905246" cy="908656"/>
-          </a:xfrm>
-          <a:prstGeom prst="rect">
-            <a:avLst/>
-          </a:prstGeom>
-        </p:spPr>
-      </p:pic>
-      <p:pic>
-        <p:nvPicPr>
-          <p:cNvPr id="27" name="Grafik 26">
-            <a:extLst>
-              <a:ext uri="{FF2B5EF4-FFF2-40B4-BE49-F238E27FC236}">
-                <a16:creationId xmlns:a16="http://schemas.microsoft.com/office/drawing/2014/main" id="{42F4981E-288B-A5A6-BA9E-ACAC584D7F8B}"/>
+            <a:off x="5959522" y="2407335"/>
+            <a:ext cx="1762506" cy="818378"/>
+          </a:xfrm>
+          <a:prstGeom prst="rect">
+            <a:avLst/>
+          </a:prstGeom>
+        </p:spPr>
+      </p:pic>
+      <p:pic>
+        <p:nvPicPr>
+          <p:cNvPr id="59" name="Grafik 58">
+            <a:extLst>
+              <a:ext uri="{FF2B5EF4-FFF2-40B4-BE49-F238E27FC236}">
+                <a16:creationId xmlns:a16="http://schemas.microsoft.com/office/drawing/2014/main" id="{43E0CA76-E0F0-8441-B8DD-83AA7480ECF5}"/>
               </a:ext>
             </a:extLst>
           </p:cNvPr>
@@ -8064,20 +8633,20 @@
         </p:blipFill>
         <p:spPr>
           <a:xfrm>
-            <a:off x="6565102" y="3459288"/>
-            <a:ext cx="1905246" cy="908656"/>
-          </a:xfrm>
-          <a:prstGeom prst="rect">
-            <a:avLst/>
-          </a:prstGeom>
-        </p:spPr>
-      </p:pic>
-      <p:pic>
-        <p:nvPicPr>
-          <p:cNvPr id="28" name="Grafik 27">
-            <a:extLst>
-              <a:ext uri="{FF2B5EF4-FFF2-40B4-BE49-F238E27FC236}">
-                <a16:creationId xmlns:a16="http://schemas.microsoft.com/office/drawing/2014/main" id="{932348B7-D098-EFF8-F291-007B647D0A11}"/>
+            <a:off x="5959522" y="3613567"/>
+            <a:ext cx="1762506" cy="818378"/>
+          </a:xfrm>
+          <a:prstGeom prst="rect">
+            <a:avLst/>
+          </a:prstGeom>
+        </p:spPr>
+      </p:pic>
+      <p:pic>
+        <p:nvPicPr>
+          <p:cNvPr id="60" name="Grafik 59">
+            <a:extLst>
+              <a:ext uri="{FF2B5EF4-FFF2-40B4-BE49-F238E27FC236}">
+                <a16:creationId xmlns:a16="http://schemas.microsoft.com/office/drawing/2014/main" id="{8FB1AF7B-65D7-AF77-00E8-8855F716EEDC}"/>
               </a:ext>
             </a:extLst>
           </p:cNvPr>
@@ -8099,20 +8668,20 @@
         </p:blipFill>
         <p:spPr>
           <a:xfrm>
-            <a:off x="6565102" y="4518468"/>
-            <a:ext cx="1905246" cy="908656"/>
-          </a:xfrm>
-          <a:prstGeom prst="rect">
-            <a:avLst/>
-          </a:prstGeom>
-        </p:spPr>
-      </p:pic>
-      <p:pic>
-        <p:nvPicPr>
-          <p:cNvPr id="29" name="Grafik 28">
-            <a:extLst>
-              <a:ext uri="{FF2B5EF4-FFF2-40B4-BE49-F238E27FC236}">
-                <a16:creationId xmlns:a16="http://schemas.microsoft.com/office/drawing/2014/main" id="{7C13CD92-1F89-1C56-3B19-1806613A576C}"/>
+            <a:off x="5938511" y="4631221"/>
+            <a:ext cx="1762506" cy="818378"/>
+          </a:xfrm>
+          <a:prstGeom prst="rect">
+            <a:avLst/>
+          </a:prstGeom>
+        </p:spPr>
+      </p:pic>
+      <p:pic>
+        <p:nvPicPr>
+          <p:cNvPr id="61" name="Grafik 60">
+            <a:extLst>
+              <a:ext uri="{FF2B5EF4-FFF2-40B4-BE49-F238E27FC236}">
+                <a16:creationId xmlns:a16="http://schemas.microsoft.com/office/drawing/2014/main" id="{9119B17B-749E-3DBB-7EF4-5566A03319AC}"/>
               </a:ext>
             </a:extLst>
           </p:cNvPr>
@@ -8134,8 +8703,218 @@
         </p:blipFill>
         <p:spPr>
           <a:xfrm>
-            <a:off x="6565102" y="5579332"/>
-            <a:ext cx="1905246" cy="908656"/>
+            <a:off x="5938511" y="5648876"/>
+            <a:ext cx="1762506" cy="818378"/>
+          </a:xfrm>
+          <a:prstGeom prst="rect">
+            <a:avLst/>
+          </a:prstGeom>
+        </p:spPr>
+      </p:pic>
+      <p:pic>
+        <p:nvPicPr>
+          <p:cNvPr id="2" name="Grafik 1">
+            <a:extLst>
+              <a:ext uri="{FF2B5EF4-FFF2-40B4-BE49-F238E27FC236}">
+                <a16:creationId xmlns:a16="http://schemas.microsoft.com/office/drawing/2014/main" id="{99C5B4F2-F550-4EBD-9378-652435AE4288}"/>
+              </a:ext>
+            </a:extLst>
+          </p:cNvPr>
+          <p:cNvPicPr>
+            <a:picLocks noChangeAspect="1"/>
+          </p:cNvPicPr>
+          <p:nvPr/>
+        </p:nvPicPr>
+        <p:blipFill>
+          <a:blip r:embed="rId2">
+            <a:extLst>
+              <a:ext uri="{28A0092B-C50C-407E-A947-70E740481C1C}">
+                <a14:useLocalDpi xmlns:a14="http://schemas.microsoft.com/office/drawing/2010/main" val="0"/>
+              </a:ext>
+            </a:extLst>
+          </a:blip>
+          <a:srcRect/>
+          <a:stretch/>
+        </p:blipFill>
+        <p:spPr>
+          <a:xfrm>
+            <a:off x="7902422" y="372026"/>
+            <a:ext cx="1762506" cy="818378"/>
+          </a:xfrm>
+          <a:prstGeom prst="rect">
+            <a:avLst/>
+          </a:prstGeom>
+        </p:spPr>
+      </p:pic>
+      <p:pic>
+        <p:nvPicPr>
+          <p:cNvPr id="3" name="Grafik 2">
+            <a:extLst>
+              <a:ext uri="{FF2B5EF4-FFF2-40B4-BE49-F238E27FC236}">
+                <a16:creationId xmlns:a16="http://schemas.microsoft.com/office/drawing/2014/main" id="{6BC8D21E-86F3-3BAD-5AD2-6162597DC79B}"/>
+              </a:ext>
+            </a:extLst>
+          </p:cNvPr>
+          <p:cNvPicPr>
+            <a:picLocks noChangeAspect="1"/>
+          </p:cNvPicPr>
+          <p:nvPr/>
+        </p:nvPicPr>
+        <p:blipFill>
+          <a:blip r:embed="rId2">
+            <a:extLst>
+              <a:ext uri="{28A0092B-C50C-407E-A947-70E740481C1C}">
+                <a14:useLocalDpi xmlns:a14="http://schemas.microsoft.com/office/drawing/2010/main" val="0"/>
+              </a:ext>
+            </a:extLst>
+          </a:blip>
+          <a:srcRect/>
+          <a:stretch/>
+        </p:blipFill>
+        <p:spPr>
+          <a:xfrm>
+            <a:off x="7881411" y="1389680"/>
+            <a:ext cx="1762506" cy="818378"/>
+          </a:xfrm>
+          <a:prstGeom prst="rect">
+            <a:avLst/>
+          </a:prstGeom>
+        </p:spPr>
+      </p:pic>
+      <p:pic>
+        <p:nvPicPr>
+          <p:cNvPr id="4" name="Grafik 3">
+            <a:extLst>
+              <a:ext uri="{FF2B5EF4-FFF2-40B4-BE49-F238E27FC236}">
+                <a16:creationId xmlns:a16="http://schemas.microsoft.com/office/drawing/2014/main" id="{4C3E0955-77A2-8B7E-61C3-16BED4DD23D8}"/>
+              </a:ext>
+            </a:extLst>
+          </p:cNvPr>
+          <p:cNvPicPr>
+            <a:picLocks noChangeAspect="1"/>
+          </p:cNvPicPr>
+          <p:nvPr/>
+        </p:nvPicPr>
+        <p:blipFill>
+          <a:blip r:embed="rId2">
+            <a:extLst>
+              <a:ext uri="{28A0092B-C50C-407E-A947-70E740481C1C}">
+                <a14:useLocalDpi xmlns:a14="http://schemas.microsoft.com/office/drawing/2010/main" val="0"/>
+              </a:ext>
+            </a:extLst>
+          </a:blip>
+          <a:srcRect/>
+          <a:stretch/>
+        </p:blipFill>
+        <p:spPr>
+          <a:xfrm>
+            <a:off x="7881411" y="2407335"/>
+            <a:ext cx="1762506" cy="818378"/>
+          </a:xfrm>
+          <a:prstGeom prst="rect">
+            <a:avLst/>
+          </a:prstGeom>
+        </p:spPr>
+      </p:pic>
+      <p:pic>
+        <p:nvPicPr>
+          <p:cNvPr id="5" name="Grafik 4">
+            <a:extLst>
+              <a:ext uri="{FF2B5EF4-FFF2-40B4-BE49-F238E27FC236}">
+                <a16:creationId xmlns:a16="http://schemas.microsoft.com/office/drawing/2014/main" id="{DF55E8D5-FD4A-3F8A-B980-DBC74443CDD3}"/>
+              </a:ext>
+            </a:extLst>
+          </p:cNvPr>
+          <p:cNvPicPr>
+            <a:picLocks noChangeAspect="1"/>
+          </p:cNvPicPr>
+          <p:nvPr/>
+        </p:nvPicPr>
+        <p:blipFill>
+          <a:blip r:embed="rId2">
+            <a:extLst>
+              <a:ext uri="{28A0092B-C50C-407E-A947-70E740481C1C}">
+                <a14:useLocalDpi xmlns:a14="http://schemas.microsoft.com/office/drawing/2010/main" val="0"/>
+              </a:ext>
+            </a:extLst>
+          </a:blip>
+          <a:srcRect/>
+          <a:stretch/>
+        </p:blipFill>
+        <p:spPr>
+          <a:xfrm>
+            <a:off x="7881411" y="3613567"/>
+            <a:ext cx="1762506" cy="818378"/>
+          </a:xfrm>
+          <a:prstGeom prst="rect">
+            <a:avLst/>
+          </a:prstGeom>
+        </p:spPr>
+      </p:pic>
+      <p:pic>
+        <p:nvPicPr>
+          <p:cNvPr id="6" name="Grafik 5">
+            <a:extLst>
+              <a:ext uri="{FF2B5EF4-FFF2-40B4-BE49-F238E27FC236}">
+                <a16:creationId xmlns:a16="http://schemas.microsoft.com/office/drawing/2014/main" id="{A127EAE3-ABBE-5283-901B-55FE9683362E}"/>
+              </a:ext>
+            </a:extLst>
+          </p:cNvPr>
+          <p:cNvPicPr>
+            <a:picLocks noChangeAspect="1"/>
+          </p:cNvPicPr>
+          <p:nvPr/>
+        </p:nvPicPr>
+        <p:blipFill>
+          <a:blip r:embed="rId2">
+            <a:extLst>
+              <a:ext uri="{28A0092B-C50C-407E-A947-70E740481C1C}">
+                <a14:useLocalDpi xmlns:a14="http://schemas.microsoft.com/office/drawing/2010/main" val="0"/>
+              </a:ext>
+            </a:extLst>
+          </a:blip>
+          <a:srcRect/>
+          <a:stretch/>
+        </p:blipFill>
+        <p:spPr>
+          <a:xfrm>
+            <a:off x="7860400" y="4631221"/>
+            <a:ext cx="1762506" cy="818378"/>
+          </a:xfrm>
+          <a:prstGeom prst="rect">
+            <a:avLst/>
+          </a:prstGeom>
+        </p:spPr>
+      </p:pic>
+      <p:pic>
+        <p:nvPicPr>
+          <p:cNvPr id="7" name="Grafik 6">
+            <a:extLst>
+              <a:ext uri="{FF2B5EF4-FFF2-40B4-BE49-F238E27FC236}">
+                <a16:creationId xmlns:a16="http://schemas.microsoft.com/office/drawing/2014/main" id="{9C08CEBA-CEAE-2F77-3701-61EEF2186778}"/>
+              </a:ext>
+            </a:extLst>
+          </p:cNvPr>
+          <p:cNvPicPr>
+            <a:picLocks noChangeAspect="1"/>
+          </p:cNvPicPr>
+          <p:nvPr/>
+        </p:nvPicPr>
+        <p:blipFill>
+          <a:blip r:embed="rId2">
+            <a:extLst>
+              <a:ext uri="{28A0092B-C50C-407E-A947-70E740481C1C}">
+                <a14:useLocalDpi xmlns:a14="http://schemas.microsoft.com/office/drawing/2010/main" val="0"/>
+              </a:ext>
+            </a:extLst>
+          </a:blip>
+          <a:srcRect/>
+          <a:stretch/>
+        </p:blipFill>
+        <p:spPr>
+          <a:xfrm>
+            <a:off x="7860400" y="5648876"/>
+            <a:ext cx="1762506" cy="818378"/>
           </a:xfrm>
           <a:prstGeom prst="rect">
             <a:avLst/>
@@ -8145,7 +8924,7 @@
     </p:spTree>
     <p:extLst>
       <p:ext uri="{BB962C8B-B14F-4D97-AF65-F5344CB8AC3E}">
-        <p14:creationId xmlns:p14="http://schemas.microsoft.com/office/powerpoint/2010/main" val="3517823185"/>
+        <p14:creationId xmlns:p14="http://schemas.microsoft.com/office/powerpoint/2010/main" val="4091063817"/>
       </p:ext>
     </p:extLst>
   </p:cSld>
@@ -8172,6 +8951,1086 @@
           <a:chExt cx="0" cy="0"/>
         </a:xfrm>
       </p:grpSpPr>
+      <p:pic>
+        <p:nvPicPr>
+          <p:cNvPr id="3" name="Grafik 2">
+            <a:extLst>
+              <a:ext uri="{FF2B5EF4-FFF2-40B4-BE49-F238E27FC236}">
+                <a16:creationId xmlns:a16="http://schemas.microsoft.com/office/drawing/2014/main" id="{858BCD4B-D006-7968-BFA6-1908C6A0BE84}"/>
+              </a:ext>
+            </a:extLst>
+          </p:cNvPr>
+          <p:cNvPicPr>
+            <a:picLocks noChangeAspect="1"/>
+          </p:cNvPicPr>
+          <p:nvPr/>
+        </p:nvPicPr>
+        <p:blipFill>
+          <a:blip r:embed="rId2">
+            <a:extLst>
+              <a:ext uri="{28A0092B-C50C-407E-A947-70E740481C1C}">
+                <a14:useLocalDpi xmlns:a14="http://schemas.microsoft.com/office/drawing/2010/main" val="0"/>
+              </a:ext>
+            </a:extLst>
+          </a:blip>
+          <a:srcRect/>
+          <a:stretch/>
+        </p:blipFill>
+        <p:spPr>
+          <a:xfrm>
+            <a:off x="82281" y="246210"/>
+            <a:ext cx="1874223" cy="893860"/>
+          </a:xfrm>
+          <a:prstGeom prst="rect">
+            <a:avLst/>
+          </a:prstGeom>
+        </p:spPr>
+      </p:pic>
+      <p:pic>
+        <p:nvPicPr>
+          <p:cNvPr id="4" name="Grafik 3">
+            <a:extLst>
+              <a:ext uri="{FF2B5EF4-FFF2-40B4-BE49-F238E27FC236}">
+                <a16:creationId xmlns:a16="http://schemas.microsoft.com/office/drawing/2014/main" id="{E95A8B29-36E6-E2D8-A624-42BB6D59B3C0}"/>
+              </a:ext>
+            </a:extLst>
+          </p:cNvPr>
+          <p:cNvPicPr>
+            <a:picLocks noChangeAspect="1"/>
+          </p:cNvPicPr>
+          <p:nvPr/>
+        </p:nvPicPr>
+        <p:blipFill>
+          <a:blip r:embed="rId2">
+            <a:extLst>
+              <a:ext uri="{28A0092B-C50C-407E-A947-70E740481C1C}">
+                <a14:useLocalDpi xmlns:a14="http://schemas.microsoft.com/office/drawing/2010/main" val="0"/>
+              </a:ext>
+            </a:extLst>
+          </a:blip>
+          <a:srcRect/>
+          <a:stretch/>
+        </p:blipFill>
+        <p:spPr>
+          <a:xfrm>
+            <a:off x="82281" y="1305390"/>
+            <a:ext cx="1874223" cy="893860"/>
+          </a:xfrm>
+          <a:prstGeom prst="rect">
+            <a:avLst/>
+          </a:prstGeom>
+        </p:spPr>
+      </p:pic>
+      <p:pic>
+        <p:nvPicPr>
+          <p:cNvPr id="5" name="Grafik 4">
+            <a:extLst>
+              <a:ext uri="{FF2B5EF4-FFF2-40B4-BE49-F238E27FC236}">
+                <a16:creationId xmlns:a16="http://schemas.microsoft.com/office/drawing/2014/main" id="{00F1867B-4D22-A961-0FCA-F0677A012FA3}"/>
+              </a:ext>
+            </a:extLst>
+          </p:cNvPr>
+          <p:cNvPicPr>
+            <a:picLocks noChangeAspect="1"/>
+          </p:cNvPicPr>
+          <p:nvPr/>
+        </p:nvPicPr>
+        <p:blipFill>
+          <a:blip r:embed="rId2">
+            <a:extLst>
+              <a:ext uri="{28A0092B-C50C-407E-A947-70E740481C1C}">
+                <a14:useLocalDpi xmlns:a14="http://schemas.microsoft.com/office/drawing/2010/main" val="0"/>
+              </a:ext>
+            </a:extLst>
+          </a:blip>
+          <a:srcRect/>
+          <a:stretch/>
+        </p:blipFill>
+        <p:spPr>
+          <a:xfrm>
+            <a:off x="82281" y="2364570"/>
+            <a:ext cx="1874223" cy="893860"/>
+          </a:xfrm>
+          <a:prstGeom prst="rect">
+            <a:avLst/>
+          </a:prstGeom>
+        </p:spPr>
+      </p:pic>
+      <p:pic>
+        <p:nvPicPr>
+          <p:cNvPr id="6" name="Grafik 5">
+            <a:extLst>
+              <a:ext uri="{FF2B5EF4-FFF2-40B4-BE49-F238E27FC236}">
+                <a16:creationId xmlns:a16="http://schemas.microsoft.com/office/drawing/2014/main" id="{04703D64-7408-A764-578B-7D930BE260C7}"/>
+              </a:ext>
+            </a:extLst>
+          </p:cNvPr>
+          <p:cNvPicPr>
+            <a:picLocks noChangeAspect="1"/>
+          </p:cNvPicPr>
+          <p:nvPr/>
+        </p:nvPicPr>
+        <p:blipFill>
+          <a:blip r:embed="rId2">
+            <a:extLst>
+              <a:ext uri="{28A0092B-C50C-407E-A947-70E740481C1C}">
+                <a14:useLocalDpi xmlns:a14="http://schemas.microsoft.com/office/drawing/2010/main" val="0"/>
+              </a:ext>
+            </a:extLst>
+          </a:blip>
+          <a:srcRect/>
+          <a:stretch/>
+        </p:blipFill>
+        <p:spPr>
+          <a:xfrm>
+            <a:off x="82281" y="3423750"/>
+            <a:ext cx="1874223" cy="893860"/>
+          </a:xfrm>
+          <a:prstGeom prst="rect">
+            <a:avLst/>
+          </a:prstGeom>
+        </p:spPr>
+      </p:pic>
+      <p:pic>
+        <p:nvPicPr>
+          <p:cNvPr id="7" name="Grafik 6">
+            <a:extLst>
+              <a:ext uri="{FF2B5EF4-FFF2-40B4-BE49-F238E27FC236}">
+                <a16:creationId xmlns:a16="http://schemas.microsoft.com/office/drawing/2014/main" id="{A4D461CE-D57F-ECFD-05FD-905141682EAB}"/>
+              </a:ext>
+            </a:extLst>
+          </p:cNvPr>
+          <p:cNvPicPr>
+            <a:picLocks noChangeAspect="1"/>
+          </p:cNvPicPr>
+          <p:nvPr/>
+        </p:nvPicPr>
+        <p:blipFill>
+          <a:blip r:embed="rId2">
+            <a:extLst>
+              <a:ext uri="{28A0092B-C50C-407E-A947-70E740481C1C}">
+                <a14:useLocalDpi xmlns:a14="http://schemas.microsoft.com/office/drawing/2010/main" val="0"/>
+              </a:ext>
+            </a:extLst>
+          </a:blip>
+          <a:srcRect/>
+          <a:stretch/>
+        </p:blipFill>
+        <p:spPr>
+          <a:xfrm>
+            <a:off x="82281" y="4482930"/>
+            <a:ext cx="1874223" cy="893860"/>
+          </a:xfrm>
+          <a:prstGeom prst="rect">
+            <a:avLst/>
+          </a:prstGeom>
+        </p:spPr>
+      </p:pic>
+      <p:pic>
+        <p:nvPicPr>
+          <p:cNvPr id="8" name="Grafik 7">
+            <a:extLst>
+              <a:ext uri="{FF2B5EF4-FFF2-40B4-BE49-F238E27FC236}">
+                <a16:creationId xmlns:a16="http://schemas.microsoft.com/office/drawing/2014/main" id="{37DF83E0-DAED-8F07-6A1D-1B7D0BD1511E}"/>
+              </a:ext>
+            </a:extLst>
+          </p:cNvPr>
+          <p:cNvPicPr>
+            <a:picLocks noChangeAspect="1"/>
+          </p:cNvPicPr>
+          <p:nvPr/>
+        </p:nvPicPr>
+        <p:blipFill>
+          <a:blip r:embed="rId2">
+            <a:extLst>
+              <a:ext uri="{28A0092B-C50C-407E-A947-70E740481C1C}">
+                <a14:useLocalDpi xmlns:a14="http://schemas.microsoft.com/office/drawing/2010/main" val="0"/>
+              </a:ext>
+            </a:extLst>
+          </a:blip>
+          <a:srcRect/>
+          <a:stretch/>
+        </p:blipFill>
+        <p:spPr>
+          <a:xfrm>
+            <a:off x="82281" y="5543794"/>
+            <a:ext cx="1874223" cy="893860"/>
+          </a:xfrm>
+          <a:prstGeom prst="rect">
+            <a:avLst/>
+          </a:prstGeom>
+        </p:spPr>
+      </p:pic>
+      <p:pic>
+        <p:nvPicPr>
+          <p:cNvPr id="9" name="Grafik 8">
+            <a:extLst>
+              <a:ext uri="{FF2B5EF4-FFF2-40B4-BE49-F238E27FC236}">
+                <a16:creationId xmlns:a16="http://schemas.microsoft.com/office/drawing/2014/main" id="{AB1306E9-BE5E-E392-6ABD-6FB70C86DCEF}"/>
+              </a:ext>
+            </a:extLst>
+          </p:cNvPr>
+          <p:cNvPicPr>
+            <a:picLocks noChangeAspect="1"/>
+          </p:cNvPicPr>
+          <p:nvPr/>
+        </p:nvPicPr>
+        <p:blipFill>
+          <a:blip r:embed="rId2">
+            <a:extLst>
+              <a:ext uri="{28A0092B-C50C-407E-A947-70E740481C1C}">
+                <a14:useLocalDpi xmlns:a14="http://schemas.microsoft.com/office/drawing/2010/main" val="0"/>
+              </a:ext>
+            </a:extLst>
+          </a:blip>
+          <a:srcRect/>
+          <a:stretch/>
+        </p:blipFill>
+        <p:spPr>
+          <a:xfrm>
+            <a:off x="1999585" y="246210"/>
+            <a:ext cx="1874223" cy="893860"/>
+          </a:xfrm>
+          <a:prstGeom prst="rect">
+            <a:avLst/>
+          </a:prstGeom>
+        </p:spPr>
+      </p:pic>
+      <p:pic>
+        <p:nvPicPr>
+          <p:cNvPr id="10" name="Grafik 9">
+            <a:extLst>
+              <a:ext uri="{FF2B5EF4-FFF2-40B4-BE49-F238E27FC236}">
+                <a16:creationId xmlns:a16="http://schemas.microsoft.com/office/drawing/2014/main" id="{A6D6399E-041A-B9A2-03B9-24A490A985D2}"/>
+              </a:ext>
+            </a:extLst>
+          </p:cNvPr>
+          <p:cNvPicPr>
+            <a:picLocks noChangeAspect="1"/>
+          </p:cNvPicPr>
+          <p:nvPr/>
+        </p:nvPicPr>
+        <p:blipFill>
+          <a:blip r:embed="rId2">
+            <a:extLst>
+              <a:ext uri="{28A0092B-C50C-407E-A947-70E740481C1C}">
+                <a14:useLocalDpi xmlns:a14="http://schemas.microsoft.com/office/drawing/2010/main" val="0"/>
+              </a:ext>
+            </a:extLst>
+          </a:blip>
+          <a:srcRect/>
+          <a:stretch/>
+        </p:blipFill>
+        <p:spPr>
+          <a:xfrm>
+            <a:off x="1999585" y="1305390"/>
+            <a:ext cx="1874223" cy="893860"/>
+          </a:xfrm>
+          <a:prstGeom prst="rect">
+            <a:avLst/>
+          </a:prstGeom>
+        </p:spPr>
+      </p:pic>
+      <p:pic>
+        <p:nvPicPr>
+          <p:cNvPr id="11" name="Grafik 10">
+            <a:extLst>
+              <a:ext uri="{FF2B5EF4-FFF2-40B4-BE49-F238E27FC236}">
+                <a16:creationId xmlns:a16="http://schemas.microsoft.com/office/drawing/2014/main" id="{03A73BE5-A689-D5A1-17FD-563C3B4C8A2D}"/>
+              </a:ext>
+            </a:extLst>
+          </p:cNvPr>
+          <p:cNvPicPr>
+            <a:picLocks noChangeAspect="1"/>
+          </p:cNvPicPr>
+          <p:nvPr/>
+        </p:nvPicPr>
+        <p:blipFill>
+          <a:blip r:embed="rId2">
+            <a:extLst>
+              <a:ext uri="{28A0092B-C50C-407E-A947-70E740481C1C}">
+                <a14:useLocalDpi xmlns:a14="http://schemas.microsoft.com/office/drawing/2010/main" val="0"/>
+              </a:ext>
+            </a:extLst>
+          </a:blip>
+          <a:srcRect/>
+          <a:stretch/>
+        </p:blipFill>
+        <p:spPr>
+          <a:xfrm>
+            <a:off x="1999585" y="2364570"/>
+            <a:ext cx="1874223" cy="893860"/>
+          </a:xfrm>
+          <a:prstGeom prst="rect">
+            <a:avLst/>
+          </a:prstGeom>
+        </p:spPr>
+      </p:pic>
+      <p:pic>
+        <p:nvPicPr>
+          <p:cNvPr id="12" name="Grafik 11">
+            <a:extLst>
+              <a:ext uri="{FF2B5EF4-FFF2-40B4-BE49-F238E27FC236}">
+                <a16:creationId xmlns:a16="http://schemas.microsoft.com/office/drawing/2014/main" id="{A6C37638-E87C-A46C-8E84-B7948F046841}"/>
+              </a:ext>
+            </a:extLst>
+          </p:cNvPr>
+          <p:cNvPicPr>
+            <a:picLocks noChangeAspect="1"/>
+          </p:cNvPicPr>
+          <p:nvPr/>
+        </p:nvPicPr>
+        <p:blipFill>
+          <a:blip r:embed="rId2">
+            <a:extLst>
+              <a:ext uri="{28A0092B-C50C-407E-A947-70E740481C1C}">
+                <a14:useLocalDpi xmlns:a14="http://schemas.microsoft.com/office/drawing/2010/main" val="0"/>
+              </a:ext>
+            </a:extLst>
+          </a:blip>
+          <a:srcRect/>
+          <a:stretch/>
+        </p:blipFill>
+        <p:spPr>
+          <a:xfrm>
+            <a:off x="1999585" y="3423750"/>
+            <a:ext cx="1874223" cy="893860"/>
+          </a:xfrm>
+          <a:prstGeom prst="rect">
+            <a:avLst/>
+          </a:prstGeom>
+        </p:spPr>
+      </p:pic>
+      <p:pic>
+        <p:nvPicPr>
+          <p:cNvPr id="13" name="Grafik 12">
+            <a:extLst>
+              <a:ext uri="{FF2B5EF4-FFF2-40B4-BE49-F238E27FC236}">
+                <a16:creationId xmlns:a16="http://schemas.microsoft.com/office/drawing/2014/main" id="{9F5D6196-6540-DDF2-62C4-2F3800B385D6}"/>
+              </a:ext>
+            </a:extLst>
+          </p:cNvPr>
+          <p:cNvPicPr>
+            <a:picLocks noChangeAspect="1"/>
+          </p:cNvPicPr>
+          <p:nvPr/>
+        </p:nvPicPr>
+        <p:blipFill>
+          <a:blip r:embed="rId2">
+            <a:extLst>
+              <a:ext uri="{28A0092B-C50C-407E-A947-70E740481C1C}">
+                <a14:useLocalDpi xmlns:a14="http://schemas.microsoft.com/office/drawing/2010/main" val="0"/>
+              </a:ext>
+            </a:extLst>
+          </a:blip>
+          <a:srcRect/>
+          <a:stretch/>
+        </p:blipFill>
+        <p:spPr>
+          <a:xfrm>
+            <a:off x="1999585" y="4482930"/>
+            <a:ext cx="1874223" cy="893860"/>
+          </a:xfrm>
+          <a:prstGeom prst="rect">
+            <a:avLst/>
+          </a:prstGeom>
+        </p:spPr>
+      </p:pic>
+      <p:pic>
+        <p:nvPicPr>
+          <p:cNvPr id="14" name="Grafik 13">
+            <a:extLst>
+              <a:ext uri="{FF2B5EF4-FFF2-40B4-BE49-F238E27FC236}">
+                <a16:creationId xmlns:a16="http://schemas.microsoft.com/office/drawing/2014/main" id="{9D0E11F3-C029-258B-50D5-FC35AC2F28B4}"/>
+              </a:ext>
+            </a:extLst>
+          </p:cNvPr>
+          <p:cNvPicPr>
+            <a:picLocks noChangeAspect="1"/>
+          </p:cNvPicPr>
+          <p:nvPr/>
+        </p:nvPicPr>
+        <p:blipFill>
+          <a:blip r:embed="rId2">
+            <a:extLst>
+              <a:ext uri="{28A0092B-C50C-407E-A947-70E740481C1C}">
+                <a14:useLocalDpi xmlns:a14="http://schemas.microsoft.com/office/drawing/2010/main" val="0"/>
+              </a:ext>
+            </a:extLst>
+          </a:blip>
+          <a:srcRect/>
+          <a:stretch/>
+        </p:blipFill>
+        <p:spPr>
+          <a:xfrm>
+            <a:off x="1999585" y="5543794"/>
+            <a:ext cx="1874223" cy="893860"/>
+          </a:xfrm>
+          <a:prstGeom prst="rect">
+            <a:avLst/>
+          </a:prstGeom>
+        </p:spPr>
+      </p:pic>
+      <p:pic>
+        <p:nvPicPr>
+          <p:cNvPr id="15" name="Grafik 14">
+            <a:extLst>
+              <a:ext uri="{FF2B5EF4-FFF2-40B4-BE49-F238E27FC236}">
+                <a16:creationId xmlns:a16="http://schemas.microsoft.com/office/drawing/2014/main" id="{797161C9-9198-CE03-5F83-9AA452E166C8}"/>
+              </a:ext>
+            </a:extLst>
+          </p:cNvPr>
+          <p:cNvPicPr>
+            <a:picLocks noChangeAspect="1"/>
+          </p:cNvPicPr>
+          <p:nvPr/>
+        </p:nvPicPr>
+        <p:blipFill>
+          <a:blip r:embed="rId2">
+            <a:extLst>
+              <a:ext uri="{28A0092B-C50C-407E-A947-70E740481C1C}">
+                <a14:useLocalDpi xmlns:a14="http://schemas.microsoft.com/office/drawing/2010/main" val="0"/>
+              </a:ext>
+            </a:extLst>
+          </a:blip>
+          <a:srcRect/>
+          <a:stretch/>
+        </p:blipFill>
+        <p:spPr>
+          <a:xfrm>
+            <a:off x="3970019" y="246210"/>
+            <a:ext cx="1874223" cy="893860"/>
+          </a:xfrm>
+          <a:prstGeom prst="rect">
+            <a:avLst/>
+          </a:prstGeom>
+        </p:spPr>
+      </p:pic>
+      <p:pic>
+        <p:nvPicPr>
+          <p:cNvPr id="16" name="Grafik 15">
+            <a:extLst>
+              <a:ext uri="{FF2B5EF4-FFF2-40B4-BE49-F238E27FC236}">
+                <a16:creationId xmlns:a16="http://schemas.microsoft.com/office/drawing/2014/main" id="{1B675C5E-711B-B57E-9531-7092F8FA2E80}"/>
+              </a:ext>
+            </a:extLst>
+          </p:cNvPr>
+          <p:cNvPicPr>
+            <a:picLocks noChangeAspect="1"/>
+          </p:cNvPicPr>
+          <p:nvPr/>
+        </p:nvPicPr>
+        <p:blipFill>
+          <a:blip r:embed="rId2">
+            <a:extLst>
+              <a:ext uri="{28A0092B-C50C-407E-A947-70E740481C1C}">
+                <a14:useLocalDpi xmlns:a14="http://schemas.microsoft.com/office/drawing/2010/main" val="0"/>
+              </a:ext>
+            </a:extLst>
+          </a:blip>
+          <a:srcRect/>
+          <a:stretch/>
+        </p:blipFill>
+        <p:spPr>
+          <a:xfrm>
+            <a:off x="3970019" y="1305390"/>
+            <a:ext cx="1874223" cy="893860"/>
+          </a:xfrm>
+          <a:prstGeom prst="rect">
+            <a:avLst/>
+          </a:prstGeom>
+        </p:spPr>
+      </p:pic>
+      <p:pic>
+        <p:nvPicPr>
+          <p:cNvPr id="17" name="Grafik 16">
+            <a:extLst>
+              <a:ext uri="{FF2B5EF4-FFF2-40B4-BE49-F238E27FC236}">
+                <a16:creationId xmlns:a16="http://schemas.microsoft.com/office/drawing/2014/main" id="{8A06FE07-9859-CD10-509B-EC29C4D3A616}"/>
+              </a:ext>
+            </a:extLst>
+          </p:cNvPr>
+          <p:cNvPicPr>
+            <a:picLocks noChangeAspect="1"/>
+          </p:cNvPicPr>
+          <p:nvPr/>
+        </p:nvPicPr>
+        <p:blipFill>
+          <a:blip r:embed="rId2">
+            <a:extLst>
+              <a:ext uri="{28A0092B-C50C-407E-A947-70E740481C1C}">
+                <a14:useLocalDpi xmlns:a14="http://schemas.microsoft.com/office/drawing/2010/main" val="0"/>
+              </a:ext>
+            </a:extLst>
+          </a:blip>
+          <a:srcRect/>
+          <a:stretch/>
+        </p:blipFill>
+        <p:spPr>
+          <a:xfrm>
+            <a:off x="3970019" y="2364570"/>
+            <a:ext cx="1874223" cy="893860"/>
+          </a:xfrm>
+          <a:prstGeom prst="rect">
+            <a:avLst/>
+          </a:prstGeom>
+        </p:spPr>
+      </p:pic>
+      <p:pic>
+        <p:nvPicPr>
+          <p:cNvPr id="18" name="Grafik 17">
+            <a:extLst>
+              <a:ext uri="{FF2B5EF4-FFF2-40B4-BE49-F238E27FC236}">
+                <a16:creationId xmlns:a16="http://schemas.microsoft.com/office/drawing/2014/main" id="{2A54377D-D1E3-A91B-8096-E3BE0BB3FDC1}"/>
+              </a:ext>
+            </a:extLst>
+          </p:cNvPr>
+          <p:cNvPicPr>
+            <a:picLocks noChangeAspect="1"/>
+          </p:cNvPicPr>
+          <p:nvPr/>
+        </p:nvPicPr>
+        <p:blipFill>
+          <a:blip r:embed="rId2">
+            <a:extLst>
+              <a:ext uri="{28A0092B-C50C-407E-A947-70E740481C1C}">
+                <a14:useLocalDpi xmlns:a14="http://schemas.microsoft.com/office/drawing/2010/main" val="0"/>
+              </a:ext>
+            </a:extLst>
+          </a:blip>
+          <a:srcRect/>
+          <a:stretch/>
+        </p:blipFill>
+        <p:spPr>
+          <a:xfrm>
+            <a:off x="3970019" y="3423750"/>
+            <a:ext cx="1874223" cy="893860"/>
+          </a:xfrm>
+          <a:prstGeom prst="rect">
+            <a:avLst/>
+          </a:prstGeom>
+        </p:spPr>
+      </p:pic>
+      <p:pic>
+        <p:nvPicPr>
+          <p:cNvPr id="19" name="Grafik 18">
+            <a:extLst>
+              <a:ext uri="{FF2B5EF4-FFF2-40B4-BE49-F238E27FC236}">
+                <a16:creationId xmlns:a16="http://schemas.microsoft.com/office/drawing/2014/main" id="{5D9BEA4C-EC54-9E6A-F740-7DA116295FE4}"/>
+              </a:ext>
+            </a:extLst>
+          </p:cNvPr>
+          <p:cNvPicPr>
+            <a:picLocks noChangeAspect="1"/>
+          </p:cNvPicPr>
+          <p:nvPr/>
+        </p:nvPicPr>
+        <p:blipFill>
+          <a:blip r:embed="rId2">
+            <a:extLst>
+              <a:ext uri="{28A0092B-C50C-407E-A947-70E740481C1C}">
+                <a14:useLocalDpi xmlns:a14="http://schemas.microsoft.com/office/drawing/2010/main" val="0"/>
+              </a:ext>
+            </a:extLst>
+          </a:blip>
+          <a:srcRect/>
+          <a:stretch/>
+        </p:blipFill>
+        <p:spPr>
+          <a:xfrm>
+            <a:off x="3970019" y="4482930"/>
+            <a:ext cx="1874223" cy="893860"/>
+          </a:xfrm>
+          <a:prstGeom prst="rect">
+            <a:avLst/>
+          </a:prstGeom>
+        </p:spPr>
+      </p:pic>
+      <p:pic>
+        <p:nvPicPr>
+          <p:cNvPr id="20" name="Grafik 19">
+            <a:extLst>
+              <a:ext uri="{FF2B5EF4-FFF2-40B4-BE49-F238E27FC236}">
+                <a16:creationId xmlns:a16="http://schemas.microsoft.com/office/drawing/2014/main" id="{19C32125-5030-4604-D177-71523AAD5369}"/>
+              </a:ext>
+            </a:extLst>
+          </p:cNvPr>
+          <p:cNvPicPr>
+            <a:picLocks noChangeAspect="1"/>
+          </p:cNvPicPr>
+          <p:nvPr/>
+        </p:nvPicPr>
+        <p:blipFill>
+          <a:blip r:embed="rId2">
+            <a:extLst>
+              <a:ext uri="{28A0092B-C50C-407E-A947-70E740481C1C}">
+                <a14:useLocalDpi xmlns:a14="http://schemas.microsoft.com/office/drawing/2010/main" val="0"/>
+              </a:ext>
+            </a:extLst>
+          </a:blip>
+          <a:srcRect/>
+          <a:stretch/>
+        </p:blipFill>
+        <p:spPr>
+          <a:xfrm>
+            <a:off x="3970019" y="5543794"/>
+            <a:ext cx="1874223" cy="893860"/>
+          </a:xfrm>
+          <a:prstGeom prst="rect">
+            <a:avLst/>
+          </a:prstGeom>
+        </p:spPr>
+      </p:pic>
+      <p:pic>
+        <p:nvPicPr>
+          <p:cNvPr id="21" name="Grafik 20">
+            <a:extLst>
+              <a:ext uri="{FF2B5EF4-FFF2-40B4-BE49-F238E27FC236}">
+                <a16:creationId xmlns:a16="http://schemas.microsoft.com/office/drawing/2014/main" id="{8E78CC9C-9112-628F-0D3D-857FA8C40AC4}"/>
+              </a:ext>
+            </a:extLst>
+          </p:cNvPr>
+          <p:cNvPicPr>
+            <a:picLocks noChangeAspect="1"/>
+          </p:cNvPicPr>
+          <p:nvPr/>
+        </p:nvPicPr>
+        <p:blipFill>
+          <a:blip r:embed="rId2">
+            <a:extLst>
+              <a:ext uri="{28A0092B-C50C-407E-A947-70E740481C1C}">
+                <a14:useLocalDpi xmlns:a14="http://schemas.microsoft.com/office/drawing/2010/main" val="0"/>
+              </a:ext>
+            </a:extLst>
+          </a:blip>
+          <a:srcRect/>
+          <a:stretch/>
+        </p:blipFill>
+        <p:spPr>
+          <a:xfrm>
+            <a:off x="5940453" y="246210"/>
+            <a:ext cx="1874223" cy="893860"/>
+          </a:xfrm>
+          <a:prstGeom prst="rect">
+            <a:avLst/>
+          </a:prstGeom>
+        </p:spPr>
+      </p:pic>
+      <p:pic>
+        <p:nvPicPr>
+          <p:cNvPr id="23" name="Grafik 22">
+            <a:extLst>
+              <a:ext uri="{FF2B5EF4-FFF2-40B4-BE49-F238E27FC236}">
+                <a16:creationId xmlns:a16="http://schemas.microsoft.com/office/drawing/2014/main" id="{CA4FDEC4-4AAB-F8E9-1463-94CEE6C0F67B}"/>
+              </a:ext>
+            </a:extLst>
+          </p:cNvPr>
+          <p:cNvPicPr>
+            <a:picLocks noChangeAspect="1"/>
+          </p:cNvPicPr>
+          <p:nvPr/>
+        </p:nvPicPr>
+        <p:blipFill>
+          <a:blip r:embed="rId2">
+            <a:extLst>
+              <a:ext uri="{28A0092B-C50C-407E-A947-70E740481C1C}">
+                <a14:useLocalDpi xmlns:a14="http://schemas.microsoft.com/office/drawing/2010/main" val="0"/>
+              </a:ext>
+            </a:extLst>
+          </a:blip>
+          <a:srcRect/>
+          <a:stretch/>
+        </p:blipFill>
+        <p:spPr>
+          <a:xfrm>
+            <a:off x="5940453" y="1305390"/>
+            <a:ext cx="1874223" cy="893860"/>
+          </a:xfrm>
+          <a:prstGeom prst="rect">
+            <a:avLst/>
+          </a:prstGeom>
+        </p:spPr>
+      </p:pic>
+      <p:pic>
+        <p:nvPicPr>
+          <p:cNvPr id="24" name="Grafik 23">
+            <a:extLst>
+              <a:ext uri="{FF2B5EF4-FFF2-40B4-BE49-F238E27FC236}">
+                <a16:creationId xmlns:a16="http://schemas.microsoft.com/office/drawing/2014/main" id="{26BE3005-BBDA-915C-6954-00B988387CDE}"/>
+              </a:ext>
+            </a:extLst>
+          </p:cNvPr>
+          <p:cNvPicPr>
+            <a:picLocks noChangeAspect="1"/>
+          </p:cNvPicPr>
+          <p:nvPr/>
+        </p:nvPicPr>
+        <p:blipFill>
+          <a:blip r:embed="rId2">
+            <a:extLst>
+              <a:ext uri="{28A0092B-C50C-407E-A947-70E740481C1C}">
+                <a14:useLocalDpi xmlns:a14="http://schemas.microsoft.com/office/drawing/2010/main" val="0"/>
+              </a:ext>
+            </a:extLst>
+          </a:blip>
+          <a:srcRect/>
+          <a:stretch/>
+        </p:blipFill>
+        <p:spPr>
+          <a:xfrm>
+            <a:off x="5940453" y="2364570"/>
+            <a:ext cx="1874223" cy="893860"/>
+          </a:xfrm>
+          <a:prstGeom prst="rect">
+            <a:avLst/>
+          </a:prstGeom>
+        </p:spPr>
+      </p:pic>
+      <p:pic>
+        <p:nvPicPr>
+          <p:cNvPr id="27" name="Grafik 26">
+            <a:extLst>
+              <a:ext uri="{FF2B5EF4-FFF2-40B4-BE49-F238E27FC236}">
+                <a16:creationId xmlns:a16="http://schemas.microsoft.com/office/drawing/2014/main" id="{42F4981E-288B-A5A6-BA9E-ACAC584D7F8B}"/>
+              </a:ext>
+            </a:extLst>
+          </p:cNvPr>
+          <p:cNvPicPr>
+            <a:picLocks noChangeAspect="1"/>
+          </p:cNvPicPr>
+          <p:nvPr/>
+        </p:nvPicPr>
+        <p:blipFill>
+          <a:blip r:embed="rId2">
+            <a:extLst>
+              <a:ext uri="{28A0092B-C50C-407E-A947-70E740481C1C}">
+                <a14:useLocalDpi xmlns:a14="http://schemas.microsoft.com/office/drawing/2010/main" val="0"/>
+              </a:ext>
+            </a:extLst>
+          </a:blip>
+          <a:srcRect/>
+          <a:stretch/>
+        </p:blipFill>
+        <p:spPr>
+          <a:xfrm>
+            <a:off x="5940453" y="3423750"/>
+            <a:ext cx="1874223" cy="893860"/>
+          </a:xfrm>
+          <a:prstGeom prst="rect">
+            <a:avLst/>
+          </a:prstGeom>
+        </p:spPr>
+      </p:pic>
+      <p:pic>
+        <p:nvPicPr>
+          <p:cNvPr id="28" name="Grafik 27">
+            <a:extLst>
+              <a:ext uri="{FF2B5EF4-FFF2-40B4-BE49-F238E27FC236}">
+                <a16:creationId xmlns:a16="http://schemas.microsoft.com/office/drawing/2014/main" id="{932348B7-D098-EFF8-F291-007B647D0A11}"/>
+              </a:ext>
+            </a:extLst>
+          </p:cNvPr>
+          <p:cNvPicPr>
+            <a:picLocks noChangeAspect="1"/>
+          </p:cNvPicPr>
+          <p:nvPr/>
+        </p:nvPicPr>
+        <p:blipFill>
+          <a:blip r:embed="rId2">
+            <a:extLst>
+              <a:ext uri="{28A0092B-C50C-407E-A947-70E740481C1C}">
+                <a14:useLocalDpi xmlns:a14="http://schemas.microsoft.com/office/drawing/2010/main" val="0"/>
+              </a:ext>
+            </a:extLst>
+          </a:blip>
+          <a:srcRect/>
+          <a:stretch/>
+        </p:blipFill>
+        <p:spPr>
+          <a:xfrm>
+            <a:off x="5940453" y="4482930"/>
+            <a:ext cx="1874223" cy="893860"/>
+          </a:xfrm>
+          <a:prstGeom prst="rect">
+            <a:avLst/>
+          </a:prstGeom>
+        </p:spPr>
+      </p:pic>
+      <p:pic>
+        <p:nvPicPr>
+          <p:cNvPr id="29" name="Grafik 28">
+            <a:extLst>
+              <a:ext uri="{FF2B5EF4-FFF2-40B4-BE49-F238E27FC236}">
+                <a16:creationId xmlns:a16="http://schemas.microsoft.com/office/drawing/2014/main" id="{7C13CD92-1F89-1C56-3B19-1806613A576C}"/>
+              </a:ext>
+            </a:extLst>
+          </p:cNvPr>
+          <p:cNvPicPr>
+            <a:picLocks noChangeAspect="1"/>
+          </p:cNvPicPr>
+          <p:nvPr/>
+        </p:nvPicPr>
+        <p:blipFill>
+          <a:blip r:embed="rId2">
+            <a:extLst>
+              <a:ext uri="{28A0092B-C50C-407E-A947-70E740481C1C}">
+                <a14:useLocalDpi xmlns:a14="http://schemas.microsoft.com/office/drawing/2010/main" val="0"/>
+              </a:ext>
+            </a:extLst>
+          </a:blip>
+          <a:srcRect/>
+          <a:stretch/>
+        </p:blipFill>
+        <p:spPr>
+          <a:xfrm>
+            <a:off x="5940453" y="5543794"/>
+            <a:ext cx="1874223" cy="893860"/>
+          </a:xfrm>
+          <a:prstGeom prst="rect">
+            <a:avLst/>
+          </a:prstGeom>
+        </p:spPr>
+      </p:pic>
+      <p:pic>
+        <p:nvPicPr>
+          <p:cNvPr id="2" name="Grafik 1">
+            <a:extLst>
+              <a:ext uri="{FF2B5EF4-FFF2-40B4-BE49-F238E27FC236}">
+                <a16:creationId xmlns:a16="http://schemas.microsoft.com/office/drawing/2014/main" id="{15D931A5-782F-E418-AD41-FDCDC8115402}"/>
+              </a:ext>
+            </a:extLst>
+          </p:cNvPr>
+          <p:cNvPicPr>
+            <a:picLocks noChangeAspect="1"/>
+          </p:cNvPicPr>
+          <p:nvPr/>
+        </p:nvPicPr>
+        <p:blipFill>
+          <a:blip r:embed="rId2">
+            <a:extLst>
+              <a:ext uri="{28A0092B-C50C-407E-A947-70E740481C1C}">
+                <a14:useLocalDpi xmlns:a14="http://schemas.microsoft.com/office/drawing/2010/main" val="0"/>
+              </a:ext>
+            </a:extLst>
+          </a:blip>
+          <a:srcRect/>
+          <a:stretch/>
+        </p:blipFill>
+        <p:spPr>
+          <a:xfrm>
+            <a:off x="7913264" y="246210"/>
+            <a:ext cx="1874223" cy="893860"/>
+          </a:xfrm>
+          <a:prstGeom prst="rect">
+            <a:avLst/>
+          </a:prstGeom>
+        </p:spPr>
+      </p:pic>
+      <p:pic>
+        <p:nvPicPr>
+          <p:cNvPr id="22" name="Grafik 21">
+            <a:extLst>
+              <a:ext uri="{FF2B5EF4-FFF2-40B4-BE49-F238E27FC236}">
+                <a16:creationId xmlns:a16="http://schemas.microsoft.com/office/drawing/2014/main" id="{6C6A4F2E-6A94-0C98-80BC-70A1D3B06D88}"/>
+              </a:ext>
+            </a:extLst>
+          </p:cNvPr>
+          <p:cNvPicPr>
+            <a:picLocks noChangeAspect="1"/>
+          </p:cNvPicPr>
+          <p:nvPr/>
+        </p:nvPicPr>
+        <p:blipFill>
+          <a:blip r:embed="rId2">
+            <a:extLst>
+              <a:ext uri="{28A0092B-C50C-407E-A947-70E740481C1C}">
+                <a14:useLocalDpi xmlns:a14="http://schemas.microsoft.com/office/drawing/2010/main" val="0"/>
+              </a:ext>
+            </a:extLst>
+          </a:blip>
+          <a:srcRect/>
+          <a:stretch/>
+        </p:blipFill>
+        <p:spPr>
+          <a:xfrm>
+            <a:off x="7913264" y="1305390"/>
+            <a:ext cx="1874223" cy="893860"/>
+          </a:xfrm>
+          <a:prstGeom prst="rect">
+            <a:avLst/>
+          </a:prstGeom>
+        </p:spPr>
+      </p:pic>
+      <p:pic>
+        <p:nvPicPr>
+          <p:cNvPr id="25" name="Grafik 24">
+            <a:extLst>
+              <a:ext uri="{FF2B5EF4-FFF2-40B4-BE49-F238E27FC236}">
+                <a16:creationId xmlns:a16="http://schemas.microsoft.com/office/drawing/2014/main" id="{BBEC5792-2526-23FA-386B-4DF1E0A5C3B3}"/>
+              </a:ext>
+            </a:extLst>
+          </p:cNvPr>
+          <p:cNvPicPr>
+            <a:picLocks noChangeAspect="1"/>
+          </p:cNvPicPr>
+          <p:nvPr/>
+        </p:nvPicPr>
+        <p:blipFill>
+          <a:blip r:embed="rId2">
+            <a:extLst>
+              <a:ext uri="{28A0092B-C50C-407E-A947-70E740481C1C}">
+                <a14:useLocalDpi xmlns:a14="http://schemas.microsoft.com/office/drawing/2010/main" val="0"/>
+              </a:ext>
+            </a:extLst>
+          </a:blip>
+          <a:srcRect/>
+          <a:stretch/>
+        </p:blipFill>
+        <p:spPr>
+          <a:xfrm>
+            <a:off x="7913264" y="2364570"/>
+            <a:ext cx="1874223" cy="893860"/>
+          </a:xfrm>
+          <a:prstGeom prst="rect">
+            <a:avLst/>
+          </a:prstGeom>
+        </p:spPr>
+      </p:pic>
+      <p:pic>
+        <p:nvPicPr>
+          <p:cNvPr id="26" name="Grafik 25">
+            <a:extLst>
+              <a:ext uri="{FF2B5EF4-FFF2-40B4-BE49-F238E27FC236}">
+                <a16:creationId xmlns:a16="http://schemas.microsoft.com/office/drawing/2014/main" id="{F5A8577A-A8F2-04A9-8A13-6CCBA84DD535}"/>
+              </a:ext>
+            </a:extLst>
+          </p:cNvPr>
+          <p:cNvPicPr>
+            <a:picLocks noChangeAspect="1"/>
+          </p:cNvPicPr>
+          <p:nvPr/>
+        </p:nvPicPr>
+        <p:blipFill>
+          <a:blip r:embed="rId2">
+            <a:extLst>
+              <a:ext uri="{28A0092B-C50C-407E-A947-70E740481C1C}">
+                <a14:useLocalDpi xmlns:a14="http://schemas.microsoft.com/office/drawing/2010/main" val="0"/>
+              </a:ext>
+            </a:extLst>
+          </a:blip>
+          <a:srcRect/>
+          <a:stretch/>
+        </p:blipFill>
+        <p:spPr>
+          <a:xfrm>
+            <a:off x="7913264" y="3423750"/>
+            <a:ext cx="1874223" cy="893860"/>
+          </a:xfrm>
+          <a:prstGeom prst="rect">
+            <a:avLst/>
+          </a:prstGeom>
+        </p:spPr>
+      </p:pic>
+      <p:pic>
+        <p:nvPicPr>
+          <p:cNvPr id="30" name="Grafik 29">
+            <a:extLst>
+              <a:ext uri="{FF2B5EF4-FFF2-40B4-BE49-F238E27FC236}">
+                <a16:creationId xmlns:a16="http://schemas.microsoft.com/office/drawing/2014/main" id="{F3D511E7-20E1-37E7-9168-5C4DA5C3D55E}"/>
+              </a:ext>
+            </a:extLst>
+          </p:cNvPr>
+          <p:cNvPicPr>
+            <a:picLocks noChangeAspect="1"/>
+          </p:cNvPicPr>
+          <p:nvPr/>
+        </p:nvPicPr>
+        <p:blipFill>
+          <a:blip r:embed="rId2">
+            <a:extLst>
+              <a:ext uri="{28A0092B-C50C-407E-A947-70E740481C1C}">
+                <a14:useLocalDpi xmlns:a14="http://schemas.microsoft.com/office/drawing/2010/main" val="0"/>
+              </a:ext>
+            </a:extLst>
+          </a:blip>
+          <a:srcRect/>
+          <a:stretch/>
+        </p:blipFill>
+        <p:spPr>
+          <a:xfrm>
+            <a:off x="7913264" y="4482930"/>
+            <a:ext cx="1874223" cy="893860"/>
+          </a:xfrm>
+          <a:prstGeom prst="rect">
+            <a:avLst/>
+          </a:prstGeom>
+        </p:spPr>
+      </p:pic>
+      <p:pic>
+        <p:nvPicPr>
+          <p:cNvPr id="31" name="Grafik 30">
+            <a:extLst>
+              <a:ext uri="{FF2B5EF4-FFF2-40B4-BE49-F238E27FC236}">
+                <a16:creationId xmlns:a16="http://schemas.microsoft.com/office/drawing/2014/main" id="{98481633-3AAF-F3CE-5D7E-C75515BFC532}"/>
+              </a:ext>
+            </a:extLst>
+          </p:cNvPr>
+          <p:cNvPicPr>
+            <a:picLocks noChangeAspect="1"/>
+          </p:cNvPicPr>
+          <p:nvPr/>
+        </p:nvPicPr>
+        <p:blipFill>
+          <a:blip r:embed="rId2">
+            <a:extLst>
+              <a:ext uri="{28A0092B-C50C-407E-A947-70E740481C1C}">
+                <a14:useLocalDpi xmlns:a14="http://schemas.microsoft.com/office/drawing/2010/main" val="0"/>
+              </a:ext>
+            </a:extLst>
+          </a:blip>
+          <a:srcRect/>
+          <a:stretch/>
+        </p:blipFill>
+        <p:spPr>
+          <a:xfrm>
+            <a:off x="7913264" y="5543794"/>
+            <a:ext cx="1874223" cy="893860"/>
+          </a:xfrm>
+          <a:prstGeom prst="rect">
+            <a:avLst/>
+          </a:prstGeom>
+        </p:spPr>
+      </p:pic>
+    </p:spTree>
+    <p:extLst>
+      <p:ext uri="{BB962C8B-B14F-4D97-AF65-F5344CB8AC3E}">
+        <p14:creationId xmlns:p14="http://schemas.microsoft.com/office/powerpoint/2010/main" val="3517823185"/>
+      </p:ext>
+    </p:extLst>
+  </p:cSld>
+  <p:clrMapOvr>
+    <a:masterClrMapping/>
+  </p:clrMapOvr>
+</p:sld>
+</file>
+
+<file path=ppt/slides/slide17.xml><?xml version="1.0" encoding="utf-8"?>
+<p:sld xmlns:a="http://schemas.openxmlformats.org/drawingml/2006/main" xmlns:r="http://schemas.openxmlformats.org/officeDocument/2006/relationships" xmlns:p="http://schemas.openxmlformats.org/presentationml/2006/main">
+  <p:cSld>
+    <p:spTree>
+      <p:nvGrpSpPr>
+        <p:cNvPr id="1" name=""/>
+        <p:cNvGrpSpPr/>
+        <p:nvPr/>
+      </p:nvGrpSpPr>
+      <p:grpSpPr>
+        <a:xfrm>
+          <a:off x="0" y="0"/>
+          <a:ext cx="0" cy="0"/>
+          <a:chOff x="0" y="0"/>
+          <a:chExt cx="0" cy="0"/>
+        </a:xfrm>
+      </p:grpSpPr>
       <p:sp>
         <p:nvSpPr>
           <p:cNvPr id="30" name="Rechteck 29">
@@ -9170,7 +11029,7 @@
 </p:sld>
 </file>
 
-<file path=ppt/slides/slide17.xml><?xml version="1.0" encoding="utf-8"?>
+<file path=ppt/slides/slide18.xml><?xml version="1.0" encoding="utf-8"?>
 <p:sld xmlns:a="http://schemas.openxmlformats.org/drawingml/2006/main" xmlns:r="http://schemas.openxmlformats.org/officeDocument/2006/relationships" xmlns:p="http://schemas.openxmlformats.org/presentationml/2006/main">
   <p:cSld>
     <p:spTree>
@@ -10082,7 +11941,7 @@
 </p:sld>
 </file>
 
-<file path=ppt/slides/slide18.xml><?xml version="1.0" encoding="utf-8"?>
+<file path=ppt/slides/slide19.xml><?xml version="1.0" encoding="utf-8"?>
 <p:sld xmlns:a="http://schemas.openxmlformats.org/drawingml/2006/main" xmlns:r="http://schemas.openxmlformats.org/officeDocument/2006/relationships" xmlns:p="http://schemas.openxmlformats.org/presentationml/2006/main">
   <p:cSld>
     <p:spTree>
@@ -10994,7 +12853,562 @@
 </p:sld>
 </file>
 
-<file path=ppt/slides/slide19.xml><?xml version="1.0" encoding="utf-8"?>
+<file path=ppt/slides/slide2.xml><?xml version="1.0" encoding="utf-8"?>
+<p:sld xmlns:a="http://schemas.openxmlformats.org/drawingml/2006/main" xmlns:r="http://schemas.openxmlformats.org/officeDocument/2006/relationships" xmlns:p="http://schemas.openxmlformats.org/presentationml/2006/main">
+  <p:cSld>
+    <p:spTree>
+      <p:nvGrpSpPr>
+        <p:cNvPr id="1" name=""/>
+        <p:cNvGrpSpPr/>
+        <p:nvPr/>
+      </p:nvGrpSpPr>
+      <p:grpSpPr>
+        <a:xfrm>
+          <a:off x="0" y="0"/>
+          <a:ext cx="0" cy="0"/>
+          <a:chOff x="0" y="0"/>
+          <a:chExt cx="0" cy="0"/>
+        </a:xfrm>
+      </p:grpSpPr>
+      <p:grpSp>
+        <p:nvGrpSpPr>
+          <p:cNvPr id="6" name="Gruppieren 5">
+            <a:extLst>
+              <a:ext uri="{FF2B5EF4-FFF2-40B4-BE49-F238E27FC236}">
+                <a16:creationId xmlns:a16="http://schemas.microsoft.com/office/drawing/2014/main" id="{8AF8EB73-1A83-6ACA-58E3-3CBE12DED657}"/>
+              </a:ext>
+            </a:extLst>
+          </p:cNvPr>
+          <p:cNvGrpSpPr/>
+          <p:nvPr/>
+        </p:nvGrpSpPr>
+        <p:grpSpPr>
+          <a:xfrm>
+            <a:off x="0" y="0"/>
+            <a:ext cx="9906000" cy="6858000"/>
+            <a:chOff x="0" y="0"/>
+            <a:chExt cx="9906000" cy="6858000"/>
+          </a:xfrm>
+        </p:grpSpPr>
+        <p:sp>
+          <p:nvSpPr>
+            <p:cNvPr id="2" name="Rechteck 1">
+              <a:extLst>
+                <a:ext uri="{FF2B5EF4-FFF2-40B4-BE49-F238E27FC236}">
+                  <a16:creationId xmlns:a16="http://schemas.microsoft.com/office/drawing/2014/main" id="{1759E243-7DA1-8B1D-1622-712537D2DEA7}"/>
+                </a:ext>
+              </a:extLst>
+            </p:cNvPr>
+            <p:cNvSpPr/>
+            <p:nvPr/>
+          </p:nvSpPr>
+          <p:spPr>
+            <a:xfrm>
+              <a:off x="0" y="0"/>
+              <a:ext cx="4953000" cy="3429000"/>
+            </a:xfrm>
+            <a:prstGeom prst="rect">
+              <a:avLst/>
+            </a:prstGeom>
+            <a:solidFill>
+              <a:schemeClr val="bg1"/>
+            </a:solidFill>
+            <a:ln>
+              <a:solidFill>
+                <a:schemeClr val="bg2"/>
+              </a:solidFill>
+            </a:ln>
+          </p:spPr>
+          <p:style>
+            <a:lnRef idx="2">
+              <a:schemeClr val="accent1">
+                <a:shade val="50000"/>
+              </a:schemeClr>
+            </a:lnRef>
+            <a:fillRef idx="1">
+              <a:schemeClr val="accent1"/>
+            </a:fillRef>
+            <a:effectRef idx="0">
+              <a:schemeClr val="accent1"/>
+            </a:effectRef>
+            <a:fontRef idx="minor">
+              <a:schemeClr val="lt1"/>
+            </a:fontRef>
+          </p:style>
+          <p:txBody>
+            <a:bodyPr rtlCol="0" anchor="ctr"/>
+            <a:lstStyle/>
+            <a:p>
+              <a:pPr algn="ctr"/>
+              <a:endParaRPr lang="en-US"/>
+            </a:p>
+          </p:txBody>
+        </p:sp>
+        <p:sp>
+          <p:nvSpPr>
+            <p:cNvPr id="3" name="Rechteck 2">
+              <a:extLst>
+                <a:ext uri="{FF2B5EF4-FFF2-40B4-BE49-F238E27FC236}">
+                  <a16:creationId xmlns:a16="http://schemas.microsoft.com/office/drawing/2014/main" id="{06A885F0-0746-35D0-FC3E-DF02718BDA06}"/>
+                </a:ext>
+              </a:extLst>
+            </p:cNvPr>
+            <p:cNvSpPr/>
+            <p:nvPr/>
+          </p:nvSpPr>
+          <p:spPr>
+            <a:xfrm>
+              <a:off x="0" y="3429000"/>
+              <a:ext cx="4953000" cy="3429000"/>
+            </a:xfrm>
+            <a:prstGeom prst="rect">
+              <a:avLst/>
+            </a:prstGeom>
+            <a:solidFill>
+              <a:schemeClr val="bg1"/>
+            </a:solidFill>
+            <a:ln>
+              <a:solidFill>
+                <a:schemeClr val="bg2"/>
+              </a:solidFill>
+            </a:ln>
+          </p:spPr>
+          <p:style>
+            <a:lnRef idx="2">
+              <a:schemeClr val="accent1">
+                <a:shade val="50000"/>
+              </a:schemeClr>
+            </a:lnRef>
+            <a:fillRef idx="1">
+              <a:schemeClr val="accent1"/>
+            </a:fillRef>
+            <a:effectRef idx="0">
+              <a:schemeClr val="accent1"/>
+            </a:effectRef>
+            <a:fontRef idx="minor">
+              <a:schemeClr val="lt1"/>
+            </a:fontRef>
+          </p:style>
+          <p:txBody>
+            <a:bodyPr rtlCol="0" anchor="ctr"/>
+            <a:lstStyle/>
+            <a:p>
+              <a:pPr algn="ctr"/>
+              <a:endParaRPr lang="en-US"/>
+            </a:p>
+          </p:txBody>
+        </p:sp>
+        <p:sp>
+          <p:nvSpPr>
+            <p:cNvPr id="4" name="Rechteck 3">
+              <a:extLst>
+                <a:ext uri="{FF2B5EF4-FFF2-40B4-BE49-F238E27FC236}">
+                  <a16:creationId xmlns:a16="http://schemas.microsoft.com/office/drawing/2014/main" id="{C01B18E7-2D9F-2070-BC26-C9957C83AAFC}"/>
+                </a:ext>
+              </a:extLst>
+            </p:cNvPr>
+            <p:cNvSpPr/>
+            <p:nvPr/>
+          </p:nvSpPr>
+          <p:spPr>
+            <a:xfrm>
+              <a:off x="4953000" y="0"/>
+              <a:ext cx="4953000" cy="3429000"/>
+            </a:xfrm>
+            <a:prstGeom prst="rect">
+              <a:avLst/>
+            </a:prstGeom>
+            <a:solidFill>
+              <a:schemeClr val="bg1"/>
+            </a:solidFill>
+            <a:ln>
+              <a:solidFill>
+                <a:schemeClr val="bg2"/>
+              </a:solidFill>
+            </a:ln>
+          </p:spPr>
+          <p:style>
+            <a:lnRef idx="2">
+              <a:schemeClr val="accent1">
+                <a:shade val="50000"/>
+              </a:schemeClr>
+            </a:lnRef>
+            <a:fillRef idx="1">
+              <a:schemeClr val="accent1"/>
+            </a:fillRef>
+            <a:effectRef idx="0">
+              <a:schemeClr val="accent1"/>
+            </a:effectRef>
+            <a:fontRef idx="minor">
+              <a:schemeClr val="lt1"/>
+            </a:fontRef>
+          </p:style>
+          <p:txBody>
+            <a:bodyPr rtlCol="0" anchor="ctr"/>
+            <a:lstStyle/>
+            <a:p>
+              <a:pPr algn="ctr"/>
+              <a:endParaRPr lang="en-US"/>
+            </a:p>
+          </p:txBody>
+        </p:sp>
+        <p:sp>
+          <p:nvSpPr>
+            <p:cNvPr id="5" name="Rechteck 4">
+              <a:extLst>
+                <a:ext uri="{FF2B5EF4-FFF2-40B4-BE49-F238E27FC236}">
+                  <a16:creationId xmlns:a16="http://schemas.microsoft.com/office/drawing/2014/main" id="{294157C0-9368-577E-7036-89378DEE9FF8}"/>
+                </a:ext>
+              </a:extLst>
+            </p:cNvPr>
+            <p:cNvSpPr/>
+            <p:nvPr/>
+          </p:nvSpPr>
+          <p:spPr>
+            <a:xfrm>
+              <a:off x="4953000" y="3429000"/>
+              <a:ext cx="4953000" cy="3429000"/>
+            </a:xfrm>
+            <a:prstGeom prst="rect">
+              <a:avLst/>
+            </a:prstGeom>
+            <a:solidFill>
+              <a:schemeClr val="bg1"/>
+            </a:solidFill>
+            <a:ln>
+              <a:solidFill>
+                <a:schemeClr val="bg2"/>
+              </a:solidFill>
+            </a:ln>
+          </p:spPr>
+          <p:style>
+            <a:lnRef idx="2">
+              <a:schemeClr val="accent1">
+                <a:shade val="50000"/>
+              </a:schemeClr>
+            </a:lnRef>
+            <a:fillRef idx="1">
+              <a:schemeClr val="accent1"/>
+            </a:fillRef>
+            <a:effectRef idx="0">
+              <a:schemeClr val="accent1"/>
+            </a:effectRef>
+            <a:fontRef idx="minor">
+              <a:schemeClr val="lt1"/>
+            </a:fontRef>
+          </p:style>
+          <p:txBody>
+            <a:bodyPr rtlCol="0" anchor="ctr"/>
+            <a:lstStyle/>
+            <a:p>
+              <a:pPr algn="ctr"/>
+              <a:endParaRPr lang="en-US"/>
+            </a:p>
+          </p:txBody>
+        </p:sp>
+      </p:grpSp>
+      <p:pic>
+        <p:nvPicPr>
+          <p:cNvPr id="23" name="Grafik 22" descr="Ein Bild, das Text enthält.&#10;&#10;Automatisch generierte Beschreibung">
+            <a:extLst>
+              <a:ext uri="{FF2B5EF4-FFF2-40B4-BE49-F238E27FC236}">
+                <a16:creationId xmlns:a16="http://schemas.microsoft.com/office/drawing/2014/main" id="{331BF243-ADB6-7945-D7D5-358F85B4848D}"/>
+              </a:ext>
+            </a:extLst>
+          </p:cNvPr>
+          <p:cNvPicPr>
+            <a:picLocks noChangeAspect="1"/>
+          </p:cNvPicPr>
+          <p:nvPr/>
+        </p:nvPicPr>
+        <p:blipFill>
+          <a:blip r:embed="rId2">
+            <a:extLst>
+              <a:ext uri="{28A0092B-C50C-407E-A947-70E740481C1C}">
+                <a14:useLocalDpi xmlns:a14="http://schemas.microsoft.com/office/drawing/2010/main" val="0"/>
+              </a:ext>
+            </a:extLst>
+          </a:blip>
+          <a:stretch>
+            <a:fillRect/>
+          </a:stretch>
+        </p:blipFill>
+        <p:spPr>
+          <a:xfrm>
+            <a:off x="7663747" y="128368"/>
+            <a:ext cx="2100417" cy="3192833"/>
+          </a:xfrm>
+          <a:prstGeom prst="rect">
+            <a:avLst/>
+          </a:prstGeom>
+        </p:spPr>
+      </p:pic>
+      <p:pic>
+        <p:nvPicPr>
+          <p:cNvPr id="24" name="Grafik 23" descr="Ein Bild, das Text enthält.&#10;&#10;Automatisch generierte Beschreibung">
+            <a:extLst>
+              <a:ext uri="{FF2B5EF4-FFF2-40B4-BE49-F238E27FC236}">
+                <a16:creationId xmlns:a16="http://schemas.microsoft.com/office/drawing/2014/main" id="{0055AB54-FF80-03B0-0000-857109FB1D2D}"/>
+              </a:ext>
+            </a:extLst>
+          </p:cNvPr>
+          <p:cNvPicPr>
+            <a:picLocks noChangeAspect="1"/>
+          </p:cNvPicPr>
+          <p:nvPr/>
+        </p:nvPicPr>
+        <p:blipFill>
+          <a:blip r:embed="rId2">
+            <a:extLst>
+              <a:ext uri="{28A0092B-C50C-407E-A947-70E740481C1C}">
+                <a14:useLocalDpi xmlns:a14="http://schemas.microsoft.com/office/drawing/2010/main" val="0"/>
+              </a:ext>
+            </a:extLst>
+          </a:blip>
+          <a:stretch>
+            <a:fillRect/>
+          </a:stretch>
+        </p:blipFill>
+        <p:spPr>
+          <a:xfrm>
+            <a:off x="5175964" y="128368"/>
+            <a:ext cx="2100417" cy="3192833"/>
+          </a:xfrm>
+          <a:prstGeom prst="rect">
+            <a:avLst/>
+          </a:prstGeom>
+        </p:spPr>
+      </p:pic>
+      <p:pic>
+        <p:nvPicPr>
+          <p:cNvPr id="27" name="Grafik 26" descr="Ein Bild, das Text enthält.&#10;&#10;Automatisch generierte Beschreibung">
+            <a:extLst>
+              <a:ext uri="{FF2B5EF4-FFF2-40B4-BE49-F238E27FC236}">
+                <a16:creationId xmlns:a16="http://schemas.microsoft.com/office/drawing/2014/main" id="{97687640-C8D6-9E95-8BA7-79C30FCF5A98}"/>
+              </a:ext>
+            </a:extLst>
+          </p:cNvPr>
+          <p:cNvPicPr>
+            <a:picLocks noChangeAspect="1"/>
+          </p:cNvPicPr>
+          <p:nvPr/>
+        </p:nvPicPr>
+        <p:blipFill>
+          <a:blip r:embed="rId2">
+            <a:extLst>
+              <a:ext uri="{28A0092B-C50C-407E-A947-70E740481C1C}">
+                <a14:useLocalDpi xmlns:a14="http://schemas.microsoft.com/office/drawing/2010/main" val="0"/>
+              </a:ext>
+            </a:extLst>
+          </a:blip>
+          <a:stretch>
+            <a:fillRect/>
+          </a:stretch>
+        </p:blipFill>
+        <p:spPr>
+          <a:xfrm>
+            <a:off x="201815" y="3572746"/>
+            <a:ext cx="2100417" cy="3192833"/>
+          </a:xfrm>
+          <a:prstGeom prst="rect">
+            <a:avLst/>
+          </a:prstGeom>
+        </p:spPr>
+      </p:pic>
+      <p:pic>
+        <p:nvPicPr>
+          <p:cNvPr id="28" name="Grafik 27" descr="Ein Bild, das Text enthält.&#10;&#10;Automatisch generierte Beschreibung">
+            <a:extLst>
+              <a:ext uri="{FF2B5EF4-FFF2-40B4-BE49-F238E27FC236}">
+                <a16:creationId xmlns:a16="http://schemas.microsoft.com/office/drawing/2014/main" id="{34D1CFA8-9824-65E2-F75E-69ADFDDA5492}"/>
+              </a:ext>
+            </a:extLst>
+          </p:cNvPr>
+          <p:cNvPicPr>
+            <a:picLocks noChangeAspect="1"/>
+          </p:cNvPicPr>
+          <p:nvPr/>
+        </p:nvPicPr>
+        <p:blipFill>
+          <a:blip r:embed="rId2">
+            <a:extLst>
+              <a:ext uri="{28A0092B-C50C-407E-A947-70E740481C1C}">
+                <a14:useLocalDpi xmlns:a14="http://schemas.microsoft.com/office/drawing/2010/main" val="0"/>
+              </a:ext>
+            </a:extLst>
+          </a:blip>
+          <a:stretch>
+            <a:fillRect/>
+          </a:stretch>
+        </p:blipFill>
+        <p:spPr>
+          <a:xfrm>
+            <a:off x="2765449" y="3572746"/>
+            <a:ext cx="2100417" cy="3192833"/>
+          </a:xfrm>
+          <a:prstGeom prst="rect">
+            <a:avLst/>
+          </a:prstGeom>
+        </p:spPr>
+      </p:pic>
+      <p:pic>
+        <p:nvPicPr>
+          <p:cNvPr id="29" name="Grafik 28" descr="Ein Bild, das Text enthält.&#10;&#10;Automatisch generierte Beschreibung">
+            <a:extLst>
+              <a:ext uri="{FF2B5EF4-FFF2-40B4-BE49-F238E27FC236}">
+                <a16:creationId xmlns:a16="http://schemas.microsoft.com/office/drawing/2014/main" id="{666D0824-23B6-F652-5F67-D8CC2CFB3B46}"/>
+              </a:ext>
+            </a:extLst>
+          </p:cNvPr>
+          <p:cNvPicPr>
+            <a:picLocks noChangeAspect="1"/>
+          </p:cNvPicPr>
+          <p:nvPr/>
+        </p:nvPicPr>
+        <p:blipFill>
+          <a:blip r:embed="rId2">
+            <a:extLst>
+              <a:ext uri="{28A0092B-C50C-407E-A947-70E740481C1C}">
+                <a14:useLocalDpi xmlns:a14="http://schemas.microsoft.com/office/drawing/2010/main" val="0"/>
+              </a:ext>
+            </a:extLst>
+          </a:blip>
+          <a:stretch>
+            <a:fillRect/>
+          </a:stretch>
+        </p:blipFill>
+        <p:spPr>
+          <a:xfrm>
+            <a:off x="5127268" y="3572746"/>
+            <a:ext cx="2100417" cy="3192833"/>
+          </a:xfrm>
+          <a:prstGeom prst="rect">
+            <a:avLst/>
+          </a:prstGeom>
+        </p:spPr>
+      </p:pic>
+      <p:pic>
+        <p:nvPicPr>
+          <p:cNvPr id="30" name="Grafik 29" descr="Ein Bild, das Text enthält.&#10;&#10;Automatisch generierte Beschreibung">
+            <a:extLst>
+              <a:ext uri="{FF2B5EF4-FFF2-40B4-BE49-F238E27FC236}">
+                <a16:creationId xmlns:a16="http://schemas.microsoft.com/office/drawing/2014/main" id="{4D220736-91FB-1C79-B5F2-B2EBF6578523}"/>
+              </a:ext>
+            </a:extLst>
+          </p:cNvPr>
+          <p:cNvPicPr>
+            <a:picLocks noChangeAspect="1"/>
+          </p:cNvPicPr>
+          <p:nvPr/>
+        </p:nvPicPr>
+        <p:blipFill>
+          <a:blip r:embed="rId2">
+            <a:extLst>
+              <a:ext uri="{28A0092B-C50C-407E-A947-70E740481C1C}">
+                <a14:useLocalDpi xmlns:a14="http://schemas.microsoft.com/office/drawing/2010/main" val="0"/>
+              </a:ext>
+            </a:extLst>
+          </a:blip>
+          <a:stretch>
+            <a:fillRect/>
+          </a:stretch>
+        </p:blipFill>
+        <p:spPr>
+          <a:xfrm>
+            <a:off x="7690902" y="3572746"/>
+            <a:ext cx="2100417" cy="3192833"/>
+          </a:xfrm>
+          <a:prstGeom prst="rect">
+            <a:avLst/>
+          </a:prstGeom>
+        </p:spPr>
+      </p:pic>
+      <p:pic>
+        <p:nvPicPr>
+          <p:cNvPr id="31" name="Grafik 30" descr="Ein Bild, das Text enthält.&#10;&#10;Automatisch generierte Beschreibung">
+            <a:extLst>
+              <a:ext uri="{FF2B5EF4-FFF2-40B4-BE49-F238E27FC236}">
+                <a16:creationId xmlns:a16="http://schemas.microsoft.com/office/drawing/2014/main" id="{47641E41-28A3-13F7-7890-B3CC1245E87B}"/>
+              </a:ext>
+            </a:extLst>
+          </p:cNvPr>
+          <p:cNvPicPr>
+            <a:picLocks noChangeAspect="1"/>
+          </p:cNvPicPr>
+          <p:nvPr/>
+        </p:nvPicPr>
+        <p:blipFill>
+          <a:blip r:embed="rId2">
+            <a:extLst>
+              <a:ext uri="{28A0092B-C50C-407E-A947-70E740481C1C}">
+                <a14:useLocalDpi xmlns:a14="http://schemas.microsoft.com/office/drawing/2010/main" val="0"/>
+              </a:ext>
+            </a:extLst>
+          </a:blip>
+          <a:stretch>
+            <a:fillRect/>
+          </a:stretch>
+        </p:blipFill>
+        <p:spPr>
+          <a:xfrm>
+            <a:off x="135830" y="78333"/>
+            <a:ext cx="2100417" cy="3192833"/>
+          </a:xfrm>
+          <a:prstGeom prst="rect">
+            <a:avLst/>
+          </a:prstGeom>
+        </p:spPr>
+      </p:pic>
+      <p:pic>
+        <p:nvPicPr>
+          <p:cNvPr id="32" name="Grafik 31" descr="Ein Bild, das Text enthält.&#10;&#10;Automatisch generierte Beschreibung">
+            <a:extLst>
+              <a:ext uri="{FF2B5EF4-FFF2-40B4-BE49-F238E27FC236}">
+                <a16:creationId xmlns:a16="http://schemas.microsoft.com/office/drawing/2014/main" id="{C9C62D77-6006-BF10-1E90-2DA1874982D5}"/>
+              </a:ext>
+            </a:extLst>
+          </p:cNvPr>
+          <p:cNvPicPr>
+            <a:picLocks noChangeAspect="1"/>
+          </p:cNvPicPr>
+          <p:nvPr/>
+        </p:nvPicPr>
+        <p:blipFill>
+          <a:blip r:embed="rId2">
+            <a:extLst>
+              <a:ext uri="{28A0092B-C50C-407E-A947-70E740481C1C}">
+                <a14:useLocalDpi xmlns:a14="http://schemas.microsoft.com/office/drawing/2010/main" val="0"/>
+              </a:ext>
+            </a:extLst>
+          </a:blip>
+          <a:stretch>
+            <a:fillRect/>
+          </a:stretch>
+        </p:blipFill>
+        <p:spPr>
+          <a:xfrm>
+            <a:off x="2699464" y="78333"/>
+            <a:ext cx="2100417" cy="3192833"/>
+          </a:xfrm>
+          <a:prstGeom prst="rect">
+            <a:avLst/>
+          </a:prstGeom>
+        </p:spPr>
+      </p:pic>
+    </p:spTree>
+    <p:extLst>
+      <p:ext uri="{BB962C8B-B14F-4D97-AF65-F5344CB8AC3E}">
+        <p14:creationId xmlns:p14="http://schemas.microsoft.com/office/powerpoint/2010/main" val="2116641948"/>
+      </p:ext>
+    </p:extLst>
+  </p:cSld>
+  <p:clrMapOvr>
+    <a:masterClrMapping/>
+  </p:clrMapOvr>
+</p:sld>
+</file>
+
+<file path=ppt/slides/slide20.xml><?xml version="1.0" encoding="utf-8"?>
 <p:sld xmlns:a="http://schemas.openxmlformats.org/drawingml/2006/main" xmlns:r="http://schemas.openxmlformats.org/officeDocument/2006/relationships" xmlns:p="http://schemas.openxmlformats.org/presentationml/2006/main">
   <p:cSld>
     <p:spTree>
@@ -11849,7 +14263,7 @@
 </p:sld>
 </file>
 
-<file path=ppt/slides/slide2.xml><?xml version="1.0" encoding="utf-8"?>
+<file path=ppt/slides/slide3.xml><?xml version="1.0" encoding="utf-8"?>
 <p:sld xmlns:a="http://schemas.openxmlformats.org/drawingml/2006/main" xmlns:r="http://schemas.openxmlformats.org/officeDocument/2006/relationships" xmlns:p="http://schemas.openxmlformats.org/presentationml/2006/main">
   <p:cSld>
     <p:spTree>
@@ -12394,7 +14808,7 @@
     </p:spTree>
     <p:extLst>
       <p:ext uri="{BB962C8B-B14F-4D97-AF65-F5344CB8AC3E}">
-        <p14:creationId xmlns:p14="http://schemas.microsoft.com/office/powerpoint/2010/main" val="2116641948"/>
+        <p14:creationId xmlns:p14="http://schemas.microsoft.com/office/powerpoint/2010/main" val="2767103102"/>
       </p:ext>
     </p:extLst>
   </p:cSld>
@@ -12404,7 +14818,7 @@
 </p:sld>
 </file>
 
-<file path=ppt/slides/slide3.xml><?xml version="1.0" encoding="utf-8"?>
+<file path=ppt/slides/slide4.xml><?xml version="1.0" encoding="utf-8"?>
 <p:sld xmlns:a="http://schemas.openxmlformats.org/drawingml/2006/main" xmlns:r="http://schemas.openxmlformats.org/officeDocument/2006/relationships" xmlns:p="http://schemas.openxmlformats.org/presentationml/2006/main">
   <p:cSld>
     <p:spTree>
@@ -12660,7 +15074,7 @@
       </p:grpSp>
       <p:pic>
         <p:nvPicPr>
-          <p:cNvPr id="23" name="Grafik 22" descr="Ein Bild, das Text enthält.&#10;&#10;Automatisch generierte Beschreibung">
+          <p:cNvPr id="23" name="Grafik 22">
             <a:extLst>
               <a:ext uri="{FF2B5EF4-FFF2-40B4-BE49-F238E27FC236}">
                 <a16:creationId xmlns:a16="http://schemas.microsoft.com/office/drawing/2014/main" id="{331BF243-ADB6-7945-D7D5-358F85B4848D}"/>
@@ -12680,23 +15094,22 @@
               </a:ext>
             </a:extLst>
           </a:blip>
-          <a:stretch>
-            <a:fillRect/>
-          </a:stretch>
-        </p:blipFill>
-        <p:spPr>
-          <a:xfrm>
-            <a:off x="7663747" y="128368"/>
-            <a:ext cx="2100417" cy="3192833"/>
-          </a:xfrm>
-          <a:prstGeom prst="rect">
-            <a:avLst/>
-          </a:prstGeom>
-        </p:spPr>
-      </p:pic>
-      <p:pic>
-        <p:nvPicPr>
-          <p:cNvPr id="24" name="Grafik 23" descr="Ein Bild, das Text enthält.&#10;&#10;Automatisch generierte Beschreibung">
+          <a:srcRect/>
+          <a:stretch/>
+        </p:blipFill>
+        <p:spPr>
+          <a:xfrm>
+            <a:off x="7663747" y="225822"/>
+            <a:ext cx="2100417" cy="2997924"/>
+          </a:xfrm>
+          <a:prstGeom prst="rect">
+            <a:avLst/>
+          </a:prstGeom>
+        </p:spPr>
+      </p:pic>
+      <p:pic>
+        <p:nvPicPr>
+          <p:cNvPr id="24" name="Grafik 23">
             <a:extLst>
               <a:ext uri="{FF2B5EF4-FFF2-40B4-BE49-F238E27FC236}">
                 <a16:creationId xmlns:a16="http://schemas.microsoft.com/office/drawing/2014/main" id="{0055AB54-FF80-03B0-0000-857109FB1D2D}"/>
@@ -12716,23 +15129,22 @@
               </a:ext>
             </a:extLst>
           </a:blip>
-          <a:stretch>
-            <a:fillRect/>
-          </a:stretch>
-        </p:blipFill>
-        <p:spPr>
-          <a:xfrm>
-            <a:off x="5175964" y="128368"/>
-            <a:ext cx="2100417" cy="3192833"/>
-          </a:xfrm>
-          <a:prstGeom prst="rect">
-            <a:avLst/>
-          </a:prstGeom>
-        </p:spPr>
-      </p:pic>
-      <p:pic>
-        <p:nvPicPr>
-          <p:cNvPr id="27" name="Grafik 26" descr="Ein Bild, das Text enthält.&#10;&#10;Automatisch generierte Beschreibung">
+          <a:srcRect/>
+          <a:stretch/>
+        </p:blipFill>
+        <p:spPr>
+          <a:xfrm>
+            <a:off x="5175964" y="225822"/>
+            <a:ext cx="2100417" cy="2997924"/>
+          </a:xfrm>
+          <a:prstGeom prst="rect">
+            <a:avLst/>
+          </a:prstGeom>
+        </p:spPr>
+      </p:pic>
+      <p:pic>
+        <p:nvPicPr>
+          <p:cNvPr id="27" name="Grafik 26">
             <a:extLst>
               <a:ext uri="{FF2B5EF4-FFF2-40B4-BE49-F238E27FC236}">
                 <a16:creationId xmlns:a16="http://schemas.microsoft.com/office/drawing/2014/main" id="{97687640-C8D6-9E95-8BA7-79C30FCF5A98}"/>
@@ -12752,23 +15164,22 @@
               </a:ext>
             </a:extLst>
           </a:blip>
-          <a:stretch>
-            <a:fillRect/>
-          </a:stretch>
-        </p:blipFill>
-        <p:spPr>
-          <a:xfrm>
-            <a:off x="201815" y="3572746"/>
-            <a:ext cx="2100417" cy="3192833"/>
-          </a:xfrm>
-          <a:prstGeom prst="rect">
-            <a:avLst/>
-          </a:prstGeom>
-        </p:spPr>
-      </p:pic>
-      <p:pic>
-        <p:nvPicPr>
-          <p:cNvPr id="28" name="Grafik 27" descr="Ein Bild, das Text enthält.&#10;&#10;Automatisch generierte Beschreibung">
+          <a:srcRect/>
+          <a:stretch/>
+        </p:blipFill>
+        <p:spPr>
+          <a:xfrm>
+            <a:off x="167165" y="3644537"/>
+            <a:ext cx="2100417" cy="2997924"/>
+          </a:xfrm>
+          <a:prstGeom prst="rect">
+            <a:avLst/>
+          </a:prstGeom>
+        </p:spPr>
+      </p:pic>
+      <p:pic>
+        <p:nvPicPr>
+          <p:cNvPr id="28" name="Grafik 27">
             <a:extLst>
               <a:ext uri="{FF2B5EF4-FFF2-40B4-BE49-F238E27FC236}">
                 <a16:creationId xmlns:a16="http://schemas.microsoft.com/office/drawing/2014/main" id="{34D1CFA8-9824-65E2-F75E-69ADFDDA5492}"/>
@@ -12788,23 +15199,22 @@
               </a:ext>
             </a:extLst>
           </a:blip>
-          <a:stretch>
-            <a:fillRect/>
-          </a:stretch>
-        </p:blipFill>
-        <p:spPr>
-          <a:xfrm>
-            <a:off x="2765449" y="3572746"/>
-            <a:ext cx="2100417" cy="3192833"/>
-          </a:xfrm>
-          <a:prstGeom prst="rect">
-            <a:avLst/>
-          </a:prstGeom>
-        </p:spPr>
-      </p:pic>
-      <p:pic>
-        <p:nvPicPr>
-          <p:cNvPr id="29" name="Grafik 28" descr="Ein Bild, das Text enthält.&#10;&#10;Automatisch generierte Beschreibung">
+          <a:srcRect/>
+          <a:stretch/>
+        </p:blipFill>
+        <p:spPr>
+          <a:xfrm>
+            <a:off x="2699463" y="3644536"/>
+            <a:ext cx="2100417" cy="2997924"/>
+          </a:xfrm>
+          <a:prstGeom prst="rect">
+            <a:avLst/>
+          </a:prstGeom>
+        </p:spPr>
+      </p:pic>
+      <p:pic>
+        <p:nvPicPr>
+          <p:cNvPr id="29" name="Grafik 28">
             <a:extLst>
               <a:ext uri="{FF2B5EF4-FFF2-40B4-BE49-F238E27FC236}">
                 <a16:creationId xmlns:a16="http://schemas.microsoft.com/office/drawing/2014/main" id="{666D0824-23B6-F652-5F67-D8CC2CFB3B46}"/>
@@ -12824,23 +15234,22 @@
               </a:ext>
             </a:extLst>
           </a:blip>
-          <a:stretch>
-            <a:fillRect/>
-          </a:stretch>
-        </p:blipFill>
-        <p:spPr>
-          <a:xfrm>
-            <a:off x="5127268" y="3572746"/>
-            <a:ext cx="2100417" cy="3192833"/>
-          </a:xfrm>
-          <a:prstGeom prst="rect">
-            <a:avLst/>
-          </a:prstGeom>
-        </p:spPr>
-      </p:pic>
-      <p:pic>
-        <p:nvPicPr>
-          <p:cNvPr id="30" name="Grafik 29" descr="Ein Bild, das Text enthält.&#10;&#10;Automatisch generierte Beschreibung">
+          <a:srcRect/>
+          <a:stretch/>
+        </p:blipFill>
+        <p:spPr>
+          <a:xfrm>
+            <a:off x="5175964" y="3644537"/>
+            <a:ext cx="2100417" cy="2997924"/>
+          </a:xfrm>
+          <a:prstGeom prst="rect">
+            <a:avLst/>
+          </a:prstGeom>
+        </p:spPr>
+      </p:pic>
+      <p:pic>
+        <p:nvPicPr>
+          <p:cNvPr id="30" name="Grafik 29">
             <a:extLst>
               <a:ext uri="{FF2B5EF4-FFF2-40B4-BE49-F238E27FC236}">
                 <a16:creationId xmlns:a16="http://schemas.microsoft.com/office/drawing/2014/main" id="{4D220736-91FB-1C79-B5F2-B2EBF6578523}"/>
@@ -12860,23 +15269,22 @@
               </a:ext>
             </a:extLst>
           </a:blip>
-          <a:stretch>
-            <a:fillRect/>
-          </a:stretch>
-        </p:blipFill>
-        <p:spPr>
-          <a:xfrm>
-            <a:off x="7690902" y="3572746"/>
-            <a:ext cx="2100417" cy="3192833"/>
-          </a:xfrm>
-          <a:prstGeom prst="rect">
-            <a:avLst/>
-          </a:prstGeom>
-        </p:spPr>
-      </p:pic>
-      <p:pic>
-        <p:nvPicPr>
-          <p:cNvPr id="31" name="Grafik 30" descr="Ein Bild, das Text enthält.&#10;&#10;Automatisch generierte Beschreibung">
+          <a:srcRect/>
+          <a:stretch/>
+        </p:blipFill>
+        <p:spPr>
+          <a:xfrm>
+            <a:off x="7690902" y="3670200"/>
+            <a:ext cx="2100417" cy="2997924"/>
+          </a:xfrm>
+          <a:prstGeom prst="rect">
+            <a:avLst/>
+          </a:prstGeom>
+        </p:spPr>
+      </p:pic>
+      <p:pic>
+        <p:nvPicPr>
+          <p:cNvPr id="31" name="Grafik 30">
             <a:extLst>
               <a:ext uri="{FF2B5EF4-FFF2-40B4-BE49-F238E27FC236}">
                 <a16:creationId xmlns:a16="http://schemas.microsoft.com/office/drawing/2014/main" id="{47641E41-28A3-13F7-7890-B3CC1245E87B}"/>
@@ -12896,23 +15304,22 @@
               </a:ext>
             </a:extLst>
           </a:blip>
-          <a:stretch>
-            <a:fillRect/>
-          </a:stretch>
-        </p:blipFill>
-        <p:spPr>
-          <a:xfrm>
-            <a:off x="135830" y="78333"/>
-            <a:ext cx="2100417" cy="3192833"/>
-          </a:xfrm>
-          <a:prstGeom prst="rect">
-            <a:avLst/>
-          </a:prstGeom>
-        </p:spPr>
-      </p:pic>
-      <p:pic>
-        <p:nvPicPr>
-          <p:cNvPr id="32" name="Grafik 31" descr="Ein Bild, das Text enthält.&#10;&#10;Automatisch generierte Beschreibung">
+          <a:srcRect/>
+          <a:stretch/>
+        </p:blipFill>
+        <p:spPr>
+          <a:xfrm>
+            <a:off x="167165" y="175787"/>
+            <a:ext cx="2100417" cy="2997924"/>
+          </a:xfrm>
+          <a:prstGeom prst="rect">
+            <a:avLst/>
+          </a:prstGeom>
+        </p:spPr>
+      </p:pic>
+      <p:pic>
+        <p:nvPicPr>
+          <p:cNvPr id="32" name="Grafik 31">
             <a:extLst>
               <a:ext uri="{FF2B5EF4-FFF2-40B4-BE49-F238E27FC236}">
                 <a16:creationId xmlns:a16="http://schemas.microsoft.com/office/drawing/2014/main" id="{C9C62D77-6006-BF10-1E90-2DA1874982D5}"/>
@@ -12932,14 +15339,13 @@
               </a:ext>
             </a:extLst>
           </a:blip>
-          <a:stretch>
-            <a:fillRect/>
-          </a:stretch>
-        </p:blipFill>
-        <p:spPr>
-          <a:xfrm>
-            <a:off x="2699464" y="78333"/>
-            <a:ext cx="2100417" cy="3192833"/>
+          <a:srcRect/>
+          <a:stretch/>
+        </p:blipFill>
+        <p:spPr>
+          <a:xfrm>
+            <a:off x="2699464" y="175787"/>
+            <a:ext cx="2100417" cy="2997924"/>
           </a:xfrm>
           <a:prstGeom prst="rect">
             <a:avLst/>
@@ -12949,7 +15355,7 @@
     </p:spTree>
     <p:extLst>
       <p:ext uri="{BB962C8B-B14F-4D97-AF65-F5344CB8AC3E}">
-        <p14:creationId xmlns:p14="http://schemas.microsoft.com/office/powerpoint/2010/main" val="3884449088"/>
+        <p14:creationId xmlns:p14="http://schemas.microsoft.com/office/powerpoint/2010/main" val="2829698254"/>
       </p:ext>
     </p:extLst>
   </p:cSld>
@@ -12959,7 +15365,7 @@
 </p:sld>
 </file>
 
-<file path=ppt/slides/slide4.xml><?xml version="1.0" encoding="utf-8"?>
+<file path=ppt/slides/slide5.xml><?xml version="1.0" encoding="utf-8"?>
 <p:sld xmlns:a="http://schemas.openxmlformats.org/drawingml/2006/main" xmlns:r="http://schemas.openxmlformats.org/officeDocument/2006/relationships" xmlns:p="http://schemas.openxmlformats.org/presentationml/2006/main">
   <p:cSld>
     <p:spTree>
@@ -13215,7 +15621,7 @@
       </p:grpSp>
       <p:pic>
         <p:nvPicPr>
-          <p:cNvPr id="23" name="Grafik 22" descr="Ein Bild, das Text enthält.&#10;&#10;Automatisch generierte Beschreibung">
+          <p:cNvPr id="23" name="Grafik 22">
             <a:extLst>
               <a:ext uri="{FF2B5EF4-FFF2-40B4-BE49-F238E27FC236}">
                 <a16:creationId xmlns:a16="http://schemas.microsoft.com/office/drawing/2014/main" id="{331BF243-ADB6-7945-D7D5-358F85B4848D}"/>
@@ -13235,23 +15641,22 @@
               </a:ext>
             </a:extLst>
           </a:blip>
-          <a:stretch>
-            <a:fillRect/>
-          </a:stretch>
-        </p:blipFill>
-        <p:spPr>
-          <a:xfrm>
-            <a:off x="7663747" y="128368"/>
-            <a:ext cx="2100417" cy="3192833"/>
-          </a:xfrm>
-          <a:prstGeom prst="rect">
-            <a:avLst/>
-          </a:prstGeom>
-        </p:spPr>
-      </p:pic>
-      <p:pic>
-        <p:nvPicPr>
-          <p:cNvPr id="24" name="Grafik 23" descr="Ein Bild, das Text enthält.&#10;&#10;Automatisch generierte Beschreibung">
+          <a:srcRect/>
+          <a:stretch/>
+        </p:blipFill>
+        <p:spPr>
+          <a:xfrm>
+            <a:off x="7663747" y="225822"/>
+            <a:ext cx="2100417" cy="2997924"/>
+          </a:xfrm>
+          <a:prstGeom prst="rect">
+            <a:avLst/>
+          </a:prstGeom>
+        </p:spPr>
+      </p:pic>
+      <p:pic>
+        <p:nvPicPr>
+          <p:cNvPr id="24" name="Grafik 23">
             <a:extLst>
               <a:ext uri="{FF2B5EF4-FFF2-40B4-BE49-F238E27FC236}">
                 <a16:creationId xmlns:a16="http://schemas.microsoft.com/office/drawing/2014/main" id="{0055AB54-FF80-03B0-0000-857109FB1D2D}"/>
@@ -13271,23 +15676,22 @@
               </a:ext>
             </a:extLst>
           </a:blip>
-          <a:stretch>
-            <a:fillRect/>
-          </a:stretch>
-        </p:blipFill>
-        <p:spPr>
-          <a:xfrm>
-            <a:off x="5175964" y="128368"/>
-            <a:ext cx="2100417" cy="3192833"/>
-          </a:xfrm>
-          <a:prstGeom prst="rect">
-            <a:avLst/>
-          </a:prstGeom>
-        </p:spPr>
-      </p:pic>
-      <p:pic>
-        <p:nvPicPr>
-          <p:cNvPr id="27" name="Grafik 26" descr="Ein Bild, das Text enthält.&#10;&#10;Automatisch generierte Beschreibung">
+          <a:srcRect/>
+          <a:stretch/>
+        </p:blipFill>
+        <p:spPr>
+          <a:xfrm>
+            <a:off x="5175964" y="225822"/>
+            <a:ext cx="2100417" cy="2997924"/>
+          </a:xfrm>
+          <a:prstGeom prst="rect">
+            <a:avLst/>
+          </a:prstGeom>
+        </p:spPr>
+      </p:pic>
+      <p:pic>
+        <p:nvPicPr>
+          <p:cNvPr id="27" name="Grafik 26">
             <a:extLst>
               <a:ext uri="{FF2B5EF4-FFF2-40B4-BE49-F238E27FC236}">
                 <a16:creationId xmlns:a16="http://schemas.microsoft.com/office/drawing/2014/main" id="{97687640-C8D6-9E95-8BA7-79C30FCF5A98}"/>
@@ -13307,23 +15711,22 @@
               </a:ext>
             </a:extLst>
           </a:blip>
-          <a:stretch>
-            <a:fillRect/>
-          </a:stretch>
-        </p:blipFill>
-        <p:spPr>
-          <a:xfrm>
-            <a:off x="201815" y="3572746"/>
-            <a:ext cx="2100417" cy="3192833"/>
-          </a:xfrm>
-          <a:prstGeom prst="rect">
-            <a:avLst/>
-          </a:prstGeom>
-        </p:spPr>
-      </p:pic>
-      <p:pic>
-        <p:nvPicPr>
-          <p:cNvPr id="28" name="Grafik 27" descr="Ein Bild, das Text enthält.&#10;&#10;Automatisch generierte Beschreibung">
+          <a:srcRect/>
+          <a:stretch/>
+        </p:blipFill>
+        <p:spPr>
+          <a:xfrm>
+            <a:off x="167165" y="3644537"/>
+            <a:ext cx="2100417" cy="2997924"/>
+          </a:xfrm>
+          <a:prstGeom prst="rect">
+            <a:avLst/>
+          </a:prstGeom>
+        </p:spPr>
+      </p:pic>
+      <p:pic>
+        <p:nvPicPr>
+          <p:cNvPr id="28" name="Grafik 27">
             <a:extLst>
               <a:ext uri="{FF2B5EF4-FFF2-40B4-BE49-F238E27FC236}">
                 <a16:creationId xmlns:a16="http://schemas.microsoft.com/office/drawing/2014/main" id="{34D1CFA8-9824-65E2-F75E-69ADFDDA5492}"/>
@@ -13343,23 +15746,22 @@
               </a:ext>
             </a:extLst>
           </a:blip>
-          <a:stretch>
-            <a:fillRect/>
-          </a:stretch>
-        </p:blipFill>
-        <p:spPr>
-          <a:xfrm>
-            <a:off x="2765449" y="3572746"/>
-            <a:ext cx="2100417" cy="3192833"/>
-          </a:xfrm>
-          <a:prstGeom prst="rect">
-            <a:avLst/>
-          </a:prstGeom>
-        </p:spPr>
-      </p:pic>
-      <p:pic>
-        <p:nvPicPr>
-          <p:cNvPr id="29" name="Grafik 28" descr="Ein Bild, das Text enthält.&#10;&#10;Automatisch generierte Beschreibung">
+          <a:srcRect/>
+          <a:stretch/>
+        </p:blipFill>
+        <p:spPr>
+          <a:xfrm>
+            <a:off x="2699463" y="3644536"/>
+            <a:ext cx="2100417" cy="2997924"/>
+          </a:xfrm>
+          <a:prstGeom prst="rect">
+            <a:avLst/>
+          </a:prstGeom>
+        </p:spPr>
+      </p:pic>
+      <p:pic>
+        <p:nvPicPr>
+          <p:cNvPr id="29" name="Grafik 28">
             <a:extLst>
               <a:ext uri="{FF2B5EF4-FFF2-40B4-BE49-F238E27FC236}">
                 <a16:creationId xmlns:a16="http://schemas.microsoft.com/office/drawing/2014/main" id="{666D0824-23B6-F652-5F67-D8CC2CFB3B46}"/>
@@ -13379,23 +15781,22 @@
               </a:ext>
             </a:extLst>
           </a:blip>
-          <a:stretch>
-            <a:fillRect/>
-          </a:stretch>
-        </p:blipFill>
-        <p:spPr>
-          <a:xfrm>
-            <a:off x="5127268" y="3572746"/>
-            <a:ext cx="2100417" cy="3192833"/>
-          </a:xfrm>
-          <a:prstGeom prst="rect">
-            <a:avLst/>
-          </a:prstGeom>
-        </p:spPr>
-      </p:pic>
-      <p:pic>
-        <p:nvPicPr>
-          <p:cNvPr id="30" name="Grafik 29" descr="Ein Bild, das Text enthält.&#10;&#10;Automatisch generierte Beschreibung">
+          <a:srcRect/>
+          <a:stretch/>
+        </p:blipFill>
+        <p:spPr>
+          <a:xfrm>
+            <a:off x="5175964" y="3644537"/>
+            <a:ext cx="2100417" cy="2997924"/>
+          </a:xfrm>
+          <a:prstGeom prst="rect">
+            <a:avLst/>
+          </a:prstGeom>
+        </p:spPr>
+      </p:pic>
+      <p:pic>
+        <p:nvPicPr>
+          <p:cNvPr id="30" name="Grafik 29">
             <a:extLst>
               <a:ext uri="{FF2B5EF4-FFF2-40B4-BE49-F238E27FC236}">
                 <a16:creationId xmlns:a16="http://schemas.microsoft.com/office/drawing/2014/main" id="{4D220736-91FB-1C79-B5F2-B2EBF6578523}"/>
@@ -13415,23 +15816,22 @@
               </a:ext>
             </a:extLst>
           </a:blip>
-          <a:stretch>
-            <a:fillRect/>
-          </a:stretch>
-        </p:blipFill>
-        <p:spPr>
-          <a:xfrm>
-            <a:off x="7690902" y="3572746"/>
-            <a:ext cx="2100417" cy="3192833"/>
-          </a:xfrm>
-          <a:prstGeom prst="rect">
-            <a:avLst/>
-          </a:prstGeom>
-        </p:spPr>
-      </p:pic>
-      <p:pic>
-        <p:nvPicPr>
-          <p:cNvPr id="31" name="Grafik 30" descr="Ein Bild, das Text enthält.&#10;&#10;Automatisch generierte Beschreibung">
+          <a:srcRect/>
+          <a:stretch/>
+        </p:blipFill>
+        <p:spPr>
+          <a:xfrm>
+            <a:off x="7690902" y="3670200"/>
+            <a:ext cx="2100417" cy="2997924"/>
+          </a:xfrm>
+          <a:prstGeom prst="rect">
+            <a:avLst/>
+          </a:prstGeom>
+        </p:spPr>
+      </p:pic>
+      <p:pic>
+        <p:nvPicPr>
+          <p:cNvPr id="31" name="Grafik 30">
             <a:extLst>
               <a:ext uri="{FF2B5EF4-FFF2-40B4-BE49-F238E27FC236}">
                 <a16:creationId xmlns:a16="http://schemas.microsoft.com/office/drawing/2014/main" id="{47641E41-28A3-13F7-7890-B3CC1245E87B}"/>
@@ -13451,23 +15851,22 @@
               </a:ext>
             </a:extLst>
           </a:blip>
-          <a:stretch>
-            <a:fillRect/>
-          </a:stretch>
-        </p:blipFill>
-        <p:spPr>
-          <a:xfrm>
-            <a:off x="135830" y="78333"/>
-            <a:ext cx="2100417" cy="3192833"/>
-          </a:xfrm>
-          <a:prstGeom prst="rect">
-            <a:avLst/>
-          </a:prstGeom>
-        </p:spPr>
-      </p:pic>
-      <p:pic>
-        <p:nvPicPr>
-          <p:cNvPr id="32" name="Grafik 31" descr="Ein Bild, das Text enthält.&#10;&#10;Automatisch generierte Beschreibung">
+          <a:srcRect/>
+          <a:stretch/>
+        </p:blipFill>
+        <p:spPr>
+          <a:xfrm>
+            <a:off x="167165" y="175787"/>
+            <a:ext cx="2100417" cy="2997924"/>
+          </a:xfrm>
+          <a:prstGeom prst="rect">
+            <a:avLst/>
+          </a:prstGeom>
+        </p:spPr>
+      </p:pic>
+      <p:pic>
+        <p:nvPicPr>
+          <p:cNvPr id="32" name="Grafik 31">
             <a:extLst>
               <a:ext uri="{FF2B5EF4-FFF2-40B4-BE49-F238E27FC236}">
                 <a16:creationId xmlns:a16="http://schemas.microsoft.com/office/drawing/2014/main" id="{C9C62D77-6006-BF10-1E90-2DA1874982D5}"/>
@@ -13487,14 +15886,13 @@
               </a:ext>
             </a:extLst>
           </a:blip>
-          <a:stretch>
-            <a:fillRect/>
-          </a:stretch>
-        </p:blipFill>
-        <p:spPr>
-          <a:xfrm>
-            <a:off x="2699464" y="78333"/>
-            <a:ext cx="2100417" cy="3192833"/>
+          <a:srcRect/>
+          <a:stretch/>
+        </p:blipFill>
+        <p:spPr>
+          <a:xfrm>
+            <a:off x="2699464" y="175787"/>
+            <a:ext cx="2100417" cy="2997924"/>
           </a:xfrm>
           <a:prstGeom prst="rect">
             <a:avLst/>
@@ -13504,7 +15902,7 @@
     </p:spTree>
     <p:extLst>
       <p:ext uri="{BB962C8B-B14F-4D97-AF65-F5344CB8AC3E}">
-        <p14:creationId xmlns:p14="http://schemas.microsoft.com/office/powerpoint/2010/main" val="2767103102"/>
+        <p14:creationId xmlns:p14="http://schemas.microsoft.com/office/powerpoint/2010/main" val="1594041073"/>
       </p:ext>
     </p:extLst>
   </p:cSld>
@@ -13514,7 +15912,7 @@
 </p:sld>
 </file>
 
-<file path=ppt/slides/slide5.xml><?xml version="1.0" encoding="utf-8"?>
+<file path=ppt/slides/slide6.xml><?xml version="1.0" encoding="utf-8"?>
 <p:sld xmlns:a="http://schemas.openxmlformats.org/drawingml/2006/main" xmlns:r="http://schemas.openxmlformats.org/officeDocument/2006/relationships" xmlns:p="http://schemas.openxmlformats.org/presentationml/2006/main">
   <p:cSld>
     <p:spTree>
@@ -13795,8 +16193,8 @@
         </p:blipFill>
         <p:spPr>
           <a:xfrm>
-            <a:off x="7663747" y="225822"/>
-            <a:ext cx="2100417" cy="2997924"/>
+            <a:off x="7685007" y="225822"/>
+            <a:ext cx="2057897" cy="2997924"/>
           </a:xfrm>
           <a:prstGeom prst="rect">
             <a:avLst/>
@@ -13830,8 +16228,8 @@
         </p:blipFill>
         <p:spPr>
           <a:xfrm>
-            <a:off x="5175964" y="225822"/>
-            <a:ext cx="2100417" cy="2997924"/>
+            <a:off x="5197224" y="225822"/>
+            <a:ext cx="2057897" cy="2997924"/>
           </a:xfrm>
           <a:prstGeom prst="rect">
             <a:avLst/>
@@ -13865,8 +16263,8 @@
         </p:blipFill>
         <p:spPr>
           <a:xfrm>
-            <a:off x="167165" y="3644537"/>
-            <a:ext cx="2100417" cy="2997924"/>
+            <a:off x="188425" y="3644537"/>
+            <a:ext cx="2057897" cy="2997924"/>
           </a:xfrm>
           <a:prstGeom prst="rect">
             <a:avLst/>
@@ -13900,8 +16298,8 @@
         </p:blipFill>
         <p:spPr>
           <a:xfrm>
-            <a:off x="2699463" y="3644536"/>
-            <a:ext cx="2100417" cy="2997924"/>
+            <a:off x="2720723" y="3644536"/>
+            <a:ext cx="2057897" cy="2997924"/>
           </a:xfrm>
           <a:prstGeom prst="rect">
             <a:avLst/>
@@ -13935,8 +16333,8 @@
         </p:blipFill>
         <p:spPr>
           <a:xfrm>
-            <a:off x="5175964" y="3644537"/>
-            <a:ext cx="2100417" cy="2997924"/>
+            <a:off x="5197224" y="3644537"/>
+            <a:ext cx="2057897" cy="2997924"/>
           </a:xfrm>
           <a:prstGeom prst="rect">
             <a:avLst/>
@@ -13970,8 +16368,8 @@
         </p:blipFill>
         <p:spPr>
           <a:xfrm>
-            <a:off x="7690902" y="3670200"/>
-            <a:ext cx="2100417" cy="2997924"/>
+            <a:off x="7712162" y="3670200"/>
+            <a:ext cx="2057897" cy="2997924"/>
           </a:xfrm>
           <a:prstGeom prst="rect">
             <a:avLst/>
@@ -14005,8 +16403,8 @@
         </p:blipFill>
         <p:spPr>
           <a:xfrm>
-            <a:off x="167165" y="175787"/>
-            <a:ext cx="2100417" cy="2997924"/>
+            <a:off x="188425" y="175787"/>
+            <a:ext cx="2057897" cy="2997924"/>
           </a:xfrm>
           <a:prstGeom prst="rect">
             <a:avLst/>
@@ -14040,8 +16438,8 @@
         </p:blipFill>
         <p:spPr>
           <a:xfrm>
-            <a:off x="2699464" y="175787"/>
-            <a:ext cx="2100417" cy="2997924"/>
+            <a:off x="2720724" y="175787"/>
+            <a:ext cx="2057897" cy="2997924"/>
           </a:xfrm>
           <a:prstGeom prst="rect">
             <a:avLst/>
@@ -14051,7 +16449,7 @@
     </p:spTree>
     <p:extLst>
       <p:ext uri="{BB962C8B-B14F-4D97-AF65-F5344CB8AC3E}">
-        <p14:creationId xmlns:p14="http://schemas.microsoft.com/office/powerpoint/2010/main" val="2829698254"/>
+        <p14:creationId xmlns:p14="http://schemas.microsoft.com/office/powerpoint/2010/main" val="743021802"/>
       </p:ext>
     </p:extLst>
   </p:cSld>
@@ -14061,7 +16459,7 @@
 </p:sld>
 </file>
 
-<file path=ppt/slides/slide6.xml><?xml version="1.0" encoding="utf-8"?>
+<file path=ppt/slides/slide7.xml><?xml version="1.0" encoding="utf-8"?>
 <p:sld xmlns:a="http://schemas.openxmlformats.org/drawingml/2006/main" xmlns:r="http://schemas.openxmlformats.org/officeDocument/2006/relationships" xmlns:p="http://schemas.openxmlformats.org/presentationml/2006/main">
   <p:cSld>
     <p:spTree>
@@ -14342,8 +16740,8 @@
         </p:blipFill>
         <p:spPr>
           <a:xfrm>
-            <a:off x="7663747" y="225822"/>
-            <a:ext cx="2100417" cy="2997924"/>
+            <a:off x="7685007" y="225822"/>
+            <a:ext cx="2057897" cy="2997924"/>
           </a:xfrm>
           <a:prstGeom prst="rect">
             <a:avLst/>
@@ -14377,8 +16775,8 @@
         </p:blipFill>
         <p:spPr>
           <a:xfrm>
-            <a:off x="5175964" y="225822"/>
-            <a:ext cx="2100417" cy="2997924"/>
+            <a:off x="5197224" y="225822"/>
+            <a:ext cx="2057897" cy="2997924"/>
           </a:xfrm>
           <a:prstGeom prst="rect">
             <a:avLst/>
@@ -14412,8 +16810,8 @@
         </p:blipFill>
         <p:spPr>
           <a:xfrm>
-            <a:off x="167165" y="3644537"/>
-            <a:ext cx="2100417" cy="2997924"/>
+            <a:off x="188425" y="3644537"/>
+            <a:ext cx="2057897" cy="2997924"/>
           </a:xfrm>
           <a:prstGeom prst="rect">
             <a:avLst/>
@@ -14447,8 +16845,8 @@
         </p:blipFill>
         <p:spPr>
           <a:xfrm>
-            <a:off x="2699463" y="3644536"/>
-            <a:ext cx="2100417" cy="2997924"/>
+            <a:off x="2720723" y="3644536"/>
+            <a:ext cx="2057897" cy="2997924"/>
           </a:xfrm>
           <a:prstGeom prst="rect">
             <a:avLst/>
@@ -14482,8 +16880,8 @@
         </p:blipFill>
         <p:spPr>
           <a:xfrm>
-            <a:off x="5175964" y="3644537"/>
-            <a:ext cx="2100417" cy="2997924"/>
+            <a:off x="5197224" y="3644537"/>
+            <a:ext cx="2057897" cy="2997924"/>
           </a:xfrm>
           <a:prstGeom prst="rect">
             <a:avLst/>
@@ -14517,8 +16915,8 @@
         </p:blipFill>
         <p:spPr>
           <a:xfrm>
-            <a:off x="7690902" y="3670200"/>
-            <a:ext cx="2100417" cy="2997924"/>
+            <a:off x="7712162" y="3670200"/>
+            <a:ext cx="2057897" cy="2997924"/>
           </a:xfrm>
           <a:prstGeom prst="rect">
             <a:avLst/>
@@ -14552,8 +16950,8 @@
         </p:blipFill>
         <p:spPr>
           <a:xfrm>
-            <a:off x="167165" y="175787"/>
-            <a:ext cx="2100417" cy="2997924"/>
+            <a:off x="188425" y="175787"/>
+            <a:ext cx="2057897" cy="2997924"/>
           </a:xfrm>
           <a:prstGeom prst="rect">
             <a:avLst/>
@@ -14587,8 +16985,8 @@
         </p:blipFill>
         <p:spPr>
           <a:xfrm>
-            <a:off x="2699464" y="175787"/>
-            <a:ext cx="2100417" cy="2997924"/>
+            <a:off x="2720724" y="175787"/>
+            <a:ext cx="2057897" cy="2997924"/>
           </a:xfrm>
           <a:prstGeom prst="rect">
             <a:avLst/>
@@ -14598,7 +16996,7 @@
     </p:spTree>
     <p:extLst>
       <p:ext uri="{BB962C8B-B14F-4D97-AF65-F5344CB8AC3E}">
-        <p14:creationId xmlns:p14="http://schemas.microsoft.com/office/powerpoint/2010/main" val="1594041073"/>
+        <p14:creationId xmlns:p14="http://schemas.microsoft.com/office/powerpoint/2010/main" val="592331313"/>
       </p:ext>
     </p:extLst>
   </p:cSld>
@@ -14608,7 +17006,7 @@
 </p:sld>
 </file>
 
-<file path=ppt/slides/slide7.xml><?xml version="1.0" encoding="utf-8"?>
+<file path=ppt/slides/slide8.xml><?xml version="1.0" encoding="utf-8"?>
 <p:sld xmlns:a="http://schemas.openxmlformats.org/drawingml/2006/main" xmlns:r="http://schemas.openxmlformats.org/officeDocument/2006/relationships" xmlns:p="http://schemas.openxmlformats.org/presentationml/2006/main">
   <p:cSld>
     <p:spTree>
@@ -14889,8 +17287,8 @@
         </p:blipFill>
         <p:spPr>
           <a:xfrm>
-            <a:off x="7685007" y="225822"/>
-            <a:ext cx="2057897" cy="2997924"/>
+            <a:off x="7663747" y="218338"/>
+            <a:ext cx="2100417" cy="3012893"/>
           </a:xfrm>
           <a:prstGeom prst="rect">
             <a:avLst/>
@@ -14924,8 +17322,8 @@
         </p:blipFill>
         <p:spPr>
           <a:xfrm>
-            <a:off x="5197224" y="225822"/>
-            <a:ext cx="2057897" cy="2997924"/>
+            <a:off x="5175964" y="218338"/>
+            <a:ext cx="2100417" cy="3012893"/>
           </a:xfrm>
           <a:prstGeom prst="rect">
             <a:avLst/>
@@ -14959,8 +17357,8 @@
         </p:blipFill>
         <p:spPr>
           <a:xfrm>
-            <a:off x="188425" y="3644537"/>
-            <a:ext cx="2057897" cy="2997924"/>
+            <a:off x="167165" y="3637053"/>
+            <a:ext cx="2100417" cy="3012893"/>
           </a:xfrm>
           <a:prstGeom prst="rect">
             <a:avLst/>
@@ -14994,8 +17392,8 @@
         </p:blipFill>
         <p:spPr>
           <a:xfrm>
-            <a:off x="2720723" y="3644536"/>
-            <a:ext cx="2057897" cy="2997924"/>
+            <a:off x="2699463" y="3637052"/>
+            <a:ext cx="2100417" cy="3012893"/>
           </a:xfrm>
           <a:prstGeom prst="rect">
             <a:avLst/>
@@ -15029,8 +17427,8 @@
         </p:blipFill>
         <p:spPr>
           <a:xfrm>
-            <a:off x="5197224" y="3644537"/>
-            <a:ext cx="2057897" cy="2997924"/>
+            <a:off x="5175964" y="3637053"/>
+            <a:ext cx="2100417" cy="3012893"/>
           </a:xfrm>
           <a:prstGeom prst="rect">
             <a:avLst/>
@@ -15064,8 +17462,8 @@
         </p:blipFill>
         <p:spPr>
           <a:xfrm>
-            <a:off x="7712162" y="3670200"/>
-            <a:ext cx="2057897" cy="2997924"/>
+            <a:off x="7690902" y="3662716"/>
+            <a:ext cx="2100417" cy="3012893"/>
           </a:xfrm>
           <a:prstGeom prst="rect">
             <a:avLst/>
@@ -15099,8 +17497,8 @@
         </p:blipFill>
         <p:spPr>
           <a:xfrm>
-            <a:off x="188425" y="175787"/>
-            <a:ext cx="2057897" cy="2997924"/>
+            <a:off x="167165" y="168303"/>
+            <a:ext cx="2100417" cy="3012893"/>
           </a:xfrm>
           <a:prstGeom prst="rect">
             <a:avLst/>
@@ -15134,8 +17532,8 @@
         </p:blipFill>
         <p:spPr>
           <a:xfrm>
-            <a:off x="2720724" y="175787"/>
-            <a:ext cx="2057897" cy="2997924"/>
+            <a:off x="2699464" y="168303"/>
+            <a:ext cx="2100417" cy="3012893"/>
           </a:xfrm>
           <a:prstGeom prst="rect">
             <a:avLst/>
@@ -15145,7 +17543,7 @@
     </p:spTree>
     <p:extLst>
       <p:ext uri="{BB962C8B-B14F-4D97-AF65-F5344CB8AC3E}">
-        <p14:creationId xmlns:p14="http://schemas.microsoft.com/office/powerpoint/2010/main" val="743021802"/>
+        <p14:creationId xmlns:p14="http://schemas.microsoft.com/office/powerpoint/2010/main" val="3784672064"/>
       </p:ext>
     </p:extLst>
   </p:cSld>
@@ -15155,7 +17553,7 @@
 </p:sld>
 </file>
 
-<file path=ppt/slides/slide8.xml><?xml version="1.0" encoding="utf-8"?>
+<file path=ppt/slides/slide9.xml><?xml version="1.0" encoding="utf-8"?>
 <p:sld xmlns:a="http://schemas.openxmlformats.org/drawingml/2006/main" xmlns:r="http://schemas.openxmlformats.org/officeDocument/2006/relationships" xmlns:p="http://schemas.openxmlformats.org/presentationml/2006/main">
   <p:cSld>
     <p:spTree>
@@ -15436,8 +17834,8 @@
         </p:blipFill>
         <p:spPr>
           <a:xfrm>
-            <a:off x="7685007" y="225822"/>
-            <a:ext cx="2057897" cy="2997924"/>
+            <a:off x="7670591" y="218338"/>
+            <a:ext cx="2086728" cy="3012893"/>
           </a:xfrm>
           <a:prstGeom prst="rect">
             <a:avLst/>
@@ -15471,8 +17869,8 @@
         </p:blipFill>
         <p:spPr>
           <a:xfrm>
-            <a:off x="5197224" y="225822"/>
-            <a:ext cx="2057897" cy="2997924"/>
+            <a:off x="5182808" y="218338"/>
+            <a:ext cx="2086728" cy="3012893"/>
           </a:xfrm>
           <a:prstGeom prst="rect">
             <a:avLst/>
@@ -15494,7 +17892,7 @@
           <p:nvPr/>
         </p:nvPicPr>
         <p:blipFill>
-          <a:blip r:embed="rId2">
+          <a:blip r:embed="rId3">
             <a:extLst>
               <a:ext uri="{28A0092B-C50C-407E-A947-70E740481C1C}">
                 <a14:useLocalDpi xmlns:a14="http://schemas.microsoft.com/office/drawing/2010/main" val="0"/>
@@ -15506,8 +17904,8 @@
         </p:blipFill>
         <p:spPr>
           <a:xfrm>
-            <a:off x="188425" y="3644537"/>
-            <a:ext cx="2057897" cy="2997924"/>
+            <a:off x="225533" y="3637053"/>
+            <a:ext cx="1983679" cy="3012893"/>
           </a:xfrm>
           <a:prstGeom prst="rect">
             <a:avLst/>
@@ -15529,7 +17927,7 @@
           <p:nvPr/>
         </p:nvPicPr>
         <p:blipFill>
-          <a:blip r:embed="rId2">
+          <a:blip r:embed="rId3">
             <a:extLst>
               <a:ext uri="{28A0092B-C50C-407E-A947-70E740481C1C}">
                 <a14:useLocalDpi xmlns:a14="http://schemas.microsoft.com/office/drawing/2010/main" val="0"/>
@@ -15541,8 +17939,8 @@
         </p:blipFill>
         <p:spPr>
           <a:xfrm>
-            <a:off x="2720723" y="3644536"/>
-            <a:ext cx="2057897" cy="2997924"/>
+            <a:off x="2757832" y="3637052"/>
+            <a:ext cx="1983679" cy="3012893"/>
           </a:xfrm>
           <a:prstGeom prst="rect">
             <a:avLst/>
@@ -15564,7 +17962,7 @@
           <p:nvPr/>
         </p:nvPicPr>
         <p:blipFill>
-          <a:blip r:embed="rId2">
+          <a:blip r:embed="rId3">
             <a:extLst>
               <a:ext uri="{28A0092B-C50C-407E-A947-70E740481C1C}">
                 <a14:useLocalDpi xmlns:a14="http://schemas.microsoft.com/office/drawing/2010/main" val="0"/>
@@ -15576,8 +17974,8 @@
         </p:blipFill>
         <p:spPr>
           <a:xfrm>
-            <a:off x="5197224" y="3644537"/>
-            <a:ext cx="2057897" cy="2997924"/>
+            <a:off x="5234333" y="3637053"/>
+            <a:ext cx="1983679" cy="3012893"/>
           </a:xfrm>
           <a:prstGeom prst="rect">
             <a:avLst/>
@@ -15599,7 +17997,7 @@
           <p:nvPr/>
         </p:nvPicPr>
         <p:blipFill>
-          <a:blip r:embed="rId2">
+          <a:blip r:embed="rId3">
             <a:extLst>
               <a:ext uri="{28A0092B-C50C-407E-A947-70E740481C1C}">
                 <a14:useLocalDpi xmlns:a14="http://schemas.microsoft.com/office/drawing/2010/main" val="0"/>
@@ -15611,8 +18009,8 @@
         </p:blipFill>
         <p:spPr>
           <a:xfrm>
-            <a:off x="7712162" y="3670200"/>
-            <a:ext cx="2057897" cy="2997924"/>
+            <a:off x="7773640" y="3626769"/>
+            <a:ext cx="1983679" cy="3012893"/>
           </a:xfrm>
           <a:prstGeom prst="rect">
             <a:avLst/>
@@ -15646,8 +18044,8 @@
         </p:blipFill>
         <p:spPr>
           <a:xfrm>
-            <a:off x="188425" y="175787"/>
-            <a:ext cx="2057897" cy="2997924"/>
+            <a:off x="174009" y="168303"/>
+            <a:ext cx="2086728" cy="3012893"/>
           </a:xfrm>
           <a:prstGeom prst="rect">
             <a:avLst/>
@@ -15681,8 +18079,8 @@
         </p:blipFill>
         <p:spPr>
           <a:xfrm>
-            <a:off x="2720724" y="175787"/>
-            <a:ext cx="2057897" cy="2997924"/>
+            <a:off x="2706308" y="168303"/>
+            <a:ext cx="2086728" cy="3012893"/>
           </a:xfrm>
           <a:prstGeom prst="rect">
             <a:avLst/>
@@ -15692,554 +18090,7 @@
     </p:spTree>
     <p:extLst>
       <p:ext uri="{BB962C8B-B14F-4D97-AF65-F5344CB8AC3E}">
-        <p14:creationId xmlns:p14="http://schemas.microsoft.com/office/powerpoint/2010/main" val="592331313"/>
-      </p:ext>
-    </p:extLst>
-  </p:cSld>
-  <p:clrMapOvr>
-    <a:masterClrMapping/>
-  </p:clrMapOvr>
-</p:sld>
-</file>
-
-<file path=ppt/slides/slide9.xml><?xml version="1.0" encoding="utf-8"?>
-<p:sld xmlns:a="http://schemas.openxmlformats.org/drawingml/2006/main" xmlns:r="http://schemas.openxmlformats.org/officeDocument/2006/relationships" xmlns:p="http://schemas.openxmlformats.org/presentationml/2006/main">
-  <p:cSld>
-    <p:spTree>
-      <p:nvGrpSpPr>
-        <p:cNvPr id="1" name=""/>
-        <p:cNvGrpSpPr/>
-        <p:nvPr/>
-      </p:nvGrpSpPr>
-      <p:grpSpPr>
-        <a:xfrm>
-          <a:off x="0" y="0"/>
-          <a:ext cx="0" cy="0"/>
-          <a:chOff x="0" y="0"/>
-          <a:chExt cx="0" cy="0"/>
-        </a:xfrm>
-      </p:grpSpPr>
-      <p:grpSp>
-        <p:nvGrpSpPr>
-          <p:cNvPr id="6" name="Gruppieren 5">
-            <a:extLst>
-              <a:ext uri="{FF2B5EF4-FFF2-40B4-BE49-F238E27FC236}">
-                <a16:creationId xmlns:a16="http://schemas.microsoft.com/office/drawing/2014/main" id="{8AF8EB73-1A83-6ACA-58E3-3CBE12DED657}"/>
-              </a:ext>
-            </a:extLst>
-          </p:cNvPr>
-          <p:cNvGrpSpPr/>
-          <p:nvPr/>
-        </p:nvGrpSpPr>
-        <p:grpSpPr>
-          <a:xfrm>
-            <a:off x="0" y="0"/>
-            <a:ext cx="9906000" cy="6858000"/>
-            <a:chOff x="0" y="0"/>
-            <a:chExt cx="9906000" cy="6858000"/>
-          </a:xfrm>
-        </p:grpSpPr>
-        <p:sp>
-          <p:nvSpPr>
-            <p:cNvPr id="2" name="Rechteck 1">
-              <a:extLst>
-                <a:ext uri="{FF2B5EF4-FFF2-40B4-BE49-F238E27FC236}">
-                  <a16:creationId xmlns:a16="http://schemas.microsoft.com/office/drawing/2014/main" id="{1759E243-7DA1-8B1D-1622-712537D2DEA7}"/>
-                </a:ext>
-              </a:extLst>
-            </p:cNvPr>
-            <p:cNvSpPr/>
-            <p:nvPr/>
-          </p:nvSpPr>
-          <p:spPr>
-            <a:xfrm>
-              <a:off x="0" y="0"/>
-              <a:ext cx="4953000" cy="3429000"/>
-            </a:xfrm>
-            <a:prstGeom prst="rect">
-              <a:avLst/>
-            </a:prstGeom>
-            <a:solidFill>
-              <a:schemeClr val="bg1"/>
-            </a:solidFill>
-            <a:ln>
-              <a:solidFill>
-                <a:schemeClr val="bg2"/>
-              </a:solidFill>
-            </a:ln>
-          </p:spPr>
-          <p:style>
-            <a:lnRef idx="2">
-              <a:schemeClr val="accent1">
-                <a:shade val="50000"/>
-              </a:schemeClr>
-            </a:lnRef>
-            <a:fillRef idx="1">
-              <a:schemeClr val="accent1"/>
-            </a:fillRef>
-            <a:effectRef idx="0">
-              <a:schemeClr val="accent1"/>
-            </a:effectRef>
-            <a:fontRef idx="minor">
-              <a:schemeClr val="lt1"/>
-            </a:fontRef>
-          </p:style>
-          <p:txBody>
-            <a:bodyPr rtlCol="0" anchor="ctr"/>
-            <a:lstStyle/>
-            <a:p>
-              <a:pPr algn="ctr"/>
-              <a:endParaRPr lang="en-US"/>
-            </a:p>
-          </p:txBody>
-        </p:sp>
-        <p:sp>
-          <p:nvSpPr>
-            <p:cNvPr id="3" name="Rechteck 2">
-              <a:extLst>
-                <a:ext uri="{FF2B5EF4-FFF2-40B4-BE49-F238E27FC236}">
-                  <a16:creationId xmlns:a16="http://schemas.microsoft.com/office/drawing/2014/main" id="{06A885F0-0746-35D0-FC3E-DF02718BDA06}"/>
-                </a:ext>
-              </a:extLst>
-            </p:cNvPr>
-            <p:cNvSpPr/>
-            <p:nvPr/>
-          </p:nvSpPr>
-          <p:spPr>
-            <a:xfrm>
-              <a:off x="0" y="3429000"/>
-              <a:ext cx="4953000" cy="3429000"/>
-            </a:xfrm>
-            <a:prstGeom prst="rect">
-              <a:avLst/>
-            </a:prstGeom>
-            <a:solidFill>
-              <a:schemeClr val="bg1"/>
-            </a:solidFill>
-            <a:ln>
-              <a:solidFill>
-                <a:schemeClr val="bg2"/>
-              </a:solidFill>
-            </a:ln>
-          </p:spPr>
-          <p:style>
-            <a:lnRef idx="2">
-              <a:schemeClr val="accent1">
-                <a:shade val="50000"/>
-              </a:schemeClr>
-            </a:lnRef>
-            <a:fillRef idx="1">
-              <a:schemeClr val="accent1"/>
-            </a:fillRef>
-            <a:effectRef idx="0">
-              <a:schemeClr val="accent1"/>
-            </a:effectRef>
-            <a:fontRef idx="minor">
-              <a:schemeClr val="lt1"/>
-            </a:fontRef>
-          </p:style>
-          <p:txBody>
-            <a:bodyPr rtlCol="0" anchor="ctr"/>
-            <a:lstStyle/>
-            <a:p>
-              <a:pPr algn="ctr"/>
-              <a:endParaRPr lang="en-US"/>
-            </a:p>
-          </p:txBody>
-        </p:sp>
-        <p:sp>
-          <p:nvSpPr>
-            <p:cNvPr id="4" name="Rechteck 3">
-              <a:extLst>
-                <a:ext uri="{FF2B5EF4-FFF2-40B4-BE49-F238E27FC236}">
-                  <a16:creationId xmlns:a16="http://schemas.microsoft.com/office/drawing/2014/main" id="{C01B18E7-2D9F-2070-BC26-C9957C83AAFC}"/>
-                </a:ext>
-              </a:extLst>
-            </p:cNvPr>
-            <p:cNvSpPr/>
-            <p:nvPr/>
-          </p:nvSpPr>
-          <p:spPr>
-            <a:xfrm>
-              <a:off x="4953000" y="0"/>
-              <a:ext cx="4953000" cy="3429000"/>
-            </a:xfrm>
-            <a:prstGeom prst="rect">
-              <a:avLst/>
-            </a:prstGeom>
-            <a:solidFill>
-              <a:schemeClr val="bg1"/>
-            </a:solidFill>
-            <a:ln>
-              <a:solidFill>
-                <a:schemeClr val="bg2"/>
-              </a:solidFill>
-            </a:ln>
-          </p:spPr>
-          <p:style>
-            <a:lnRef idx="2">
-              <a:schemeClr val="accent1">
-                <a:shade val="50000"/>
-              </a:schemeClr>
-            </a:lnRef>
-            <a:fillRef idx="1">
-              <a:schemeClr val="accent1"/>
-            </a:fillRef>
-            <a:effectRef idx="0">
-              <a:schemeClr val="accent1"/>
-            </a:effectRef>
-            <a:fontRef idx="minor">
-              <a:schemeClr val="lt1"/>
-            </a:fontRef>
-          </p:style>
-          <p:txBody>
-            <a:bodyPr rtlCol="0" anchor="ctr"/>
-            <a:lstStyle/>
-            <a:p>
-              <a:pPr algn="ctr"/>
-              <a:endParaRPr lang="en-US"/>
-            </a:p>
-          </p:txBody>
-        </p:sp>
-        <p:sp>
-          <p:nvSpPr>
-            <p:cNvPr id="5" name="Rechteck 4">
-              <a:extLst>
-                <a:ext uri="{FF2B5EF4-FFF2-40B4-BE49-F238E27FC236}">
-                  <a16:creationId xmlns:a16="http://schemas.microsoft.com/office/drawing/2014/main" id="{294157C0-9368-577E-7036-89378DEE9FF8}"/>
-                </a:ext>
-              </a:extLst>
-            </p:cNvPr>
-            <p:cNvSpPr/>
-            <p:nvPr/>
-          </p:nvSpPr>
-          <p:spPr>
-            <a:xfrm>
-              <a:off x="4953000" y="3429000"/>
-              <a:ext cx="4953000" cy="3429000"/>
-            </a:xfrm>
-            <a:prstGeom prst="rect">
-              <a:avLst/>
-            </a:prstGeom>
-            <a:solidFill>
-              <a:schemeClr val="bg1"/>
-            </a:solidFill>
-            <a:ln>
-              <a:solidFill>
-                <a:schemeClr val="bg2"/>
-              </a:solidFill>
-            </a:ln>
-          </p:spPr>
-          <p:style>
-            <a:lnRef idx="2">
-              <a:schemeClr val="accent1">
-                <a:shade val="50000"/>
-              </a:schemeClr>
-            </a:lnRef>
-            <a:fillRef idx="1">
-              <a:schemeClr val="accent1"/>
-            </a:fillRef>
-            <a:effectRef idx="0">
-              <a:schemeClr val="accent1"/>
-            </a:effectRef>
-            <a:fontRef idx="minor">
-              <a:schemeClr val="lt1"/>
-            </a:fontRef>
-          </p:style>
-          <p:txBody>
-            <a:bodyPr rtlCol="0" anchor="ctr"/>
-            <a:lstStyle/>
-            <a:p>
-              <a:pPr algn="ctr"/>
-              <a:endParaRPr lang="en-US"/>
-            </a:p>
-          </p:txBody>
-        </p:sp>
-      </p:grpSp>
-      <p:pic>
-        <p:nvPicPr>
-          <p:cNvPr id="23" name="Grafik 22">
-            <a:extLst>
-              <a:ext uri="{FF2B5EF4-FFF2-40B4-BE49-F238E27FC236}">
-                <a16:creationId xmlns:a16="http://schemas.microsoft.com/office/drawing/2014/main" id="{331BF243-ADB6-7945-D7D5-358F85B4848D}"/>
-              </a:ext>
-            </a:extLst>
-          </p:cNvPr>
-          <p:cNvPicPr>
-            <a:picLocks noChangeAspect="1"/>
-          </p:cNvPicPr>
-          <p:nvPr/>
-        </p:nvPicPr>
-        <p:blipFill>
-          <a:blip r:embed="rId2">
-            <a:extLst>
-              <a:ext uri="{28A0092B-C50C-407E-A947-70E740481C1C}">
-                <a14:useLocalDpi xmlns:a14="http://schemas.microsoft.com/office/drawing/2010/main" val="0"/>
-              </a:ext>
-            </a:extLst>
-          </a:blip>
-          <a:srcRect/>
-          <a:stretch/>
-        </p:blipFill>
-        <p:spPr>
-          <a:xfrm>
-            <a:off x="7663747" y="218338"/>
-            <a:ext cx="2100417" cy="3012893"/>
-          </a:xfrm>
-          <a:prstGeom prst="rect">
-            <a:avLst/>
-          </a:prstGeom>
-        </p:spPr>
-      </p:pic>
-      <p:pic>
-        <p:nvPicPr>
-          <p:cNvPr id="24" name="Grafik 23">
-            <a:extLst>
-              <a:ext uri="{FF2B5EF4-FFF2-40B4-BE49-F238E27FC236}">
-                <a16:creationId xmlns:a16="http://schemas.microsoft.com/office/drawing/2014/main" id="{0055AB54-FF80-03B0-0000-857109FB1D2D}"/>
-              </a:ext>
-            </a:extLst>
-          </p:cNvPr>
-          <p:cNvPicPr>
-            <a:picLocks noChangeAspect="1"/>
-          </p:cNvPicPr>
-          <p:nvPr/>
-        </p:nvPicPr>
-        <p:blipFill>
-          <a:blip r:embed="rId2">
-            <a:extLst>
-              <a:ext uri="{28A0092B-C50C-407E-A947-70E740481C1C}">
-                <a14:useLocalDpi xmlns:a14="http://schemas.microsoft.com/office/drawing/2010/main" val="0"/>
-              </a:ext>
-            </a:extLst>
-          </a:blip>
-          <a:srcRect/>
-          <a:stretch/>
-        </p:blipFill>
-        <p:spPr>
-          <a:xfrm>
-            <a:off x="5175964" y="218338"/>
-            <a:ext cx="2100417" cy="3012893"/>
-          </a:xfrm>
-          <a:prstGeom prst="rect">
-            <a:avLst/>
-          </a:prstGeom>
-        </p:spPr>
-      </p:pic>
-      <p:pic>
-        <p:nvPicPr>
-          <p:cNvPr id="27" name="Grafik 26">
-            <a:extLst>
-              <a:ext uri="{FF2B5EF4-FFF2-40B4-BE49-F238E27FC236}">
-                <a16:creationId xmlns:a16="http://schemas.microsoft.com/office/drawing/2014/main" id="{97687640-C8D6-9E95-8BA7-79C30FCF5A98}"/>
-              </a:ext>
-            </a:extLst>
-          </p:cNvPr>
-          <p:cNvPicPr>
-            <a:picLocks noChangeAspect="1"/>
-          </p:cNvPicPr>
-          <p:nvPr/>
-        </p:nvPicPr>
-        <p:blipFill>
-          <a:blip r:embed="rId2">
-            <a:extLst>
-              <a:ext uri="{28A0092B-C50C-407E-A947-70E740481C1C}">
-                <a14:useLocalDpi xmlns:a14="http://schemas.microsoft.com/office/drawing/2010/main" val="0"/>
-              </a:ext>
-            </a:extLst>
-          </a:blip>
-          <a:srcRect/>
-          <a:stretch/>
-        </p:blipFill>
-        <p:spPr>
-          <a:xfrm>
-            <a:off x="167165" y="3637053"/>
-            <a:ext cx="2100417" cy="3012893"/>
-          </a:xfrm>
-          <a:prstGeom prst="rect">
-            <a:avLst/>
-          </a:prstGeom>
-        </p:spPr>
-      </p:pic>
-      <p:pic>
-        <p:nvPicPr>
-          <p:cNvPr id="28" name="Grafik 27">
-            <a:extLst>
-              <a:ext uri="{FF2B5EF4-FFF2-40B4-BE49-F238E27FC236}">
-                <a16:creationId xmlns:a16="http://schemas.microsoft.com/office/drawing/2014/main" id="{34D1CFA8-9824-65E2-F75E-69ADFDDA5492}"/>
-              </a:ext>
-            </a:extLst>
-          </p:cNvPr>
-          <p:cNvPicPr>
-            <a:picLocks noChangeAspect="1"/>
-          </p:cNvPicPr>
-          <p:nvPr/>
-        </p:nvPicPr>
-        <p:blipFill>
-          <a:blip r:embed="rId2">
-            <a:extLst>
-              <a:ext uri="{28A0092B-C50C-407E-A947-70E740481C1C}">
-                <a14:useLocalDpi xmlns:a14="http://schemas.microsoft.com/office/drawing/2010/main" val="0"/>
-              </a:ext>
-            </a:extLst>
-          </a:blip>
-          <a:srcRect/>
-          <a:stretch/>
-        </p:blipFill>
-        <p:spPr>
-          <a:xfrm>
-            <a:off x="2699463" y="3637052"/>
-            <a:ext cx="2100417" cy="3012893"/>
-          </a:xfrm>
-          <a:prstGeom prst="rect">
-            <a:avLst/>
-          </a:prstGeom>
-        </p:spPr>
-      </p:pic>
-      <p:pic>
-        <p:nvPicPr>
-          <p:cNvPr id="29" name="Grafik 28">
-            <a:extLst>
-              <a:ext uri="{FF2B5EF4-FFF2-40B4-BE49-F238E27FC236}">
-                <a16:creationId xmlns:a16="http://schemas.microsoft.com/office/drawing/2014/main" id="{666D0824-23B6-F652-5F67-D8CC2CFB3B46}"/>
-              </a:ext>
-            </a:extLst>
-          </p:cNvPr>
-          <p:cNvPicPr>
-            <a:picLocks noChangeAspect="1"/>
-          </p:cNvPicPr>
-          <p:nvPr/>
-        </p:nvPicPr>
-        <p:blipFill>
-          <a:blip r:embed="rId2">
-            <a:extLst>
-              <a:ext uri="{28A0092B-C50C-407E-A947-70E740481C1C}">
-                <a14:useLocalDpi xmlns:a14="http://schemas.microsoft.com/office/drawing/2010/main" val="0"/>
-              </a:ext>
-            </a:extLst>
-          </a:blip>
-          <a:srcRect/>
-          <a:stretch/>
-        </p:blipFill>
-        <p:spPr>
-          <a:xfrm>
-            <a:off x="5175964" y="3637053"/>
-            <a:ext cx="2100417" cy="3012893"/>
-          </a:xfrm>
-          <a:prstGeom prst="rect">
-            <a:avLst/>
-          </a:prstGeom>
-        </p:spPr>
-      </p:pic>
-      <p:pic>
-        <p:nvPicPr>
-          <p:cNvPr id="30" name="Grafik 29">
-            <a:extLst>
-              <a:ext uri="{FF2B5EF4-FFF2-40B4-BE49-F238E27FC236}">
-                <a16:creationId xmlns:a16="http://schemas.microsoft.com/office/drawing/2014/main" id="{4D220736-91FB-1C79-B5F2-B2EBF6578523}"/>
-              </a:ext>
-            </a:extLst>
-          </p:cNvPr>
-          <p:cNvPicPr>
-            <a:picLocks noChangeAspect="1"/>
-          </p:cNvPicPr>
-          <p:nvPr/>
-        </p:nvPicPr>
-        <p:blipFill>
-          <a:blip r:embed="rId2">
-            <a:extLst>
-              <a:ext uri="{28A0092B-C50C-407E-A947-70E740481C1C}">
-                <a14:useLocalDpi xmlns:a14="http://schemas.microsoft.com/office/drawing/2010/main" val="0"/>
-              </a:ext>
-            </a:extLst>
-          </a:blip>
-          <a:srcRect/>
-          <a:stretch/>
-        </p:blipFill>
-        <p:spPr>
-          <a:xfrm>
-            <a:off x="7690902" y="3662716"/>
-            <a:ext cx="2100417" cy="3012893"/>
-          </a:xfrm>
-          <a:prstGeom prst="rect">
-            <a:avLst/>
-          </a:prstGeom>
-        </p:spPr>
-      </p:pic>
-      <p:pic>
-        <p:nvPicPr>
-          <p:cNvPr id="31" name="Grafik 30">
-            <a:extLst>
-              <a:ext uri="{FF2B5EF4-FFF2-40B4-BE49-F238E27FC236}">
-                <a16:creationId xmlns:a16="http://schemas.microsoft.com/office/drawing/2014/main" id="{47641E41-28A3-13F7-7890-B3CC1245E87B}"/>
-              </a:ext>
-            </a:extLst>
-          </p:cNvPr>
-          <p:cNvPicPr>
-            <a:picLocks noChangeAspect="1"/>
-          </p:cNvPicPr>
-          <p:nvPr/>
-        </p:nvPicPr>
-        <p:blipFill>
-          <a:blip r:embed="rId2">
-            <a:extLst>
-              <a:ext uri="{28A0092B-C50C-407E-A947-70E740481C1C}">
-                <a14:useLocalDpi xmlns:a14="http://schemas.microsoft.com/office/drawing/2010/main" val="0"/>
-              </a:ext>
-            </a:extLst>
-          </a:blip>
-          <a:srcRect/>
-          <a:stretch/>
-        </p:blipFill>
-        <p:spPr>
-          <a:xfrm>
-            <a:off x="167165" y="168303"/>
-            <a:ext cx="2100417" cy="3012893"/>
-          </a:xfrm>
-          <a:prstGeom prst="rect">
-            <a:avLst/>
-          </a:prstGeom>
-        </p:spPr>
-      </p:pic>
-      <p:pic>
-        <p:nvPicPr>
-          <p:cNvPr id="32" name="Grafik 31">
-            <a:extLst>
-              <a:ext uri="{FF2B5EF4-FFF2-40B4-BE49-F238E27FC236}">
-                <a16:creationId xmlns:a16="http://schemas.microsoft.com/office/drawing/2014/main" id="{C9C62D77-6006-BF10-1E90-2DA1874982D5}"/>
-              </a:ext>
-            </a:extLst>
-          </p:cNvPr>
-          <p:cNvPicPr>
-            <a:picLocks noChangeAspect="1"/>
-          </p:cNvPicPr>
-          <p:nvPr/>
-        </p:nvPicPr>
-        <p:blipFill>
-          <a:blip r:embed="rId2">
-            <a:extLst>
-              <a:ext uri="{28A0092B-C50C-407E-A947-70E740481C1C}">
-                <a14:useLocalDpi xmlns:a14="http://schemas.microsoft.com/office/drawing/2010/main" val="0"/>
-              </a:ext>
-            </a:extLst>
-          </a:blip>
-          <a:srcRect/>
-          <a:stretch/>
-        </p:blipFill>
-        <p:spPr>
-          <a:xfrm>
-            <a:off x="2699464" y="168303"/>
-            <a:ext cx="2100417" cy="3012893"/>
-          </a:xfrm>
-          <a:prstGeom prst="rect">
-            <a:avLst/>
-          </a:prstGeom>
-        </p:spPr>
-      </p:pic>
-    </p:spTree>
-    <p:extLst>
-      <p:ext uri="{BB962C8B-B14F-4D97-AF65-F5344CB8AC3E}">
-        <p14:creationId xmlns:p14="http://schemas.microsoft.com/office/powerpoint/2010/main" val="3784672064"/>
+        <p14:creationId xmlns:p14="http://schemas.microsoft.com/office/powerpoint/2010/main" val="3963797440"/>
       </p:ext>
     </p:extLst>
   </p:cSld>
